--- a/分布式事务beta0.7.pptx
+++ b/分布式事务beta0.7.pptx
@@ -5,7 +5,7 @@
     <p:sldMasterId id="2147483660" r:id="rId1"/>
   </p:sldMasterIdLst>
   <p:notesMasterIdLst>
-    <p:notesMasterId r:id="rId44"/>
+    <p:notesMasterId r:id="rId45"/>
   </p:notesMasterIdLst>
   <p:sldIdLst>
     <p:sldId id="267" r:id="rId2"/>
@@ -22,17 +22,17 @@
     <p:sldId id="316" r:id="rId13"/>
     <p:sldId id="284" r:id="rId14"/>
     <p:sldId id="285" r:id="rId15"/>
-    <p:sldId id="286" r:id="rId16"/>
-    <p:sldId id="287" r:id="rId17"/>
-    <p:sldId id="288" r:id="rId18"/>
-    <p:sldId id="289" r:id="rId19"/>
-    <p:sldId id="290" r:id="rId20"/>
-    <p:sldId id="291" r:id="rId21"/>
-    <p:sldId id="318" r:id="rId22"/>
-    <p:sldId id="320" r:id="rId23"/>
-    <p:sldId id="292" r:id="rId24"/>
-    <p:sldId id="293" r:id="rId25"/>
-    <p:sldId id="294" r:id="rId26"/>
+    <p:sldId id="321" r:id="rId16"/>
+    <p:sldId id="286" r:id="rId17"/>
+    <p:sldId id="287" r:id="rId18"/>
+    <p:sldId id="288" r:id="rId19"/>
+    <p:sldId id="289" r:id="rId20"/>
+    <p:sldId id="290" r:id="rId21"/>
+    <p:sldId id="291" r:id="rId22"/>
+    <p:sldId id="318" r:id="rId23"/>
+    <p:sldId id="320" r:id="rId24"/>
+    <p:sldId id="292" r:id="rId25"/>
+    <p:sldId id="293" r:id="rId26"/>
     <p:sldId id="295" r:id="rId27"/>
     <p:sldId id="296" r:id="rId28"/>
     <p:sldId id="297" r:id="rId29"/>
@@ -50,6 +50,7 @@
     <p:sldId id="309" r:id="rId41"/>
     <p:sldId id="310" r:id="rId42"/>
     <p:sldId id="311" r:id="rId43"/>
+    <p:sldId id="294" r:id="rId44"/>
   </p:sldIdLst>
   <p:sldSz cx="12192000" cy="6858000"/>
   <p:notesSz cx="6858000" cy="9144000"/>
@@ -241,7 +242,7 @@
           <a:p>
             <a:fld id="{7A220C89-F741-4A60-8725-24F669448BA8}" type="datetimeFigureOut">
               <a:rPr lang="zh-CN" altLang="en-US" smtClean="0"/>
-              <a:t>2018/8/29</a:t>
+              <a:t>2018/9/1</a:t>
             </a:fld>
             <a:endParaRPr lang="zh-CN" altLang="en-US"/>
           </a:p>
@@ -530,7 +531,7 @@
           <p:cNvPr id="4" name="日期占位符 3">
             <a:extLst>
               <a:ext uri="{FF2B5EF4-FFF2-40B4-BE49-F238E27FC236}">
-                <a16:creationId xmlns:a16="http://schemas.microsoft.com/office/drawing/2014/main" xmlns="" id="{E3C88C80-19D1-4BDB-93D6-01C8B5D57E2B}"/>
+                <a16:creationId xmlns:a16="http://schemas.microsoft.com/office/drawing/2014/main" id="{E3C88C80-19D1-4BDB-93D6-01C8B5D57E2B}"/>
               </a:ext>
             </a:extLst>
           </p:cNvPr>
@@ -548,7 +549,7 @@
           <a:p>
             <a:fld id="{E13947ED-5EF2-47D5-99F5-5EE8E4B8CE26}" type="datetimeFigureOut">
               <a:rPr lang="zh-CN" altLang="en-US" smtClean="0"/>
-              <a:t>2018/8/29</a:t>
+              <a:t>2018/9/1</a:t>
             </a:fld>
             <a:endParaRPr lang="zh-CN" altLang="en-US"/>
           </a:p>
@@ -559,7 +560,7 @@
           <p:cNvPr id="5" name="页脚占位符 4">
             <a:extLst>
               <a:ext uri="{FF2B5EF4-FFF2-40B4-BE49-F238E27FC236}">
-                <a16:creationId xmlns:a16="http://schemas.microsoft.com/office/drawing/2014/main" xmlns="" id="{DD2AB6A0-788E-44A1-9AE0-27A61338646E}"/>
+                <a16:creationId xmlns:a16="http://schemas.microsoft.com/office/drawing/2014/main" id="{DD2AB6A0-788E-44A1-9AE0-27A61338646E}"/>
               </a:ext>
             </a:extLst>
           </p:cNvPr>
@@ -584,7 +585,7 @@
           <p:cNvPr id="6" name="灯片编号占位符 5">
             <a:extLst>
               <a:ext uri="{FF2B5EF4-FFF2-40B4-BE49-F238E27FC236}">
-                <a16:creationId xmlns:a16="http://schemas.microsoft.com/office/drawing/2014/main" xmlns="" id="{990BFCAA-9D3B-477B-A442-619BF31A71E5}"/>
+                <a16:creationId xmlns:a16="http://schemas.microsoft.com/office/drawing/2014/main" id="{990BFCAA-9D3B-477B-A442-619BF31A71E5}"/>
               </a:ext>
             </a:extLst>
           </p:cNvPr>
@@ -613,7 +614,7 @@
           <p:cNvPr id="9" name="矩形 8">
             <a:extLst>
               <a:ext uri="{FF2B5EF4-FFF2-40B4-BE49-F238E27FC236}">
-                <a16:creationId xmlns:a16="http://schemas.microsoft.com/office/drawing/2014/main" xmlns="" id="{6C26513F-A3B8-4E41-B279-80D4C37DF881}"/>
+                <a16:creationId xmlns:a16="http://schemas.microsoft.com/office/drawing/2014/main" id="{6C26513F-A3B8-4E41-B279-80D4C37DF881}"/>
               </a:ext>
             </a:extLst>
           </p:cNvPr>
@@ -696,7 +697,7 @@
           <p:cNvPr id="2" name="标题 1">
             <a:extLst>
               <a:ext uri="{FF2B5EF4-FFF2-40B4-BE49-F238E27FC236}">
-                <a16:creationId xmlns:a16="http://schemas.microsoft.com/office/drawing/2014/main" xmlns="" id="{547EEB98-0393-480B-8E60-2A9EAD0978D9}"/>
+                <a16:creationId xmlns:a16="http://schemas.microsoft.com/office/drawing/2014/main" id="{547EEB98-0393-480B-8E60-2A9EAD0978D9}"/>
               </a:ext>
             </a:extLst>
           </p:cNvPr>
@@ -724,7 +725,7 @@
           <p:cNvPr id="3" name="竖排文字占位符 2">
             <a:extLst>
               <a:ext uri="{FF2B5EF4-FFF2-40B4-BE49-F238E27FC236}">
-                <a16:creationId xmlns:a16="http://schemas.microsoft.com/office/drawing/2014/main" xmlns="" id="{4D36B5DF-C4C3-4A77-8ACF-13B266642A8D}"/>
+                <a16:creationId xmlns:a16="http://schemas.microsoft.com/office/drawing/2014/main" id="{4D36B5DF-C4C3-4A77-8ACF-13B266642A8D}"/>
               </a:ext>
             </a:extLst>
           </p:cNvPr>
@@ -781,7 +782,7 @@
           <p:cNvPr id="4" name="日期占位符 3">
             <a:extLst>
               <a:ext uri="{FF2B5EF4-FFF2-40B4-BE49-F238E27FC236}">
-                <a16:creationId xmlns:a16="http://schemas.microsoft.com/office/drawing/2014/main" xmlns="" id="{DDE0ECAC-A3F9-42BE-BF00-901B87DA701C}"/>
+                <a16:creationId xmlns:a16="http://schemas.microsoft.com/office/drawing/2014/main" id="{DDE0ECAC-A3F9-42BE-BF00-901B87DA701C}"/>
               </a:ext>
             </a:extLst>
           </p:cNvPr>
@@ -799,7 +800,7 @@
           <a:p>
             <a:fld id="{E13947ED-5EF2-47D5-99F5-5EE8E4B8CE26}" type="datetimeFigureOut">
               <a:rPr lang="zh-CN" altLang="en-US" smtClean="0"/>
-              <a:t>2018/8/29</a:t>
+              <a:t>2018/9/1</a:t>
             </a:fld>
             <a:endParaRPr lang="zh-CN" altLang="en-US"/>
           </a:p>
@@ -810,7 +811,7 @@
           <p:cNvPr id="5" name="页脚占位符 4">
             <a:extLst>
               <a:ext uri="{FF2B5EF4-FFF2-40B4-BE49-F238E27FC236}">
-                <a16:creationId xmlns:a16="http://schemas.microsoft.com/office/drawing/2014/main" xmlns="" id="{D1B573EA-E7CA-4CD3-976F-3BA8607257B3}"/>
+                <a16:creationId xmlns:a16="http://schemas.microsoft.com/office/drawing/2014/main" id="{D1B573EA-E7CA-4CD3-976F-3BA8607257B3}"/>
               </a:ext>
             </a:extLst>
           </p:cNvPr>
@@ -835,7 +836,7 @@
           <p:cNvPr id="6" name="灯片编号占位符 5">
             <a:extLst>
               <a:ext uri="{FF2B5EF4-FFF2-40B4-BE49-F238E27FC236}">
-                <a16:creationId xmlns:a16="http://schemas.microsoft.com/office/drawing/2014/main" xmlns="" id="{01F2393C-774F-4C61-B26E-7E31793FF25B}"/>
+                <a16:creationId xmlns:a16="http://schemas.microsoft.com/office/drawing/2014/main" id="{01F2393C-774F-4C61-B26E-7E31793FF25B}"/>
               </a:ext>
             </a:extLst>
           </p:cNvPr>
@@ -894,7 +895,7 @@
           <p:cNvPr id="2" name="竖排标题 1">
             <a:extLst>
               <a:ext uri="{FF2B5EF4-FFF2-40B4-BE49-F238E27FC236}">
-                <a16:creationId xmlns:a16="http://schemas.microsoft.com/office/drawing/2014/main" xmlns="" id="{EDD4389D-1F5C-49F4-A396-E863F331CF99}"/>
+                <a16:creationId xmlns:a16="http://schemas.microsoft.com/office/drawing/2014/main" id="{EDD4389D-1F5C-49F4-A396-E863F331CF99}"/>
               </a:ext>
             </a:extLst>
           </p:cNvPr>
@@ -927,7 +928,7 @@
           <p:cNvPr id="3" name="竖排文字占位符 2">
             <a:extLst>
               <a:ext uri="{FF2B5EF4-FFF2-40B4-BE49-F238E27FC236}">
-                <a16:creationId xmlns:a16="http://schemas.microsoft.com/office/drawing/2014/main" xmlns="" id="{868EED7C-014A-412F-A030-FEEF200577A8}"/>
+                <a16:creationId xmlns:a16="http://schemas.microsoft.com/office/drawing/2014/main" id="{868EED7C-014A-412F-A030-FEEF200577A8}"/>
               </a:ext>
             </a:extLst>
           </p:cNvPr>
@@ -989,7 +990,7 @@
           <p:cNvPr id="4" name="日期占位符 3">
             <a:extLst>
               <a:ext uri="{FF2B5EF4-FFF2-40B4-BE49-F238E27FC236}">
-                <a16:creationId xmlns:a16="http://schemas.microsoft.com/office/drawing/2014/main" xmlns="" id="{552C2468-D58E-409B-B5B9-B259BA5D47C5}"/>
+                <a16:creationId xmlns:a16="http://schemas.microsoft.com/office/drawing/2014/main" id="{552C2468-D58E-409B-B5B9-B259BA5D47C5}"/>
               </a:ext>
             </a:extLst>
           </p:cNvPr>
@@ -1007,7 +1008,7 @@
           <a:p>
             <a:fld id="{E13947ED-5EF2-47D5-99F5-5EE8E4B8CE26}" type="datetimeFigureOut">
               <a:rPr lang="zh-CN" altLang="en-US" smtClean="0"/>
-              <a:t>2018/8/29</a:t>
+              <a:t>2018/9/1</a:t>
             </a:fld>
             <a:endParaRPr lang="zh-CN" altLang="en-US"/>
           </a:p>
@@ -1018,7 +1019,7 @@
           <p:cNvPr id="5" name="页脚占位符 4">
             <a:extLst>
               <a:ext uri="{FF2B5EF4-FFF2-40B4-BE49-F238E27FC236}">
-                <a16:creationId xmlns:a16="http://schemas.microsoft.com/office/drawing/2014/main" xmlns="" id="{39217E4D-8B68-498A-880E-43D36112B605}"/>
+                <a16:creationId xmlns:a16="http://schemas.microsoft.com/office/drawing/2014/main" id="{39217E4D-8B68-498A-880E-43D36112B605}"/>
               </a:ext>
             </a:extLst>
           </p:cNvPr>
@@ -1043,7 +1044,7 @@
           <p:cNvPr id="6" name="灯片编号占位符 5">
             <a:extLst>
               <a:ext uri="{FF2B5EF4-FFF2-40B4-BE49-F238E27FC236}">
-                <a16:creationId xmlns:a16="http://schemas.microsoft.com/office/drawing/2014/main" xmlns="" id="{8196A66A-5635-42D4-9D99-87FD143353B1}"/>
+                <a16:creationId xmlns:a16="http://schemas.microsoft.com/office/drawing/2014/main" id="{8196A66A-5635-42D4-9D99-87FD143353B1}"/>
               </a:ext>
             </a:extLst>
           </p:cNvPr>
@@ -1102,7 +1103,7 @@
           <p:cNvPr id="2" name="标题 1">
             <a:extLst>
               <a:ext uri="{FF2B5EF4-FFF2-40B4-BE49-F238E27FC236}">
-                <a16:creationId xmlns:a16="http://schemas.microsoft.com/office/drawing/2014/main" xmlns="" id="{EBD60D8C-16FE-4A0F-8162-224CE033DB87}"/>
+                <a16:creationId xmlns:a16="http://schemas.microsoft.com/office/drawing/2014/main" id="{EBD60D8C-16FE-4A0F-8162-224CE033DB87}"/>
               </a:ext>
             </a:extLst>
           </p:cNvPr>
@@ -1130,7 +1131,7 @@
           <p:cNvPr id="3" name="内容占位符 2">
             <a:extLst>
               <a:ext uri="{FF2B5EF4-FFF2-40B4-BE49-F238E27FC236}">
-                <a16:creationId xmlns:a16="http://schemas.microsoft.com/office/drawing/2014/main" xmlns="" id="{25FA777C-D381-45B9-8DE4-5B22917C81B7}"/>
+                <a16:creationId xmlns:a16="http://schemas.microsoft.com/office/drawing/2014/main" id="{25FA777C-D381-45B9-8DE4-5B22917C81B7}"/>
               </a:ext>
             </a:extLst>
           </p:cNvPr>
@@ -1187,7 +1188,7 @@
           <p:cNvPr id="4" name="日期占位符 3">
             <a:extLst>
               <a:ext uri="{FF2B5EF4-FFF2-40B4-BE49-F238E27FC236}">
-                <a16:creationId xmlns:a16="http://schemas.microsoft.com/office/drawing/2014/main" xmlns="" id="{19005A1B-C957-4703-9672-D38D7F0D42DE}"/>
+                <a16:creationId xmlns:a16="http://schemas.microsoft.com/office/drawing/2014/main" id="{19005A1B-C957-4703-9672-D38D7F0D42DE}"/>
               </a:ext>
             </a:extLst>
           </p:cNvPr>
@@ -1205,7 +1206,7 @@
           <a:p>
             <a:fld id="{E13947ED-5EF2-47D5-99F5-5EE8E4B8CE26}" type="datetimeFigureOut">
               <a:rPr lang="zh-CN" altLang="en-US" smtClean="0"/>
-              <a:t>2018/8/29</a:t>
+              <a:t>2018/9/1</a:t>
             </a:fld>
             <a:endParaRPr lang="zh-CN" altLang="en-US"/>
           </a:p>
@@ -1216,7 +1217,7 @@
           <p:cNvPr id="5" name="页脚占位符 4">
             <a:extLst>
               <a:ext uri="{FF2B5EF4-FFF2-40B4-BE49-F238E27FC236}">
-                <a16:creationId xmlns:a16="http://schemas.microsoft.com/office/drawing/2014/main" xmlns="" id="{13B04B88-D41A-4688-9279-72DDE1B03570}"/>
+                <a16:creationId xmlns:a16="http://schemas.microsoft.com/office/drawing/2014/main" id="{13B04B88-D41A-4688-9279-72DDE1B03570}"/>
               </a:ext>
             </a:extLst>
           </p:cNvPr>
@@ -1241,7 +1242,7 @@
           <p:cNvPr id="6" name="灯片编号占位符 5">
             <a:extLst>
               <a:ext uri="{FF2B5EF4-FFF2-40B4-BE49-F238E27FC236}">
-                <a16:creationId xmlns:a16="http://schemas.microsoft.com/office/drawing/2014/main" xmlns="" id="{13906B67-1FC3-45D1-809F-1D068B01C2CC}"/>
+                <a16:creationId xmlns:a16="http://schemas.microsoft.com/office/drawing/2014/main" id="{13906B67-1FC3-45D1-809F-1D068B01C2CC}"/>
               </a:ext>
             </a:extLst>
           </p:cNvPr>
@@ -1300,7 +1301,7 @@
           <p:cNvPr id="2" name="标题 1">
             <a:extLst>
               <a:ext uri="{FF2B5EF4-FFF2-40B4-BE49-F238E27FC236}">
-                <a16:creationId xmlns:a16="http://schemas.microsoft.com/office/drawing/2014/main" xmlns="" id="{93829A10-6E5B-407F-B75D-F81C28EC3C99}"/>
+                <a16:creationId xmlns:a16="http://schemas.microsoft.com/office/drawing/2014/main" id="{93829A10-6E5B-407F-B75D-F81C28EC3C99}"/>
               </a:ext>
             </a:extLst>
           </p:cNvPr>
@@ -1337,7 +1338,7 @@
           <p:cNvPr id="3" name="文本占位符 2">
             <a:extLst>
               <a:ext uri="{FF2B5EF4-FFF2-40B4-BE49-F238E27FC236}">
-                <a16:creationId xmlns:a16="http://schemas.microsoft.com/office/drawing/2014/main" xmlns="" id="{5CE05E73-EB18-44B9-86FB-CE40702FDFF1}"/>
+                <a16:creationId xmlns:a16="http://schemas.microsoft.com/office/drawing/2014/main" id="{5CE05E73-EB18-44B9-86FB-CE40702FDFF1}"/>
               </a:ext>
             </a:extLst>
           </p:cNvPr>
@@ -1462,7 +1463,7 @@
           <p:cNvPr id="4" name="日期占位符 3">
             <a:extLst>
               <a:ext uri="{FF2B5EF4-FFF2-40B4-BE49-F238E27FC236}">
-                <a16:creationId xmlns:a16="http://schemas.microsoft.com/office/drawing/2014/main" xmlns="" id="{06DC7E8F-AA26-44A7-86A1-15FAC0515E8B}"/>
+                <a16:creationId xmlns:a16="http://schemas.microsoft.com/office/drawing/2014/main" id="{06DC7E8F-AA26-44A7-86A1-15FAC0515E8B}"/>
               </a:ext>
             </a:extLst>
           </p:cNvPr>
@@ -1480,7 +1481,7 @@
           <a:p>
             <a:fld id="{E13947ED-5EF2-47D5-99F5-5EE8E4B8CE26}" type="datetimeFigureOut">
               <a:rPr lang="zh-CN" altLang="en-US" smtClean="0"/>
-              <a:t>2018/8/29</a:t>
+              <a:t>2018/9/1</a:t>
             </a:fld>
             <a:endParaRPr lang="zh-CN" altLang="en-US"/>
           </a:p>
@@ -1491,7 +1492,7 @@
           <p:cNvPr id="5" name="页脚占位符 4">
             <a:extLst>
               <a:ext uri="{FF2B5EF4-FFF2-40B4-BE49-F238E27FC236}">
-                <a16:creationId xmlns:a16="http://schemas.microsoft.com/office/drawing/2014/main" xmlns="" id="{5E53C6DD-ACA2-46A2-977E-CACA41DF418E}"/>
+                <a16:creationId xmlns:a16="http://schemas.microsoft.com/office/drawing/2014/main" id="{5E53C6DD-ACA2-46A2-977E-CACA41DF418E}"/>
               </a:ext>
             </a:extLst>
           </p:cNvPr>
@@ -1516,7 +1517,7 @@
           <p:cNvPr id="6" name="灯片编号占位符 5">
             <a:extLst>
               <a:ext uri="{FF2B5EF4-FFF2-40B4-BE49-F238E27FC236}">
-                <a16:creationId xmlns:a16="http://schemas.microsoft.com/office/drawing/2014/main" xmlns="" id="{94C0A770-B5C2-49A1-B551-FEBFEA495CCC}"/>
+                <a16:creationId xmlns:a16="http://schemas.microsoft.com/office/drawing/2014/main" id="{94C0A770-B5C2-49A1-B551-FEBFEA495CCC}"/>
               </a:ext>
             </a:extLst>
           </p:cNvPr>
@@ -1575,7 +1576,7 @@
           <p:cNvPr id="2" name="标题 1">
             <a:extLst>
               <a:ext uri="{FF2B5EF4-FFF2-40B4-BE49-F238E27FC236}">
-                <a16:creationId xmlns:a16="http://schemas.microsoft.com/office/drawing/2014/main" xmlns="" id="{20E86134-4E94-4A0C-A15D-B83812318D7B}"/>
+                <a16:creationId xmlns:a16="http://schemas.microsoft.com/office/drawing/2014/main" id="{20E86134-4E94-4A0C-A15D-B83812318D7B}"/>
               </a:ext>
             </a:extLst>
           </p:cNvPr>
@@ -1603,7 +1604,7 @@
           <p:cNvPr id="3" name="内容占位符 2">
             <a:extLst>
               <a:ext uri="{FF2B5EF4-FFF2-40B4-BE49-F238E27FC236}">
-                <a16:creationId xmlns:a16="http://schemas.microsoft.com/office/drawing/2014/main" xmlns="" id="{F96D7E77-2F48-4544-A1CD-9E86FCC55571}"/>
+                <a16:creationId xmlns:a16="http://schemas.microsoft.com/office/drawing/2014/main" id="{F96D7E77-2F48-4544-A1CD-9E86FCC55571}"/>
               </a:ext>
             </a:extLst>
           </p:cNvPr>
@@ -1665,7 +1666,7 @@
           <p:cNvPr id="4" name="内容占位符 3">
             <a:extLst>
               <a:ext uri="{FF2B5EF4-FFF2-40B4-BE49-F238E27FC236}">
-                <a16:creationId xmlns:a16="http://schemas.microsoft.com/office/drawing/2014/main" xmlns="" id="{378EF259-984C-4612-9697-1B614C457210}"/>
+                <a16:creationId xmlns:a16="http://schemas.microsoft.com/office/drawing/2014/main" id="{378EF259-984C-4612-9697-1B614C457210}"/>
               </a:ext>
             </a:extLst>
           </p:cNvPr>
@@ -1727,7 +1728,7 @@
           <p:cNvPr id="5" name="日期占位符 4">
             <a:extLst>
               <a:ext uri="{FF2B5EF4-FFF2-40B4-BE49-F238E27FC236}">
-                <a16:creationId xmlns:a16="http://schemas.microsoft.com/office/drawing/2014/main" xmlns="" id="{04FF540F-8520-4FB4-ACA3-49897EC342D8}"/>
+                <a16:creationId xmlns:a16="http://schemas.microsoft.com/office/drawing/2014/main" id="{04FF540F-8520-4FB4-ACA3-49897EC342D8}"/>
               </a:ext>
             </a:extLst>
           </p:cNvPr>
@@ -1745,7 +1746,7 @@
           <a:p>
             <a:fld id="{E13947ED-5EF2-47D5-99F5-5EE8E4B8CE26}" type="datetimeFigureOut">
               <a:rPr lang="zh-CN" altLang="en-US" smtClean="0"/>
-              <a:t>2018/8/29</a:t>
+              <a:t>2018/9/1</a:t>
             </a:fld>
             <a:endParaRPr lang="zh-CN" altLang="en-US"/>
           </a:p>
@@ -1756,7 +1757,7 @@
           <p:cNvPr id="6" name="页脚占位符 5">
             <a:extLst>
               <a:ext uri="{FF2B5EF4-FFF2-40B4-BE49-F238E27FC236}">
-                <a16:creationId xmlns:a16="http://schemas.microsoft.com/office/drawing/2014/main" xmlns="" id="{93EAA31E-3C16-4F4D-B614-85753F02F6B7}"/>
+                <a16:creationId xmlns:a16="http://schemas.microsoft.com/office/drawing/2014/main" id="{93EAA31E-3C16-4F4D-B614-85753F02F6B7}"/>
               </a:ext>
             </a:extLst>
           </p:cNvPr>
@@ -1781,7 +1782,7 @@
           <p:cNvPr id="7" name="灯片编号占位符 6">
             <a:extLst>
               <a:ext uri="{FF2B5EF4-FFF2-40B4-BE49-F238E27FC236}">
-                <a16:creationId xmlns:a16="http://schemas.microsoft.com/office/drawing/2014/main" xmlns="" id="{672D8E7C-60B4-42A0-AD00-D18A2C69FA31}"/>
+                <a16:creationId xmlns:a16="http://schemas.microsoft.com/office/drawing/2014/main" id="{672D8E7C-60B4-42A0-AD00-D18A2C69FA31}"/>
               </a:ext>
             </a:extLst>
           </p:cNvPr>
@@ -1840,7 +1841,7 @@
           <p:cNvPr id="2" name="标题 1">
             <a:extLst>
               <a:ext uri="{FF2B5EF4-FFF2-40B4-BE49-F238E27FC236}">
-                <a16:creationId xmlns:a16="http://schemas.microsoft.com/office/drawing/2014/main" xmlns="" id="{3DAA7673-F055-48BB-BC0D-B50A12E1DFAB}"/>
+                <a16:creationId xmlns:a16="http://schemas.microsoft.com/office/drawing/2014/main" id="{3DAA7673-F055-48BB-BC0D-B50A12E1DFAB}"/>
               </a:ext>
             </a:extLst>
           </p:cNvPr>
@@ -1873,7 +1874,7 @@
           <p:cNvPr id="3" name="文本占位符 2">
             <a:extLst>
               <a:ext uri="{FF2B5EF4-FFF2-40B4-BE49-F238E27FC236}">
-                <a16:creationId xmlns:a16="http://schemas.microsoft.com/office/drawing/2014/main" xmlns="" id="{12565607-4068-4C48-8E05-1F84A51D9647}"/>
+                <a16:creationId xmlns:a16="http://schemas.microsoft.com/office/drawing/2014/main" id="{12565607-4068-4C48-8E05-1F84A51D9647}"/>
               </a:ext>
             </a:extLst>
           </p:cNvPr>
@@ -1944,7 +1945,7 @@
           <p:cNvPr id="4" name="内容占位符 3">
             <a:extLst>
               <a:ext uri="{FF2B5EF4-FFF2-40B4-BE49-F238E27FC236}">
-                <a16:creationId xmlns:a16="http://schemas.microsoft.com/office/drawing/2014/main" xmlns="" id="{18D95BEA-0F84-49F2-BC33-24F0EFB4FF5C}"/>
+                <a16:creationId xmlns:a16="http://schemas.microsoft.com/office/drawing/2014/main" id="{18D95BEA-0F84-49F2-BC33-24F0EFB4FF5C}"/>
               </a:ext>
             </a:extLst>
           </p:cNvPr>
@@ -2006,7 +2007,7 @@
           <p:cNvPr id="5" name="文本占位符 4">
             <a:extLst>
               <a:ext uri="{FF2B5EF4-FFF2-40B4-BE49-F238E27FC236}">
-                <a16:creationId xmlns:a16="http://schemas.microsoft.com/office/drawing/2014/main" xmlns="" id="{FADB7FA0-9F9C-47EB-ADEC-362EE55BD927}"/>
+                <a16:creationId xmlns:a16="http://schemas.microsoft.com/office/drawing/2014/main" id="{FADB7FA0-9F9C-47EB-ADEC-362EE55BD927}"/>
               </a:ext>
             </a:extLst>
           </p:cNvPr>
@@ -2077,7 +2078,7 @@
           <p:cNvPr id="6" name="内容占位符 5">
             <a:extLst>
               <a:ext uri="{FF2B5EF4-FFF2-40B4-BE49-F238E27FC236}">
-                <a16:creationId xmlns:a16="http://schemas.microsoft.com/office/drawing/2014/main" xmlns="" id="{E7248ACC-75CB-41AA-817D-12AE2F3C6FFE}"/>
+                <a16:creationId xmlns:a16="http://schemas.microsoft.com/office/drawing/2014/main" id="{E7248ACC-75CB-41AA-817D-12AE2F3C6FFE}"/>
               </a:ext>
             </a:extLst>
           </p:cNvPr>
@@ -2139,7 +2140,7 @@
           <p:cNvPr id="7" name="日期占位符 6">
             <a:extLst>
               <a:ext uri="{FF2B5EF4-FFF2-40B4-BE49-F238E27FC236}">
-                <a16:creationId xmlns:a16="http://schemas.microsoft.com/office/drawing/2014/main" xmlns="" id="{0DB29D8F-F426-4E51-A0A5-3C4CEC90EC5D}"/>
+                <a16:creationId xmlns:a16="http://schemas.microsoft.com/office/drawing/2014/main" id="{0DB29D8F-F426-4E51-A0A5-3C4CEC90EC5D}"/>
               </a:ext>
             </a:extLst>
           </p:cNvPr>
@@ -2157,7 +2158,7 @@
           <a:p>
             <a:fld id="{E13947ED-5EF2-47D5-99F5-5EE8E4B8CE26}" type="datetimeFigureOut">
               <a:rPr lang="zh-CN" altLang="en-US" smtClean="0"/>
-              <a:t>2018/8/29</a:t>
+              <a:t>2018/9/1</a:t>
             </a:fld>
             <a:endParaRPr lang="zh-CN" altLang="en-US"/>
           </a:p>
@@ -2168,7 +2169,7 @@
           <p:cNvPr id="8" name="页脚占位符 7">
             <a:extLst>
               <a:ext uri="{FF2B5EF4-FFF2-40B4-BE49-F238E27FC236}">
-                <a16:creationId xmlns:a16="http://schemas.microsoft.com/office/drawing/2014/main" xmlns="" id="{A88F9B0E-30F6-457F-85F2-E64914582D9B}"/>
+                <a16:creationId xmlns:a16="http://schemas.microsoft.com/office/drawing/2014/main" id="{A88F9B0E-30F6-457F-85F2-E64914582D9B}"/>
               </a:ext>
             </a:extLst>
           </p:cNvPr>
@@ -2193,7 +2194,7 @@
           <p:cNvPr id="9" name="灯片编号占位符 8">
             <a:extLst>
               <a:ext uri="{FF2B5EF4-FFF2-40B4-BE49-F238E27FC236}">
-                <a16:creationId xmlns:a16="http://schemas.microsoft.com/office/drawing/2014/main" xmlns="" id="{A3E9E7FD-B0B2-4B59-94D3-CAF66405DB56}"/>
+                <a16:creationId xmlns:a16="http://schemas.microsoft.com/office/drawing/2014/main" id="{A3E9E7FD-B0B2-4B59-94D3-CAF66405DB56}"/>
               </a:ext>
             </a:extLst>
           </p:cNvPr>
@@ -2252,7 +2253,7 @@
           <p:cNvPr id="2" name="标题 1">
             <a:extLst>
               <a:ext uri="{FF2B5EF4-FFF2-40B4-BE49-F238E27FC236}">
-                <a16:creationId xmlns:a16="http://schemas.microsoft.com/office/drawing/2014/main" xmlns="" id="{6E8B22ED-2DBF-4A5A-8181-C8D94BB0A722}"/>
+                <a16:creationId xmlns:a16="http://schemas.microsoft.com/office/drawing/2014/main" id="{6E8B22ED-2DBF-4A5A-8181-C8D94BB0A722}"/>
               </a:ext>
             </a:extLst>
           </p:cNvPr>
@@ -2280,7 +2281,7 @@
           <p:cNvPr id="3" name="日期占位符 2">
             <a:extLst>
               <a:ext uri="{FF2B5EF4-FFF2-40B4-BE49-F238E27FC236}">
-                <a16:creationId xmlns:a16="http://schemas.microsoft.com/office/drawing/2014/main" xmlns="" id="{90CA4E6A-2A2F-4177-93FD-19E26096B93E}"/>
+                <a16:creationId xmlns:a16="http://schemas.microsoft.com/office/drawing/2014/main" id="{90CA4E6A-2A2F-4177-93FD-19E26096B93E}"/>
               </a:ext>
             </a:extLst>
           </p:cNvPr>
@@ -2298,7 +2299,7 @@
           <a:p>
             <a:fld id="{E13947ED-5EF2-47D5-99F5-5EE8E4B8CE26}" type="datetimeFigureOut">
               <a:rPr lang="zh-CN" altLang="en-US" smtClean="0"/>
-              <a:t>2018/8/29</a:t>
+              <a:t>2018/9/1</a:t>
             </a:fld>
             <a:endParaRPr lang="zh-CN" altLang="en-US"/>
           </a:p>
@@ -2309,7 +2310,7 @@
           <p:cNvPr id="4" name="页脚占位符 3">
             <a:extLst>
               <a:ext uri="{FF2B5EF4-FFF2-40B4-BE49-F238E27FC236}">
-                <a16:creationId xmlns:a16="http://schemas.microsoft.com/office/drawing/2014/main" xmlns="" id="{621446D4-BE62-44A4-9C63-2BFF90455072}"/>
+                <a16:creationId xmlns:a16="http://schemas.microsoft.com/office/drawing/2014/main" id="{621446D4-BE62-44A4-9C63-2BFF90455072}"/>
               </a:ext>
             </a:extLst>
           </p:cNvPr>
@@ -2334,7 +2335,7 @@
           <p:cNvPr id="5" name="灯片编号占位符 4">
             <a:extLst>
               <a:ext uri="{FF2B5EF4-FFF2-40B4-BE49-F238E27FC236}">
-                <a16:creationId xmlns:a16="http://schemas.microsoft.com/office/drawing/2014/main" xmlns="" id="{B8A11A11-70A6-45E2-944D-56FD59670EBB}"/>
+                <a16:creationId xmlns:a16="http://schemas.microsoft.com/office/drawing/2014/main" id="{B8A11A11-70A6-45E2-944D-56FD59670EBB}"/>
               </a:ext>
             </a:extLst>
           </p:cNvPr>
@@ -2393,7 +2394,7 @@
           <p:cNvPr id="2" name="日期占位符 1">
             <a:extLst>
               <a:ext uri="{FF2B5EF4-FFF2-40B4-BE49-F238E27FC236}">
-                <a16:creationId xmlns:a16="http://schemas.microsoft.com/office/drawing/2014/main" xmlns="" id="{944D6401-666C-4E1E-B427-A901A7B2A96C}"/>
+                <a16:creationId xmlns:a16="http://schemas.microsoft.com/office/drawing/2014/main" id="{944D6401-666C-4E1E-B427-A901A7B2A96C}"/>
               </a:ext>
             </a:extLst>
           </p:cNvPr>
@@ -2411,7 +2412,7 @@
           <a:p>
             <a:fld id="{E13947ED-5EF2-47D5-99F5-5EE8E4B8CE26}" type="datetimeFigureOut">
               <a:rPr lang="zh-CN" altLang="en-US" smtClean="0"/>
-              <a:t>2018/8/29</a:t>
+              <a:t>2018/9/1</a:t>
             </a:fld>
             <a:endParaRPr lang="zh-CN" altLang="en-US"/>
           </a:p>
@@ -2422,7 +2423,7 @@
           <p:cNvPr id="3" name="页脚占位符 2">
             <a:extLst>
               <a:ext uri="{FF2B5EF4-FFF2-40B4-BE49-F238E27FC236}">
-                <a16:creationId xmlns:a16="http://schemas.microsoft.com/office/drawing/2014/main" xmlns="" id="{C1141513-744D-4DB4-B4DB-10C84D946A98}"/>
+                <a16:creationId xmlns:a16="http://schemas.microsoft.com/office/drawing/2014/main" id="{C1141513-744D-4DB4-B4DB-10C84D946A98}"/>
               </a:ext>
             </a:extLst>
           </p:cNvPr>
@@ -2447,7 +2448,7 @@
           <p:cNvPr id="4" name="灯片编号占位符 3">
             <a:extLst>
               <a:ext uri="{FF2B5EF4-FFF2-40B4-BE49-F238E27FC236}">
-                <a16:creationId xmlns:a16="http://schemas.microsoft.com/office/drawing/2014/main" xmlns="" id="{50451892-D0AF-4AB1-A8B6-D32ECDC5BAD2}"/>
+                <a16:creationId xmlns:a16="http://schemas.microsoft.com/office/drawing/2014/main" id="{50451892-D0AF-4AB1-A8B6-D32ECDC5BAD2}"/>
               </a:ext>
             </a:extLst>
           </p:cNvPr>
@@ -2506,7 +2507,7 @@
           <p:cNvPr id="2" name="标题 1">
             <a:extLst>
               <a:ext uri="{FF2B5EF4-FFF2-40B4-BE49-F238E27FC236}">
-                <a16:creationId xmlns:a16="http://schemas.microsoft.com/office/drawing/2014/main" xmlns="" id="{1CDA1B03-EEB6-449F-B587-D8A250E3F408}"/>
+                <a16:creationId xmlns:a16="http://schemas.microsoft.com/office/drawing/2014/main" id="{1CDA1B03-EEB6-449F-B587-D8A250E3F408}"/>
               </a:ext>
             </a:extLst>
           </p:cNvPr>
@@ -2543,7 +2544,7 @@
           <p:cNvPr id="3" name="内容占位符 2">
             <a:extLst>
               <a:ext uri="{FF2B5EF4-FFF2-40B4-BE49-F238E27FC236}">
-                <a16:creationId xmlns:a16="http://schemas.microsoft.com/office/drawing/2014/main" xmlns="" id="{739C6ED7-0309-4F98-8E8C-1407596D463D}"/>
+                <a16:creationId xmlns:a16="http://schemas.microsoft.com/office/drawing/2014/main" id="{739C6ED7-0309-4F98-8E8C-1407596D463D}"/>
               </a:ext>
             </a:extLst>
           </p:cNvPr>
@@ -2633,7 +2634,7 @@
           <p:cNvPr id="4" name="文本占位符 3">
             <a:extLst>
               <a:ext uri="{FF2B5EF4-FFF2-40B4-BE49-F238E27FC236}">
-                <a16:creationId xmlns:a16="http://schemas.microsoft.com/office/drawing/2014/main" xmlns="" id="{8397134F-D875-45C7-8414-A1348E2A2713}"/>
+                <a16:creationId xmlns:a16="http://schemas.microsoft.com/office/drawing/2014/main" id="{8397134F-D875-45C7-8414-A1348E2A2713}"/>
               </a:ext>
             </a:extLst>
           </p:cNvPr>
@@ -2704,7 +2705,7 @@
           <p:cNvPr id="5" name="日期占位符 4">
             <a:extLst>
               <a:ext uri="{FF2B5EF4-FFF2-40B4-BE49-F238E27FC236}">
-                <a16:creationId xmlns:a16="http://schemas.microsoft.com/office/drawing/2014/main" xmlns="" id="{3CF02891-F26E-4C77-849A-A789958A3991}"/>
+                <a16:creationId xmlns:a16="http://schemas.microsoft.com/office/drawing/2014/main" id="{3CF02891-F26E-4C77-849A-A789958A3991}"/>
               </a:ext>
             </a:extLst>
           </p:cNvPr>
@@ -2722,7 +2723,7 @@
           <a:p>
             <a:fld id="{E13947ED-5EF2-47D5-99F5-5EE8E4B8CE26}" type="datetimeFigureOut">
               <a:rPr lang="zh-CN" altLang="en-US" smtClean="0"/>
-              <a:t>2018/8/29</a:t>
+              <a:t>2018/9/1</a:t>
             </a:fld>
             <a:endParaRPr lang="zh-CN" altLang="en-US"/>
           </a:p>
@@ -2733,7 +2734,7 @@
           <p:cNvPr id="6" name="页脚占位符 5">
             <a:extLst>
               <a:ext uri="{FF2B5EF4-FFF2-40B4-BE49-F238E27FC236}">
-                <a16:creationId xmlns:a16="http://schemas.microsoft.com/office/drawing/2014/main" xmlns="" id="{10F794DC-9C23-41AA-871C-1B1F276F55FD}"/>
+                <a16:creationId xmlns:a16="http://schemas.microsoft.com/office/drawing/2014/main" id="{10F794DC-9C23-41AA-871C-1B1F276F55FD}"/>
               </a:ext>
             </a:extLst>
           </p:cNvPr>
@@ -2758,7 +2759,7 @@
           <p:cNvPr id="7" name="灯片编号占位符 6">
             <a:extLst>
               <a:ext uri="{FF2B5EF4-FFF2-40B4-BE49-F238E27FC236}">
-                <a16:creationId xmlns:a16="http://schemas.microsoft.com/office/drawing/2014/main" xmlns="" id="{EFE8E85E-3D90-4BF4-BD34-8097D272FE25}"/>
+                <a16:creationId xmlns:a16="http://schemas.microsoft.com/office/drawing/2014/main" id="{EFE8E85E-3D90-4BF4-BD34-8097D272FE25}"/>
               </a:ext>
             </a:extLst>
           </p:cNvPr>
@@ -2817,7 +2818,7 @@
           <p:cNvPr id="2" name="标题 1">
             <a:extLst>
               <a:ext uri="{FF2B5EF4-FFF2-40B4-BE49-F238E27FC236}">
-                <a16:creationId xmlns:a16="http://schemas.microsoft.com/office/drawing/2014/main" xmlns="" id="{6AF319B2-F2EA-495A-82D3-E6EB39D4A314}"/>
+                <a16:creationId xmlns:a16="http://schemas.microsoft.com/office/drawing/2014/main" id="{6AF319B2-F2EA-495A-82D3-E6EB39D4A314}"/>
               </a:ext>
             </a:extLst>
           </p:cNvPr>
@@ -2854,7 +2855,7 @@
           <p:cNvPr id="3" name="图片占位符 2">
             <a:extLst>
               <a:ext uri="{FF2B5EF4-FFF2-40B4-BE49-F238E27FC236}">
-                <a16:creationId xmlns:a16="http://schemas.microsoft.com/office/drawing/2014/main" xmlns="" id="{DC669108-E9E2-412C-92F4-801DAD27A8D8}"/>
+                <a16:creationId xmlns:a16="http://schemas.microsoft.com/office/drawing/2014/main" id="{DC669108-E9E2-412C-92F4-801DAD27A8D8}"/>
               </a:ext>
             </a:extLst>
           </p:cNvPr>
@@ -2924,7 +2925,7 @@
           <p:cNvPr id="4" name="文本占位符 3">
             <a:extLst>
               <a:ext uri="{FF2B5EF4-FFF2-40B4-BE49-F238E27FC236}">
-                <a16:creationId xmlns:a16="http://schemas.microsoft.com/office/drawing/2014/main" xmlns="" id="{F644806A-9C87-4B48-9471-9E8D8BC120E1}"/>
+                <a16:creationId xmlns:a16="http://schemas.microsoft.com/office/drawing/2014/main" id="{F644806A-9C87-4B48-9471-9E8D8BC120E1}"/>
               </a:ext>
             </a:extLst>
           </p:cNvPr>
@@ -2995,7 +2996,7 @@
           <p:cNvPr id="5" name="日期占位符 4">
             <a:extLst>
               <a:ext uri="{FF2B5EF4-FFF2-40B4-BE49-F238E27FC236}">
-                <a16:creationId xmlns:a16="http://schemas.microsoft.com/office/drawing/2014/main" xmlns="" id="{7BE6CDDA-FE39-4DB3-A68F-E1EBE86A321D}"/>
+                <a16:creationId xmlns:a16="http://schemas.microsoft.com/office/drawing/2014/main" id="{7BE6CDDA-FE39-4DB3-A68F-E1EBE86A321D}"/>
               </a:ext>
             </a:extLst>
           </p:cNvPr>
@@ -3013,7 +3014,7 @@
           <a:p>
             <a:fld id="{E13947ED-5EF2-47D5-99F5-5EE8E4B8CE26}" type="datetimeFigureOut">
               <a:rPr lang="zh-CN" altLang="en-US" smtClean="0"/>
-              <a:t>2018/8/29</a:t>
+              <a:t>2018/9/1</a:t>
             </a:fld>
             <a:endParaRPr lang="zh-CN" altLang="en-US"/>
           </a:p>
@@ -3024,7 +3025,7 @@
           <p:cNvPr id="6" name="页脚占位符 5">
             <a:extLst>
               <a:ext uri="{FF2B5EF4-FFF2-40B4-BE49-F238E27FC236}">
-                <a16:creationId xmlns:a16="http://schemas.microsoft.com/office/drawing/2014/main" xmlns="" id="{EE0E17C6-1E15-4A08-99C9-CE3214A5BDB0}"/>
+                <a16:creationId xmlns:a16="http://schemas.microsoft.com/office/drawing/2014/main" id="{EE0E17C6-1E15-4A08-99C9-CE3214A5BDB0}"/>
               </a:ext>
             </a:extLst>
           </p:cNvPr>
@@ -3049,7 +3050,7 @@
           <p:cNvPr id="7" name="灯片编号占位符 6">
             <a:extLst>
               <a:ext uri="{FF2B5EF4-FFF2-40B4-BE49-F238E27FC236}">
-                <a16:creationId xmlns:a16="http://schemas.microsoft.com/office/drawing/2014/main" xmlns="" id="{F5EF518D-DE11-4978-A147-1D9DC5E1AEAA}"/>
+                <a16:creationId xmlns:a16="http://schemas.microsoft.com/office/drawing/2014/main" id="{F5EF518D-DE11-4978-A147-1D9DC5E1AEAA}"/>
               </a:ext>
             </a:extLst>
           </p:cNvPr>
@@ -3113,7 +3114,7 @@
           <p:cNvPr id="2" name="标题占位符 1">
             <a:extLst>
               <a:ext uri="{FF2B5EF4-FFF2-40B4-BE49-F238E27FC236}">
-                <a16:creationId xmlns:a16="http://schemas.microsoft.com/office/drawing/2014/main" xmlns="" id="{28EBF438-41A3-4937-996D-FA6764742BB8}"/>
+                <a16:creationId xmlns:a16="http://schemas.microsoft.com/office/drawing/2014/main" id="{28EBF438-41A3-4937-996D-FA6764742BB8}"/>
               </a:ext>
             </a:extLst>
           </p:cNvPr>
@@ -3151,7 +3152,7 @@
           <p:cNvPr id="3" name="文本占位符 2">
             <a:extLst>
               <a:ext uri="{FF2B5EF4-FFF2-40B4-BE49-F238E27FC236}">
-                <a16:creationId xmlns:a16="http://schemas.microsoft.com/office/drawing/2014/main" xmlns="" id="{FA3404A1-F618-4B83-9FE9-069EC716D197}"/>
+                <a16:creationId xmlns:a16="http://schemas.microsoft.com/office/drawing/2014/main" id="{FA3404A1-F618-4B83-9FE9-069EC716D197}"/>
               </a:ext>
             </a:extLst>
           </p:cNvPr>
@@ -3218,7 +3219,7 @@
           <p:cNvPr id="4" name="日期占位符 3">
             <a:extLst>
               <a:ext uri="{FF2B5EF4-FFF2-40B4-BE49-F238E27FC236}">
-                <a16:creationId xmlns:a16="http://schemas.microsoft.com/office/drawing/2014/main" xmlns="" id="{9C8E792F-4EBC-413C-A243-D97C66D1E2C0}"/>
+                <a16:creationId xmlns:a16="http://schemas.microsoft.com/office/drawing/2014/main" id="{9C8E792F-4EBC-413C-A243-D97C66D1E2C0}"/>
               </a:ext>
             </a:extLst>
           </p:cNvPr>
@@ -3254,7 +3255,7 @@
           <a:p>
             <a:fld id="{E13947ED-5EF2-47D5-99F5-5EE8E4B8CE26}" type="datetimeFigureOut">
               <a:rPr lang="zh-CN" altLang="en-US" smtClean="0"/>
-              <a:t>2018/8/29</a:t>
+              <a:t>2018/9/1</a:t>
             </a:fld>
             <a:endParaRPr lang="zh-CN" altLang="en-US"/>
           </a:p>
@@ -3265,7 +3266,7 @@
           <p:cNvPr id="5" name="页脚占位符 4">
             <a:extLst>
               <a:ext uri="{FF2B5EF4-FFF2-40B4-BE49-F238E27FC236}">
-                <a16:creationId xmlns:a16="http://schemas.microsoft.com/office/drawing/2014/main" xmlns="" id="{8D5A4C37-2E6F-4F77-B247-ED9AAB071824}"/>
+                <a16:creationId xmlns:a16="http://schemas.microsoft.com/office/drawing/2014/main" id="{8D5A4C37-2E6F-4F77-B247-ED9AAB071824}"/>
               </a:ext>
             </a:extLst>
           </p:cNvPr>
@@ -3308,7 +3309,7 @@
           <p:cNvPr id="6" name="灯片编号占位符 5">
             <a:extLst>
               <a:ext uri="{FF2B5EF4-FFF2-40B4-BE49-F238E27FC236}">
-                <a16:creationId xmlns:a16="http://schemas.microsoft.com/office/drawing/2014/main" xmlns="" id="{665BB5BD-B023-490B-8DCF-87B72E474604}"/>
+                <a16:creationId xmlns:a16="http://schemas.microsoft.com/office/drawing/2014/main" id="{665BB5BD-B023-490B-8DCF-87B72E474604}"/>
               </a:ext>
             </a:extLst>
           </p:cNvPr>
@@ -3676,7 +3677,7 @@
           <p:cNvPr id="2" name="文本框 1">
             <a:extLst>
               <a:ext uri="{FF2B5EF4-FFF2-40B4-BE49-F238E27FC236}">
-                <a16:creationId xmlns:a16="http://schemas.microsoft.com/office/drawing/2014/main" xmlns="" id="{F6B06F0D-1228-4443-B0F7-36556C7ECDBC}"/>
+                <a16:creationId xmlns:a16="http://schemas.microsoft.com/office/drawing/2014/main" id="{F6B06F0D-1228-4443-B0F7-36556C7ECDBC}"/>
               </a:ext>
             </a:extLst>
           </p:cNvPr>
@@ -3711,7 +3712,7 @@
           <p:cNvPr id="5" name="矩形 4">
             <a:extLst>
               <a:ext uri="{FF2B5EF4-FFF2-40B4-BE49-F238E27FC236}">
-                <a16:creationId xmlns:a16="http://schemas.microsoft.com/office/drawing/2014/main" xmlns="" id="{8F3E2D81-F3B6-489B-BB5A-81CBC2B7D660}"/>
+                <a16:creationId xmlns:a16="http://schemas.microsoft.com/office/drawing/2014/main" id="{8F3E2D81-F3B6-489B-BB5A-81CBC2B7D660}"/>
               </a:ext>
             </a:extLst>
           </p:cNvPr>
@@ -3746,7 +3747,7 @@
           <p:cNvPr id="7" name="矩形 6">
             <a:extLst>
               <a:ext uri="{FF2B5EF4-FFF2-40B4-BE49-F238E27FC236}">
-                <a16:creationId xmlns:a16="http://schemas.microsoft.com/office/drawing/2014/main" xmlns="" id="{69E99431-42A9-4A72-B9AA-6808A5C3DC70}"/>
+                <a16:creationId xmlns:a16="http://schemas.microsoft.com/office/drawing/2014/main" id="{69E99431-42A9-4A72-B9AA-6808A5C3DC70}"/>
               </a:ext>
             </a:extLst>
           </p:cNvPr>
@@ -3781,7 +3782,7 @@
           <p:cNvPr id="11" name="矩形 10">
             <a:extLst>
               <a:ext uri="{FF2B5EF4-FFF2-40B4-BE49-F238E27FC236}">
-                <a16:creationId xmlns:a16="http://schemas.microsoft.com/office/drawing/2014/main" xmlns="" id="{453B76A7-A50B-4E04-B88B-AA97B9A732DC}"/>
+                <a16:creationId xmlns:a16="http://schemas.microsoft.com/office/drawing/2014/main" id="{453B76A7-A50B-4E04-B88B-AA97B9A732DC}"/>
               </a:ext>
             </a:extLst>
           </p:cNvPr>
@@ -3816,7 +3817,7 @@
           <p:cNvPr id="13" name="矩形 12">
             <a:extLst>
               <a:ext uri="{FF2B5EF4-FFF2-40B4-BE49-F238E27FC236}">
-                <a16:creationId xmlns:a16="http://schemas.microsoft.com/office/drawing/2014/main" xmlns="" id="{A89F3F1B-1390-4CA4-AE31-9CC62A134234}"/>
+                <a16:creationId xmlns:a16="http://schemas.microsoft.com/office/drawing/2014/main" id="{A89F3F1B-1390-4CA4-AE31-9CC62A134234}"/>
               </a:ext>
             </a:extLst>
           </p:cNvPr>
@@ -3851,7 +3852,7 @@
           <p:cNvPr id="15" name="矩形 14">
             <a:extLst>
               <a:ext uri="{FF2B5EF4-FFF2-40B4-BE49-F238E27FC236}">
-                <a16:creationId xmlns:a16="http://schemas.microsoft.com/office/drawing/2014/main" xmlns="" id="{6AF7CB93-40D4-467D-8B5E-EC12E983241D}"/>
+                <a16:creationId xmlns:a16="http://schemas.microsoft.com/office/drawing/2014/main" id="{6AF7CB93-40D4-467D-8B5E-EC12E983241D}"/>
               </a:ext>
             </a:extLst>
           </p:cNvPr>
@@ -3886,7 +3887,7 @@
           <p:cNvPr id="17" name="矩形 16">
             <a:extLst>
               <a:ext uri="{FF2B5EF4-FFF2-40B4-BE49-F238E27FC236}">
-                <a16:creationId xmlns:a16="http://schemas.microsoft.com/office/drawing/2014/main" xmlns="" id="{CCD0F8A9-C776-423E-9F31-85714DF53637}"/>
+                <a16:creationId xmlns:a16="http://schemas.microsoft.com/office/drawing/2014/main" id="{CCD0F8A9-C776-423E-9F31-85714DF53637}"/>
               </a:ext>
             </a:extLst>
           </p:cNvPr>
@@ -3921,7 +3922,7 @@
           <p:cNvPr id="23" name="矩形 22">
             <a:extLst>
               <a:ext uri="{FF2B5EF4-FFF2-40B4-BE49-F238E27FC236}">
-                <a16:creationId xmlns:a16="http://schemas.microsoft.com/office/drawing/2014/main" xmlns="" id="{42C20B26-19AA-4EC9-9A1B-D68195FD554B}"/>
+                <a16:creationId xmlns:a16="http://schemas.microsoft.com/office/drawing/2014/main" id="{42C20B26-19AA-4EC9-9A1B-D68195FD554B}"/>
               </a:ext>
             </a:extLst>
           </p:cNvPr>
@@ -3956,7 +3957,7 @@
           <p:cNvPr id="29" name="矩形 28">
             <a:extLst>
               <a:ext uri="{FF2B5EF4-FFF2-40B4-BE49-F238E27FC236}">
-                <a16:creationId xmlns:a16="http://schemas.microsoft.com/office/drawing/2014/main" xmlns="" id="{3B10DD44-AF0A-4E5B-A3B5-A69A1676A9F2}"/>
+                <a16:creationId xmlns:a16="http://schemas.microsoft.com/office/drawing/2014/main" id="{3B10DD44-AF0A-4E5B-A3B5-A69A1676A9F2}"/>
               </a:ext>
             </a:extLst>
           </p:cNvPr>
@@ -3994,7 +3995,7 @@
           <p:cNvPr id="31" name="矩形 30">
             <a:extLst>
               <a:ext uri="{FF2B5EF4-FFF2-40B4-BE49-F238E27FC236}">
-                <a16:creationId xmlns:a16="http://schemas.microsoft.com/office/drawing/2014/main" xmlns="" id="{82401534-3E5C-4598-988F-0E23E96B2E46}"/>
+                <a16:creationId xmlns:a16="http://schemas.microsoft.com/office/drawing/2014/main" id="{82401534-3E5C-4598-988F-0E23E96B2E46}"/>
               </a:ext>
             </a:extLst>
           </p:cNvPr>
@@ -4029,7 +4030,7 @@
           <p:cNvPr id="34" name="矩形 33">
             <a:extLst>
               <a:ext uri="{FF2B5EF4-FFF2-40B4-BE49-F238E27FC236}">
-                <a16:creationId xmlns:a16="http://schemas.microsoft.com/office/drawing/2014/main" xmlns="" id="{452C42E8-508B-4E4F-B92B-F3C335C07A7C}"/>
+                <a16:creationId xmlns:a16="http://schemas.microsoft.com/office/drawing/2014/main" id="{452C42E8-508B-4E4F-B92B-F3C335C07A7C}"/>
               </a:ext>
             </a:extLst>
           </p:cNvPr>
@@ -4064,7 +4065,7 @@
           <p:cNvPr id="36" name="矩形 35">
             <a:extLst>
               <a:ext uri="{FF2B5EF4-FFF2-40B4-BE49-F238E27FC236}">
-                <a16:creationId xmlns:a16="http://schemas.microsoft.com/office/drawing/2014/main" xmlns="" id="{590DC3C2-AB85-4AB6-A90A-EC9EA7066500}"/>
+                <a16:creationId xmlns:a16="http://schemas.microsoft.com/office/drawing/2014/main" id="{590DC3C2-AB85-4AB6-A90A-EC9EA7066500}"/>
               </a:ext>
             </a:extLst>
           </p:cNvPr>
@@ -4099,7 +4100,7 @@
           <p:cNvPr id="38" name="矩形 37">
             <a:extLst>
               <a:ext uri="{FF2B5EF4-FFF2-40B4-BE49-F238E27FC236}">
-                <a16:creationId xmlns:a16="http://schemas.microsoft.com/office/drawing/2014/main" xmlns="" id="{C060AD7E-43C4-40AC-9313-48C907BE8059}"/>
+                <a16:creationId xmlns:a16="http://schemas.microsoft.com/office/drawing/2014/main" id="{C060AD7E-43C4-40AC-9313-48C907BE8059}"/>
               </a:ext>
             </a:extLst>
           </p:cNvPr>
@@ -4133,7 +4134,7 @@
           <p:cNvPr id="40" name="矩形 39">
             <a:extLst>
               <a:ext uri="{FF2B5EF4-FFF2-40B4-BE49-F238E27FC236}">
-                <a16:creationId xmlns:a16="http://schemas.microsoft.com/office/drawing/2014/main" xmlns="" id="{CE4B126E-95F1-4EAE-A73C-C2D4FB25698B}"/>
+                <a16:creationId xmlns:a16="http://schemas.microsoft.com/office/drawing/2014/main" id="{CE4B126E-95F1-4EAE-A73C-C2D4FB25698B}"/>
               </a:ext>
             </a:extLst>
           </p:cNvPr>
@@ -4172,13 +4173,6 @@
   <p:clrMapOvr>
     <a:masterClrMapping/>
   </p:clrMapOvr>
-  <p:timing>
-    <p:tnLst>
-      <p:par>
-        <p:cTn id="1" dur="indefinite" restart="never" nodeType="tmRoot"/>
-      </p:par>
-    </p:tnLst>
-  </p:timing>
 </p:sld>
 </file>
 
@@ -4222,7 +4216,7 @@
           <a:lstStyle/>
           <a:p>
             <a:r>
-              <a:rPr lang="en-US" altLang="zh-CN" sz="2800" dirty="0" smtClean="0"/>
+              <a:rPr lang="en-US" altLang="zh-CN" sz="2800" dirty="0"/>
               <a:t>3PC</a:t>
             </a:r>
             <a:endParaRPr lang="zh-CN" altLang="en-US" sz="2800" dirty="0"/>
@@ -4327,10 +4321,6 @@
               </a:rPr>
               <a:t>CanCommit</a:t>
             </a:r>
-            <a:r>
-              <a:rPr lang="zh-CN" altLang="en-US" sz="1600" dirty="0"/>
-              <a:t/>
-            </a:r>
             <a:br>
               <a:rPr lang="zh-CN" altLang="en-US" sz="1600" dirty="0"/>
             </a:br>
@@ -4379,10 +4369,6 @@
               </a:rPr>
               <a:t>请求，询问是否可以提交事务，并等待所有参与者答复。</a:t>
             </a:r>
-            <a:r>
-              <a:rPr lang="zh-CN" altLang="en-US" sz="1600" dirty="0"/>
-              <a:t/>
-            </a:r>
             <a:br>
               <a:rPr lang="zh-CN" altLang="en-US" sz="1600" dirty="0"/>
             </a:br>
@@ -4467,10 +4453,6 @@
               </a:rPr>
               <a:t>。</a:t>
             </a:r>
-            <a:r>
-              <a:rPr lang="zh-CN" altLang="en-US" sz="1600" dirty="0"/>
-              <a:t/>
-            </a:r>
             <a:br>
               <a:rPr lang="zh-CN" altLang="en-US" sz="1600" dirty="0"/>
             </a:br>
@@ -4483,15 +4465,11 @@
               </a:rPr>
               <a:t> </a:t>
             </a:r>
-            <a:r>
-              <a:rPr lang="zh-CN" altLang="en-US" sz="1600" dirty="0"/>
-              <a:t/>
-            </a:r>
             <a:br>
               <a:rPr lang="zh-CN" altLang="en-US" sz="1600" dirty="0"/>
             </a:br>
             <a:r>
-              <a:rPr lang="zh-CN" altLang="en-US" sz="1600" b="1" dirty="0" smtClean="0">
+              <a:rPr lang="zh-CN" altLang="en-US" sz="1600" b="1" dirty="0">
                 <a:solidFill>
                   <a:srgbClr val="3D464D"/>
                 </a:solidFill>
@@ -4525,10 +4503,6 @@
                 <a:latin typeface="-apple-system"/>
               </a:rPr>
               <a:t>PreCommit</a:t>
-            </a:r>
-            <a:r>
-              <a:rPr lang="zh-CN" altLang="en-US" sz="1600" dirty="0"/>
-              <a:t/>
             </a:r>
             <a:br>
               <a:rPr lang="zh-CN" altLang="en-US" sz="1600" dirty="0"/>
@@ -4542,10 +4516,6 @@
               </a:rPr>
               <a:t>　　此阶段分两种情况：</a:t>
             </a:r>
-            <a:r>
-              <a:rPr lang="zh-CN" altLang="en-US" sz="1600" dirty="0"/>
-              <a:t/>
-            </a:r>
             <a:br>
               <a:rPr lang="zh-CN" altLang="en-US" sz="1600" dirty="0"/>
             </a:br>
@@ -4594,10 +4564,6 @@
               </a:rPr>
               <a:t>，即执行事务预提交。</a:t>
             </a:r>
-            <a:r>
-              <a:rPr lang="zh-CN" altLang="en-US" sz="1600" dirty="0"/>
-              <a:t/>
-            </a:r>
             <a:br>
               <a:rPr lang="zh-CN" altLang="en-US" sz="1600" dirty="0"/>
             </a:br>
@@ -4646,10 +4612,6 @@
               </a:rPr>
               <a:t>，或者等待超时后协调者尚无法收到所有参与者的反馈，即中断事务。</a:t>
             </a:r>
-            <a:r>
-              <a:rPr lang="zh-CN" altLang="en-US" sz="1600" dirty="0"/>
-              <a:t/>
-            </a:r>
             <a:br>
               <a:rPr lang="zh-CN" altLang="en-US" sz="1600" dirty="0"/>
             </a:br>
@@ -4680,10 +4642,6 @@
               </a:rPr>
               <a:t>时）</a:t>
             </a:r>
-            <a:r>
-              <a:rPr lang="zh-CN" altLang="en-US" sz="1600" dirty="0"/>
-              <a:t/>
-            </a:r>
             <a:br>
               <a:rPr lang="zh-CN" altLang="en-US" sz="1600" dirty="0"/>
             </a:br>
@@ -4732,10 +4690,6 @@
               </a:rPr>
               <a:t>请求，进入准备阶段。</a:t>
             </a:r>
-            <a:r>
-              <a:rPr lang="zh-CN" altLang="en-US" sz="1600" dirty="0"/>
-              <a:t/>
-            </a:r>
             <a:br>
               <a:rPr lang="zh-CN" altLang="en-US" sz="1600" dirty="0"/>
             </a:br>
@@ -4820,10 +4774,6 @@
               </a:rPr>
               <a:t>信息记入事务日志中（但不提交事务）。</a:t>
             </a:r>
-            <a:r>
-              <a:rPr lang="zh-CN" altLang="en-US" sz="1600" dirty="0"/>
-              <a:t/>
-            </a:r>
             <a:br>
               <a:rPr lang="zh-CN" altLang="en-US" sz="1600" dirty="0"/>
             </a:br>
@@ -4890,51 +4840,9 @@
               </a:rPr>
               <a:t>响应，并等待最终指令。</a:t>
             </a:r>
-            <a:r>
-              <a:rPr lang="zh-CN" altLang="en-US" sz="1600" dirty="0"/>
-              <a:t/>
-            </a:r>
             <a:br>
               <a:rPr lang="zh-CN" altLang="en-US" sz="1600" dirty="0"/>
             </a:br>
-            <a:r>
-              <a:rPr lang="zh-CN" altLang="en-US" sz="1600" dirty="0" smtClean="0"/>
-              <a:t/>
-            </a:r>
-            <a:br>
-              <a:rPr lang="zh-CN" altLang="en-US" sz="1600" dirty="0" smtClean="0"/>
-            </a:br>
-            <a:r>
-              <a:rPr lang="zh-CN" altLang="en-US" sz="1600" dirty="0">
-                <a:solidFill>
-                  <a:srgbClr val="3D464D"/>
-                </a:solidFill>
-                <a:latin typeface="-apple-system"/>
-              </a:rPr>
-              <a:t>　　中断事务：（任何一个参与者反馈</a:t>
-            </a:r>
-            <a:r>
-              <a:rPr lang="en-US" altLang="zh-CN" sz="1600" dirty="0">
-                <a:solidFill>
-                  <a:srgbClr val="3D464D"/>
-                </a:solidFill>
-                <a:latin typeface="-apple-system"/>
-              </a:rPr>
-              <a:t>NO</a:t>
-            </a:r>
-            <a:r>
-              <a:rPr lang="zh-CN" altLang="en-US" sz="1600" dirty="0">
-                <a:solidFill>
-                  <a:srgbClr val="3D464D"/>
-                </a:solidFill>
-                <a:latin typeface="-apple-system"/>
-              </a:rPr>
-              <a:t>，或者等待超时后协调者尚无法收到所有参与者的反馈时）</a:t>
-            </a:r>
-            <a:r>
-              <a:rPr lang="zh-CN" altLang="en-US" sz="1600" dirty="0"/>
-              <a:t/>
-            </a:r>
             <a:br>
               <a:rPr lang="zh-CN" altLang="en-US" sz="1600" dirty="0"/>
             </a:br>
@@ -4945,6 +4853,36 @@
                 </a:solidFill>
                 <a:latin typeface="-apple-system"/>
               </a:rPr>
+              <a:t>　　中断事务：（任何一个参与者反馈</a:t>
+            </a:r>
+            <a:r>
+              <a:rPr lang="en-US" altLang="zh-CN" sz="1600" dirty="0">
+                <a:solidFill>
+                  <a:srgbClr val="3D464D"/>
+                </a:solidFill>
+                <a:latin typeface="-apple-system"/>
+              </a:rPr>
+              <a:t>NO</a:t>
+            </a:r>
+            <a:r>
+              <a:rPr lang="zh-CN" altLang="en-US" sz="1600" dirty="0">
+                <a:solidFill>
+                  <a:srgbClr val="3D464D"/>
+                </a:solidFill>
+                <a:latin typeface="-apple-system"/>
+              </a:rPr>
+              <a:t>，或者等待超时后协调者尚无法收到所有参与者的反馈时）</a:t>
+            </a:r>
+            <a:br>
+              <a:rPr lang="zh-CN" altLang="en-US" sz="1600" dirty="0"/>
+            </a:br>
+            <a:r>
+              <a:rPr lang="zh-CN" altLang="en-US" sz="1600" dirty="0">
+                <a:solidFill>
+                  <a:srgbClr val="3D464D"/>
+                </a:solidFill>
+                <a:latin typeface="-apple-system"/>
+              </a:rPr>
               <a:t>　　</a:t>
             </a:r>
             <a:r>
@@ -4982,10 +4920,6 @@
                 <a:latin typeface="-apple-system"/>
               </a:rPr>
               <a:t>请求。</a:t>
-            </a:r>
-            <a:r>
-              <a:rPr lang="zh-CN" altLang="en-US" sz="1600" dirty="0"/>
-              <a:t/>
             </a:r>
             <a:br>
               <a:rPr lang="zh-CN" altLang="en-US" sz="1600" dirty="0"/>
@@ -5077,13 +5011,6 @@
   <p:clrMapOvr>
     <a:masterClrMapping/>
   </p:clrMapOvr>
-  <p:timing>
-    <p:tnLst>
-      <p:par>
-        <p:cTn id="1" dur="indefinite" restart="never" nodeType="tmRoot"/>
-      </p:par>
-    </p:tnLst>
-  </p:timing>
 </p:sld>
 </file>
 
@@ -5127,7 +5054,7 @@
           <a:lstStyle/>
           <a:p>
             <a:r>
-              <a:rPr lang="en-US" altLang="zh-CN" sz="2800" dirty="0" smtClean="0"/>
+              <a:rPr lang="en-US" altLang="zh-CN" sz="2800" dirty="0"/>
               <a:t>3PC</a:t>
             </a:r>
             <a:endParaRPr lang="zh-CN" altLang="en-US" sz="2800" dirty="0"/>
@@ -5232,10 +5159,6 @@
               </a:rPr>
               <a:t>do Commit</a:t>
             </a:r>
-            <a:r>
-              <a:rPr lang="zh-CN" altLang="en-US" dirty="0"/>
-              <a:t/>
-            </a:r>
             <a:br>
               <a:rPr lang="zh-CN" altLang="en-US" dirty="0"/>
             </a:br>
@@ -5248,10 +5171,6 @@
               </a:rPr>
               <a:t> </a:t>
             </a:r>
-            <a:r>
-              <a:rPr lang="zh-CN" altLang="en-US" dirty="0"/>
-              <a:t/>
-            </a:r>
             <a:br>
               <a:rPr lang="zh-CN" altLang="en-US" dirty="0"/>
             </a:br>
@@ -5264,10 +5183,6 @@
               </a:rPr>
               <a:t>　　此阶段也存在两种情况：</a:t>
             </a:r>
-            <a:r>
-              <a:rPr lang="zh-CN" altLang="en-US" dirty="0"/>
-              <a:t/>
-            </a:r>
             <a:br>
               <a:rPr lang="zh-CN" altLang="en-US" dirty="0"/>
             </a:br>
@@ -5316,10 +5231,6 @@
               </a:rPr>
               <a:t>响应，即执行真正的事务提交。</a:t>
             </a:r>
-            <a:r>
-              <a:rPr lang="zh-CN" altLang="en-US" dirty="0"/>
-              <a:t/>
-            </a:r>
             <a:br>
               <a:rPr lang="zh-CN" altLang="en-US" dirty="0"/>
             </a:br>
@@ -5368,10 +5279,6 @@
               </a:rPr>
               <a:t>，或者等待超时后协调者尚无法收到所有参与者的反馈，即中断事务。</a:t>
             </a:r>
-            <a:r>
-              <a:rPr lang="zh-CN" altLang="en-US" dirty="0"/>
-              <a:t/>
-            </a:r>
             <a:br>
               <a:rPr lang="zh-CN" altLang="en-US" dirty="0"/>
             </a:br>
@@ -5384,10 +5291,6 @@
               </a:rPr>
               <a:t> </a:t>
             </a:r>
-            <a:r>
-              <a:rPr lang="zh-CN" altLang="en-US" dirty="0"/>
-              <a:t/>
-            </a:r>
             <a:br>
               <a:rPr lang="zh-CN" altLang="en-US" dirty="0"/>
             </a:br>
@@ -5418,10 +5321,6 @@
               </a:rPr>
               <a:t>响应时）</a:t>
             </a:r>
-            <a:r>
-              <a:rPr lang="zh-CN" altLang="en-US" dirty="0"/>
-              <a:t/>
-            </a:r>
             <a:br>
               <a:rPr lang="zh-CN" altLang="en-US" dirty="0"/>
             </a:br>
@@ -5470,10 +5369,6 @@
               </a:rPr>
               <a:t>请求。</a:t>
             </a:r>
-            <a:r>
-              <a:rPr lang="zh-CN" altLang="en-US" dirty="0"/>
-              <a:t/>
-            </a:r>
             <a:br>
               <a:rPr lang="zh-CN" altLang="en-US" dirty="0"/>
             </a:br>
@@ -5522,10 +5417,6 @@
               </a:rPr>
               <a:t>请求后，会正式执行事务提交，并释放整个事务期间占用的资源。</a:t>
             </a:r>
-            <a:r>
-              <a:rPr lang="zh-CN" altLang="en-US" dirty="0"/>
-              <a:t/>
-            </a:r>
             <a:br>
               <a:rPr lang="zh-CN" altLang="en-US" dirty="0"/>
             </a:br>
@@ -5574,10 +5465,6 @@
               </a:rPr>
               <a:t>完成的消息。</a:t>
             </a:r>
-            <a:r>
-              <a:rPr lang="zh-CN" altLang="en-US" dirty="0"/>
-              <a:t/>
-            </a:r>
             <a:br>
               <a:rPr lang="zh-CN" altLang="en-US" dirty="0"/>
             </a:br>
@@ -5626,10 +5513,6 @@
               </a:rPr>
               <a:t>消息后，即完成事务提交。</a:t>
             </a:r>
-            <a:r>
-              <a:rPr lang="zh-CN" altLang="en-US" dirty="0"/>
-              <a:t/>
-            </a:r>
             <a:br>
               <a:rPr lang="zh-CN" altLang="en-US" dirty="0"/>
             </a:br>
@@ -5642,10 +5525,6 @@
               </a:rPr>
               <a:t> </a:t>
             </a:r>
-            <a:r>
-              <a:rPr lang="zh-CN" altLang="en-US" dirty="0"/>
-              <a:t/>
-            </a:r>
             <a:br>
               <a:rPr lang="zh-CN" altLang="en-US" dirty="0"/>
             </a:br>
@@ -5676,10 +5555,6 @@
               </a:rPr>
               <a:t>，或者等待超时后协调者尚无法收到所有参与者的反馈时）</a:t>
             </a:r>
-            <a:r>
-              <a:rPr lang="zh-CN" altLang="en-US" dirty="0"/>
-              <a:t/>
-            </a:r>
             <a:br>
               <a:rPr lang="zh-CN" altLang="en-US" dirty="0"/>
             </a:br>
@@ -5728,10 +5603,6 @@
               </a:rPr>
               <a:t>请求。</a:t>
             </a:r>
-            <a:r>
-              <a:rPr lang="zh-CN" altLang="en-US" dirty="0"/>
-              <a:t/>
-            </a:r>
             <a:br>
               <a:rPr lang="zh-CN" altLang="en-US" dirty="0"/>
             </a:br>
@@ -5798,10 +5669,6 @@
               </a:rPr>
               <a:t>信息执行回滚操作，并释放整个事务期间占用的资源。</a:t>
             </a:r>
-            <a:r>
-              <a:rPr lang="zh-CN" altLang="en-US" dirty="0"/>
-              <a:t/>
-            </a:r>
             <a:br>
               <a:rPr lang="zh-CN" altLang="en-US" dirty="0"/>
             </a:br>
@@ -5849,10 +5716,6 @@
                 <a:latin typeface="-apple-system"/>
               </a:rPr>
               <a:t>完成的消息。</a:t>
-            </a:r>
-            <a:r>
-              <a:rPr lang="zh-CN" altLang="en-US" dirty="0"/>
-              <a:t/>
             </a:r>
             <a:br>
               <a:rPr lang="zh-CN" altLang="en-US" dirty="0"/>
@@ -5987,7 +5850,7 @@
           <a:lstStyle/>
           <a:p>
             <a:r>
-              <a:rPr lang="en-US" altLang="zh-CN" sz="2800" dirty="0" smtClean="0"/>
+              <a:rPr lang="en-US" altLang="zh-CN" sz="2800" dirty="0"/>
               <a:t>3PC</a:t>
             </a:r>
             <a:endParaRPr lang="zh-CN" altLang="en-US" sz="2800" dirty="0"/>
@@ -6243,7 +6106,7 @@
           <a:lstStyle/>
           <a:p>
             <a:r>
-              <a:rPr lang="en-US" altLang="zh-CN" dirty="0" smtClean="0">
+              <a:rPr lang="en-US" altLang="zh-CN" dirty="0">
                 <a:solidFill>
                   <a:srgbClr val="333333"/>
                 </a:solidFill>
@@ -6252,7 +6115,7 @@
               <a:t>1. </a:t>
             </a:r>
             <a:r>
-              <a:rPr lang="zh-CN" altLang="en-US" dirty="0" smtClean="0">
+              <a:rPr lang="zh-CN" altLang="en-US" dirty="0">
                 <a:solidFill>
                   <a:srgbClr val="333333"/>
                 </a:solidFill>
@@ -6261,7 +6124,7 @@
               <a:t>第一阶段主要目的是选出提案编号最大的</a:t>
             </a:r>
             <a:r>
-              <a:rPr lang="en-US" altLang="zh-CN" dirty="0" smtClean="0">
+              <a:rPr lang="en-US" altLang="zh-CN" dirty="0">
                 <a:solidFill>
                   <a:srgbClr val="333333"/>
                 </a:solidFill>
@@ -6270,7 +6133,7 @@
               <a:t>proposer</a:t>
             </a:r>
             <a:r>
-              <a:rPr lang="zh-CN" altLang="en-US" dirty="0" smtClean="0">
+              <a:rPr lang="zh-CN" altLang="en-US" dirty="0">
                 <a:solidFill>
                   <a:srgbClr val="333333"/>
                 </a:solidFill>
@@ -6304,7 +6167,7 @@
           <a:lstStyle/>
           <a:p>
             <a:r>
-              <a:rPr lang="en-US" altLang="zh-CN" dirty="0" smtClean="0">
+              <a:rPr lang="en-US" altLang="zh-CN" dirty="0">
                 <a:solidFill>
                   <a:srgbClr val="333333"/>
                 </a:solidFill>
@@ -6313,7 +6176,7 @@
               <a:t>2. </a:t>
             </a:r>
             <a:r>
-              <a:rPr lang="zh-CN" altLang="en-US" dirty="0" smtClean="0">
+              <a:rPr lang="zh-CN" altLang="en-US" dirty="0">
                 <a:solidFill>
                   <a:srgbClr val="333333"/>
                 </a:solidFill>
@@ -6322,7 +6185,7 @@
               <a:t>第二阶段尝试对某一</a:t>
             </a:r>
             <a:r>
-              <a:rPr lang="en-US" altLang="zh-CN" dirty="0" smtClean="0">
+              <a:rPr lang="en-US" altLang="zh-CN" dirty="0">
                 <a:solidFill>
                   <a:srgbClr val="333333"/>
                 </a:solidFill>
@@ -6331,7 +6194,7 @@
               <a:t>proposal</a:t>
             </a:r>
             <a:r>
-              <a:rPr lang="zh-CN" altLang="en-US" dirty="0" smtClean="0">
+              <a:rPr lang="zh-CN" altLang="en-US" dirty="0">
                 <a:solidFill>
                   <a:srgbClr val="333333"/>
                 </a:solidFill>
@@ -6365,7 +6228,7 @@
           <a:lstStyle/>
           <a:p>
             <a:r>
-              <a:rPr lang="en-US" altLang="zh-CN" dirty="0" smtClean="0">
+              <a:rPr lang="en-US" altLang="zh-CN" dirty="0">
                 <a:solidFill>
                   <a:srgbClr val="3E3E3E"/>
                 </a:solidFill>
@@ -6613,7 +6476,7 @@
           <p:cNvPr id="2" name="矩形 1">
             <a:extLst>
               <a:ext uri="{FF2B5EF4-FFF2-40B4-BE49-F238E27FC236}">
-                <a16:creationId xmlns:a16="http://schemas.microsoft.com/office/drawing/2014/main" xmlns="" id="{3B10DD44-AF0A-4E5B-A3B5-A69A1676A9F2}"/>
+                <a16:creationId xmlns:a16="http://schemas.microsoft.com/office/drawing/2014/main" id="{43437777-4672-4D36-9907-53E71C698DFD}"/>
               </a:ext>
             </a:extLst>
           </p:cNvPr>
@@ -6622,8 +6485,8 @@
         </p:nvSpPr>
         <p:spPr>
           <a:xfrm>
-            <a:off x="1165341" y="696517"/>
-            <a:ext cx="10726603" cy="1815882"/>
+            <a:off x="944880" y="751344"/>
+            <a:ext cx="10988040" cy="4524315"/>
           </a:xfrm>
           <a:prstGeom prst="rect">
             <a:avLst/>
@@ -6635,76 +6498,676 @@
           </a:bodyPr>
           <a:lstStyle/>
           <a:p>
-            <a:r>
-              <a:rPr lang="en-US" altLang="zh-CN" sz="2800" dirty="0" smtClean="0"/>
-              <a:t>XA</a:t>
-            </a:r>
-            <a:r>
-              <a:rPr lang="zh-CN" altLang="en-US" sz="2800" dirty="0" smtClean="0"/>
-              <a:t>是一个分布式事务协议，由</a:t>
-            </a:r>
-            <a:r>
-              <a:rPr lang="en-US" altLang="zh-CN" sz="2800" dirty="0" smtClean="0"/>
-              <a:t>Tuxedo</a:t>
-            </a:r>
-            <a:r>
-              <a:rPr lang="zh-CN" altLang="en-US" sz="2800" dirty="0" smtClean="0"/>
-              <a:t>提出。</a:t>
-            </a:r>
-            <a:r>
-              <a:rPr lang="en-US" altLang="zh-CN" sz="2800" dirty="0" smtClean="0"/>
-              <a:t>XA</a:t>
-            </a:r>
-            <a:r>
-              <a:rPr lang="zh-CN" altLang="en-US" sz="2800" dirty="0" smtClean="0"/>
-              <a:t>中大致分为两部分：事务管理器和本地资源管理器。其中本地资源管理器往往由数据库实现，比如</a:t>
-            </a:r>
-            <a:r>
-              <a:rPr lang="en-US" altLang="zh-CN" sz="2800" dirty="0" smtClean="0"/>
-              <a:t>Oracle</a:t>
-            </a:r>
-            <a:r>
-              <a:rPr lang="zh-CN" altLang="en-US" sz="2800" dirty="0" smtClean="0"/>
-              <a:t>、</a:t>
-            </a:r>
-            <a:r>
-              <a:rPr lang="en-US" altLang="zh-CN" sz="2800" dirty="0" smtClean="0"/>
-              <a:t>DB2</a:t>
-            </a:r>
-            <a:r>
-              <a:rPr lang="zh-CN" altLang="en-US" sz="2800" dirty="0" smtClean="0"/>
-              <a:t>、</a:t>
-            </a:r>
-            <a:r>
-              <a:rPr lang="en-US" altLang="zh-CN" sz="2800" dirty="0" err="1" smtClean="0"/>
-              <a:t>Mysql</a:t>
-            </a:r>
-            <a:r>
-              <a:rPr lang="zh-CN" altLang="en-US" sz="2800" dirty="0" smtClean="0"/>
-              <a:t>这些数据库都实现了</a:t>
-            </a:r>
-            <a:r>
-              <a:rPr lang="en-US" altLang="zh-CN" sz="2800" dirty="0" smtClean="0"/>
-              <a:t>XA</a:t>
-            </a:r>
-            <a:r>
-              <a:rPr lang="zh-CN" altLang="en-US" sz="2800" dirty="0" smtClean="0"/>
-              <a:t>接口，而事务管理器作为全局的调度者，负责各个本地资源的提交和回滚</a:t>
-            </a:r>
-            <a:endParaRPr lang="zh-CN" altLang="en-US" sz="2800" dirty="0"/>
-          </a:p>
-        </p:txBody>
-      </p:sp>
-      <p:sp>
-        <p:nvSpPr>
-          <p:cNvPr id="4" name="矩形 3"/>
+            <a:pPr algn="just"/>
+            <a:r>
+              <a:rPr lang="en-US" altLang="zh-CN">
+                <a:solidFill>
+                  <a:srgbClr val="333333"/>
+                </a:solidFill>
+                <a:latin typeface="-apple-system-font"/>
+              </a:rPr>
+              <a:t>1. </a:t>
+            </a:r>
+            <a:r>
+              <a:rPr lang="zh-CN" altLang="en-US" b="1">
+                <a:solidFill>
+                  <a:srgbClr val="333333"/>
+                </a:solidFill>
+                <a:latin typeface="-apple-system-font"/>
+              </a:rPr>
+              <a:t>活锁问题</a:t>
+            </a:r>
+            <a:r>
+              <a:rPr lang="zh-CN" altLang="en-US">
+                <a:solidFill>
+                  <a:srgbClr val="333333"/>
+                </a:solidFill>
+                <a:latin typeface="-apple-system-font"/>
+              </a:rPr>
+              <a:t>。在</a:t>
+            </a:r>
+            <a:r>
+              <a:rPr lang="en-US" altLang="zh-CN">
+                <a:solidFill>
+                  <a:srgbClr val="333333"/>
+                </a:solidFill>
+                <a:latin typeface="-apple-system-font"/>
+              </a:rPr>
+              <a:t>base-paxos</a:t>
+            </a:r>
+            <a:r>
+              <a:rPr lang="zh-CN" altLang="en-US">
+                <a:solidFill>
+                  <a:srgbClr val="333333"/>
+                </a:solidFill>
+                <a:latin typeface="-apple-system-font"/>
+              </a:rPr>
+              <a:t>算法中，不存在</a:t>
+            </a:r>
+            <a:r>
+              <a:rPr lang="en-US" altLang="zh-CN">
+                <a:solidFill>
+                  <a:srgbClr val="333333"/>
+                </a:solidFill>
+                <a:latin typeface="-apple-system-font"/>
+              </a:rPr>
+              <a:t>leader</a:t>
+            </a:r>
+            <a:r>
+              <a:rPr lang="zh-CN" altLang="en-US">
+                <a:solidFill>
+                  <a:srgbClr val="333333"/>
+                </a:solidFill>
+                <a:latin typeface="-apple-system-font"/>
+              </a:rPr>
+              <a:t>这样的角色，于是存在这样一种情况，即</a:t>
+            </a:r>
+            <a:r>
+              <a:rPr lang="en-US" altLang="zh-CN">
+                <a:solidFill>
+                  <a:srgbClr val="333333"/>
+                </a:solidFill>
+                <a:latin typeface="-apple-system-font"/>
+              </a:rPr>
+              <a:t>P1</a:t>
+            </a:r>
+            <a:r>
+              <a:rPr lang="zh-CN" altLang="en-US">
+                <a:solidFill>
+                  <a:srgbClr val="333333"/>
+                </a:solidFill>
+                <a:latin typeface="-apple-system-font"/>
+              </a:rPr>
+              <a:t>提交了一个</a:t>
+            </a:r>
+            <a:r>
+              <a:rPr lang="en-US" altLang="zh-CN">
+                <a:solidFill>
+                  <a:srgbClr val="333333"/>
+                </a:solidFill>
+                <a:latin typeface="-apple-system-font"/>
+              </a:rPr>
+              <a:t>proposal n1</a:t>
+            </a:r>
+            <a:r>
+              <a:rPr lang="zh-CN" altLang="en-US">
+                <a:solidFill>
+                  <a:srgbClr val="333333"/>
+                </a:solidFill>
+                <a:latin typeface="-apple-system-font"/>
+              </a:rPr>
+              <a:t>并且通过了</a:t>
+            </a:r>
+            <a:r>
+              <a:rPr lang="en-US" altLang="zh-CN">
+                <a:solidFill>
+                  <a:srgbClr val="333333"/>
+                </a:solidFill>
+                <a:latin typeface="-apple-system-font"/>
+              </a:rPr>
+              <a:t>prepare</a:t>
+            </a:r>
+            <a:r>
+              <a:rPr lang="zh-CN" altLang="en-US">
+                <a:solidFill>
+                  <a:srgbClr val="333333"/>
+                </a:solidFill>
+                <a:latin typeface="-apple-system-font"/>
+              </a:rPr>
+              <a:t>阶段；此时</a:t>
+            </a:r>
+            <a:r>
+              <a:rPr lang="en-US" altLang="zh-CN">
+                <a:solidFill>
+                  <a:srgbClr val="333333"/>
+                </a:solidFill>
+                <a:latin typeface="-apple-system-font"/>
+              </a:rPr>
+              <a:t>P2</a:t>
+            </a:r>
+            <a:r>
+              <a:rPr lang="zh-CN" altLang="en-US">
+                <a:solidFill>
+                  <a:srgbClr val="333333"/>
+                </a:solidFill>
+                <a:latin typeface="-apple-system-font"/>
+              </a:rPr>
+              <a:t>提交了一个</a:t>
+            </a:r>
+            <a:r>
+              <a:rPr lang="en-US" altLang="zh-CN">
+                <a:solidFill>
+                  <a:srgbClr val="333333"/>
+                </a:solidFill>
+                <a:latin typeface="-apple-system-font"/>
+              </a:rPr>
+              <a:t>proposal n2(n2&gt;n1)</a:t>
+            </a:r>
+            <a:r>
+              <a:rPr lang="zh-CN" altLang="en-US">
+                <a:solidFill>
+                  <a:srgbClr val="333333"/>
+                </a:solidFill>
+                <a:latin typeface="-apple-system-font"/>
+              </a:rPr>
+              <a:t>并且也通过了</a:t>
+            </a:r>
+            <a:r>
+              <a:rPr lang="en-US" altLang="zh-CN">
+                <a:solidFill>
+                  <a:srgbClr val="333333"/>
+                </a:solidFill>
+                <a:latin typeface="-apple-system-font"/>
+              </a:rPr>
+              <a:t>prepare</a:t>
+            </a:r>
+            <a:r>
+              <a:rPr lang="zh-CN" altLang="en-US">
+                <a:solidFill>
+                  <a:srgbClr val="333333"/>
+                </a:solidFill>
+                <a:latin typeface="-apple-system-font"/>
+              </a:rPr>
+              <a:t>阶段；</a:t>
+            </a:r>
+            <a:r>
+              <a:rPr lang="en-US" altLang="zh-CN">
+                <a:solidFill>
+                  <a:srgbClr val="333333"/>
+                </a:solidFill>
+                <a:latin typeface="-apple-system-font"/>
+              </a:rPr>
+              <a:t>P1</a:t>
+            </a:r>
+            <a:r>
+              <a:rPr lang="zh-CN" altLang="en-US">
+                <a:solidFill>
+                  <a:srgbClr val="333333"/>
+                </a:solidFill>
+                <a:latin typeface="-apple-system-font"/>
+              </a:rPr>
+              <a:t>在</a:t>
+            </a:r>
+            <a:r>
+              <a:rPr lang="en-US" altLang="zh-CN">
+                <a:solidFill>
+                  <a:srgbClr val="333333"/>
+                </a:solidFill>
+                <a:latin typeface="-apple-system-font"/>
+              </a:rPr>
+              <a:t>commit</a:t>
+            </a:r>
+            <a:r>
+              <a:rPr lang="zh-CN" altLang="en-US">
+                <a:solidFill>
+                  <a:srgbClr val="333333"/>
+                </a:solidFill>
+                <a:latin typeface="-apple-system-font"/>
+              </a:rPr>
+              <a:t>时因为已经通过了</a:t>
+            </a:r>
+            <a:r>
+              <a:rPr lang="en-US" altLang="zh-CN">
+                <a:solidFill>
+                  <a:srgbClr val="333333"/>
+                </a:solidFill>
+                <a:latin typeface="-apple-system-font"/>
+              </a:rPr>
+              <a:t>n2</a:t>
+            </a:r>
+            <a:r>
+              <a:rPr lang="zh-CN" altLang="en-US">
+                <a:solidFill>
+                  <a:srgbClr val="333333"/>
+                </a:solidFill>
+                <a:latin typeface="-apple-system-font"/>
+              </a:rPr>
+              <a:t>而被拒绝；于是</a:t>
+            </a:r>
+            <a:r>
+              <a:rPr lang="en-US" altLang="zh-CN">
+                <a:solidFill>
+                  <a:srgbClr val="333333"/>
+                </a:solidFill>
+                <a:latin typeface="-apple-system-font"/>
+              </a:rPr>
+              <a:t>P1</a:t>
+            </a:r>
+            <a:r>
+              <a:rPr lang="zh-CN" altLang="en-US">
+                <a:solidFill>
+                  <a:srgbClr val="333333"/>
+                </a:solidFill>
+                <a:latin typeface="-apple-system-font"/>
+              </a:rPr>
+              <a:t>继续提交一个</a:t>
+            </a:r>
+            <a:r>
+              <a:rPr lang="en-US" altLang="zh-CN">
+                <a:solidFill>
+                  <a:srgbClr val="333333"/>
+                </a:solidFill>
+                <a:latin typeface="-apple-system-font"/>
+              </a:rPr>
+              <a:t>proposal n3</a:t>
+            </a:r>
+            <a:r>
+              <a:rPr lang="zh-CN" altLang="en-US">
+                <a:solidFill>
+                  <a:srgbClr val="333333"/>
+                </a:solidFill>
+                <a:latin typeface="-apple-system-font"/>
+              </a:rPr>
+              <a:t>并且通过</a:t>
+            </a:r>
+            <a:r>
+              <a:rPr lang="en-US" altLang="zh-CN">
+                <a:solidFill>
+                  <a:srgbClr val="333333"/>
+                </a:solidFill>
+                <a:latin typeface="-apple-system-font"/>
+              </a:rPr>
+              <a:t>prepare</a:t>
+            </a:r>
+            <a:r>
+              <a:rPr lang="zh-CN" altLang="en-US">
+                <a:solidFill>
+                  <a:srgbClr val="333333"/>
+                </a:solidFill>
+                <a:latin typeface="-apple-system-font"/>
+              </a:rPr>
+              <a:t>阶段；巧的是此时</a:t>
+            </a:r>
+            <a:r>
+              <a:rPr lang="en-US" altLang="zh-CN">
+                <a:solidFill>
+                  <a:srgbClr val="333333"/>
+                </a:solidFill>
+                <a:latin typeface="-apple-system-font"/>
+              </a:rPr>
+              <a:t>P2</a:t>
+            </a:r>
+            <a:r>
+              <a:rPr lang="zh-CN" altLang="en-US">
+                <a:solidFill>
+                  <a:srgbClr val="333333"/>
+                </a:solidFill>
+                <a:latin typeface="-apple-system-font"/>
+              </a:rPr>
+              <a:t>开始</a:t>
+            </a:r>
+            <a:r>
+              <a:rPr lang="en-US" altLang="zh-CN">
+                <a:solidFill>
+                  <a:srgbClr val="333333"/>
+                </a:solidFill>
+                <a:latin typeface="-apple-system-font"/>
+              </a:rPr>
+              <a:t>commit</a:t>
+            </a:r>
+            <a:r>
+              <a:rPr lang="zh-CN" altLang="en-US">
+                <a:solidFill>
+                  <a:srgbClr val="333333"/>
+                </a:solidFill>
+                <a:latin typeface="-apple-system-font"/>
+              </a:rPr>
+              <a:t>了，由于</a:t>
+            </a:r>
+            <a:r>
+              <a:rPr lang="en-US" altLang="zh-CN">
+                <a:solidFill>
+                  <a:srgbClr val="333333"/>
+                </a:solidFill>
+                <a:latin typeface="-apple-system-font"/>
+              </a:rPr>
+              <a:t>n2&lt;n3</a:t>
+            </a:r>
+            <a:r>
+              <a:rPr lang="zh-CN" altLang="en-US">
+                <a:solidFill>
+                  <a:srgbClr val="333333"/>
+                </a:solidFill>
+                <a:latin typeface="-apple-system-font"/>
+              </a:rPr>
+              <a:t>再次被拒绝</a:t>
+            </a:r>
+            <a:r>
+              <a:rPr lang="en-US" altLang="zh-CN">
+                <a:solidFill>
+                  <a:srgbClr val="333333"/>
+                </a:solidFill>
+                <a:latin typeface="-apple-system-font"/>
+              </a:rPr>
+              <a:t>……</a:t>
+            </a:r>
+            <a:r>
+              <a:rPr lang="zh-CN" altLang="en-US">
+                <a:solidFill>
+                  <a:srgbClr val="333333"/>
+                </a:solidFill>
+                <a:latin typeface="-apple-system-font"/>
+              </a:rPr>
+              <a:t>如此循环往复。这种情况被称为活锁。即整个系统都没死，但由于互相请求资源而被互相锁死。为了不发生活锁的情况，最简单的方式当然是缩减</a:t>
+            </a:r>
+            <a:r>
+              <a:rPr lang="en-US" altLang="zh-CN">
+                <a:solidFill>
+                  <a:srgbClr val="333333"/>
+                </a:solidFill>
+                <a:latin typeface="-apple-system-font"/>
+              </a:rPr>
+              <a:t>proposer</a:t>
+            </a:r>
+            <a:r>
+              <a:rPr lang="zh-CN" altLang="en-US">
+                <a:solidFill>
+                  <a:srgbClr val="333333"/>
+                </a:solidFill>
+                <a:latin typeface="-apple-system-font"/>
+              </a:rPr>
+              <a:t>到一个，这样就不会发生互相请求锁死的情况，也即退化。事实上很多后来的工业级协议，都是</a:t>
+            </a:r>
+            <a:r>
+              <a:rPr lang="en-US" altLang="zh-CN">
+                <a:solidFill>
+                  <a:srgbClr val="333333"/>
+                </a:solidFill>
+                <a:latin typeface="-apple-system-font"/>
+              </a:rPr>
+              <a:t>paxos</a:t>
+            </a:r>
+            <a:r>
+              <a:rPr lang="zh-CN" altLang="en-US">
+                <a:solidFill>
+                  <a:srgbClr val="333333"/>
+                </a:solidFill>
+                <a:latin typeface="-apple-system-font"/>
+              </a:rPr>
+              <a:t>协议的退化或者变种。</a:t>
+            </a:r>
+          </a:p>
+          <a:p>
+            <a:pPr algn="just"/>
+            <a:br>
+              <a:rPr lang="zh-CN" altLang="en-US">
+                <a:solidFill>
+                  <a:srgbClr val="333333"/>
+                </a:solidFill>
+                <a:latin typeface="-apple-system-font"/>
+              </a:rPr>
+            </a:br>
+            <a:endParaRPr lang="zh-CN" altLang="en-US">
+              <a:solidFill>
+                <a:srgbClr val="333333"/>
+              </a:solidFill>
+              <a:latin typeface="-apple-system-font"/>
+            </a:endParaRPr>
+          </a:p>
+          <a:p>
+            <a:pPr algn="just"/>
+            <a:r>
+              <a:rPr lang="en-US" altLang="zh-CN">
+                <a:solidFill>
+                  <a:srgbClr val="333333"/>
+                </a:solidFill>
+                <a:latin typeface="-apple-system-font"/>
+              </a:rPr>
+              <a:t>2. </a:t>
+            </a:r>
+            <a:r>
+              <a:rPr lang="zh-CN" altLang="en-US" b="1">
+                <a:solidFill>
+                  <a:srgbClr val="333333"/>
+                </a:solidFill>
+                <a:latin typeface="-apple-system-font"/>
+              </a:rPr>
+              <a:t>复杂度问题</a:t>
+            </a:r>
+            <a:r>
+              <a:rPr lang="zh-CN" altLang="en-US">
+                <a:solidFill>
+                  <a:srgbClr val="333333"/>
+                </a:solidFill>
+                <a:latin typeface="-apple-system-font"/>
+              </a:rPr>
+              <a:t>。</a:t>
+            </a:r>
+            <a:r>
+              <a:rPr lang="en-US" altLang="zh-CN">
+                <a:solidFill>
+                  <a:srgbClr val="333333"/>
+                </a:solidFill>
+                <a:latin typeface="-apple-system-font"/>
+              </a:rPr>
+              <a:t>base-paxos</a:t>
+            </a:r>
+            <a:r>
+              <a:rPr lang="zh-CN" altLang="en-US">
+                <a:solidFill>
+                  <a:srgbClr val="333333"/>
+                </a:solidFill>
+                <a:latin typeface="-apple-system-font"/>
+              </a:rPr>
+              <a:t>协议中还存在这样那样的问题，于是各种变种</a:t>
+            </a:r>
+            <a:r>
+              <a:rPr lang="en-US" altLang="zh-CN">
+                <a:solidFill>
+                  <a:srgbClr val="333333"/>
+                </a:solidFill>
+                <a:latin typeface="-apple-system-font"/>
+              </a:rPr>
+              <a:t>paxos</a:t>
+            </a:r>
+            <a:r>
+              <a:rPr lang="zh-CN" altLang="en-US">
+                <a:solidFill>
+                  <a:srgbClr val="333333"/>
+                </a:solidFill>
+                <a:latin typeface="-apple-system-font"/>
+              </a:rPr>
+              <a:t>出现了，比如为了解决活锁问题，出现了</a:t>
+            </a:r>
+            <a:r>
+              <a:rPr lang="en-US" altLang="zh-CN">
+                <a:solidFill>
+                  <a:srgbClr val="333333"/>
+                </a:solidFill>
+                <a:latin typeface="-apple-system-font"/>
+              </a:rPr>
+              <a:t>multi-paxos</a:t>
+            </a:r>
+            <a:r>
+              <a:rPr lang="zh-CN" altLang="en-US">
+                <a:solidFill>
+                  <a:srgbClr val="333333"/>
+                </a:solidFill>
+                <a:latin typeface="-apple-system-font"/>
+              </a:rPr>
+              <a:t>；为了解决通信次数较多的问题，出现了</a:t>
+            </a:r>
+            <a:r>
+              <a:rPr lang="en-US" altLang="zh-CN">
+                <a:solidFill>
+                  <a:srgbClr val="333333"/>
+                </a:solidFill>
+                <a:latin typeface="-apple-system-font"/>
+              </a:rPr>
+              <a:t>fast-paxos</a:t>
+            </a:r>
+            <a:r>
+              <a:rPr lang="zh-CN" altLang="en-US">
+                <a:solidFill>
+                  <a:srgbClr val="333333"/>
+                </a:solidFill>
+                <a:latin typeface="-apple-system-font"/>
+              </a:rPr>
+              <a:t>；为了尽量减少冲突，出现了</a:t>
+            </a:r>
+            <a:r>
+              <a:rPr lang="en-US" altLang="zh-CN">
+                <a:solidFill>
+                  <a:srgbClr val="333333"/>
+                </a:solidFill>
+                <a:latin typeface="-apple-system-font"/>
+              </a:rPr>
+              <a:t>epaxos</a:t>
+            </a:r>
+            <a:r>
+              <a:rPr lang="zh-CN" altLang="en-US">
+                <a:solidFill>
+                  <a:srgbClr val="333333"/>
+                </a:solidFill>
+                <a:latin typeface="-apple-system-font"/>
+              </a:rPr>
+              <a:t>。可以看到，工业级实现需要考虑更多的方面，诸如性能，异常等等。这也是为啥许多分布式的一致性框架并非真正基于</a:t>
+            </a:r>
+            <a:r>
+              <a:rPr lang="en-US" altLang="zh-CN">
+                <a:solidFill>
+                  <a:srgbClr val="333333"/>
+                </a:solidFill>
+                <a:latin typeface="-apple-system-font"/>
+              </a:rPr>
+              <a:t>paxos</a:t>
+            </a:r>
+            <a:r>
+              <a:rPr lang="zh-CN" altLang="en-US">
+                <a:solidFill>
+                  <a:srgbClr val="333333"/>
+                </a:solidFill>
+                <a:latin typeface="-apple-system-font"/>
+              </a:rPr>
+              <a:t>来实现的原因。</a:t>
+            </a:r>
+          </a:p>
+          <a:p>
+            <a:pPr algn="just"/>
+            <a:br>
+              <a:rPr lang="zh-CN" altLang="en-US">
+                <a:solidFill>
+                  <a:srgbClr val="333333"/>
+                </a:solidFill>
+                <a:latin typeface="-apple-system-font"/>
+              </a:rPr>
+            </a:br>
+            <a:endParaRPr lang="zh-CN" altLang="en-US">
+              <a:solidFill>
+                <a:srgbClr val="333333"/>
+              </a:solidFill>
+              <a:latin typeface="-apple-system-font"/>
+            </a:endParaRPr>
+          </a:p>
+          <a:p>
+            <a:pPr algn="just"/>
+            <a:r>
+              <a:rPr lang="en-US" altLang="zh-CN">
+                <a:solidFill>
+                  <a:srgbClr val="333333"/>
+                </a:solidFill>
+                <a:latin typeface="-apple-system-font"/>
+              </a:rPr>
+              <a:t>3. </a:t>
+            </a:r>
+            <a:r>
+              <a:rPr lang="zh-CN" altLang="en-US" b="1">
+                <a:solidFill>
+                  <a:srgbClr val="333333"/>
+                </a:solidFill>
+                <a:latin typeface="-apple-system-font"/>
+              </a:rPr>
+              <a:t>全序问题</a:t>
+            </a:r>
+            <a:r>
+              <a:rPr lang="zh-CN" altLang="en-US">
+                <a:solidFill>
+                  <a:srgbClr val="333333"/>
+                </a:solidFill>
+                <a:latin typeface="-apple-system-font"/>
+              </a:rPr>
+              <a:t>。对于</a:t>
+            </a:r>
+            <a:r>
+              <a:rPr lang="en-US" altLang="zh-CN">
+                <a:solidFill>
+                  <a:srgbClr val="333333"/>
+                </a:solidFill>
+                <a:latin typeface="-apple-system-font"/>
+              </a:rPr>
+              <a:t>paxos</a:t>
+            </a:r>
+            <a:r>
+              <a:rPr lang="zh-CN" altLang="en-US">
+                <a:solidFill>
+                  <a:srgbClr val="333333"/>
+                </a:solidFill>
+                <a:latin typeface="-apple-system-font"/>
+              </a:rPr>
+              <a:t>算法来说，不能保证两次提交最终的顺序，而</a:t>
+            </a:r>
+            <a:r>
+              <a:rPr lang="en-US" altLang="zh-CN">
+                <a:solidFill>
+                  <a:srgbClr val="333333"/>
+                </a:solidFill>
+                <a:latin typeface="-apple-system-font"/>
+              </a:rPr>
+              <a:t>zookeeper</a:t>
+            </a:r>
+            <a:r>
+              <a:rPr lang="zh-CN" altLang="en-US">
+                <a:solidFill>
+                  <a:srgbClr val="333333"/>
+                </a:solidFill>
+                <a:latin typeface="-apple-system-font"/>
+              </a:rPr>
+              <a:t>需要做到这点，可以参考文献</a:t>
+            </a:r>
+            <a:r>
+              <a:rPr lang="en-US" altLang="zh-CN">
+                <a:solidFill>
+                  <a:srgbClr val="333333"/>
+                </a:solidFill>
+                <a:latin typeface="-apple-system-font"/>
+              </a:rPr>
+              <a:t>1</a:t>
+            </a:r>
+            <a:r>
+              <a:rPr lang="zh-CN" altLang="en-US">
+                <a:solidFill>
+                  <a:srgbClr val="333333"/>
+                </a:solidFill>
+                <a:latin typeface="-apple-system-font"/>
+              </a:rPr>
+              <a:t>。</a:t>
+            </a:r>
+            <a:endParaRPr lang="zh-CN" altLang="en-US" b="0" i="0">
+              <a:solidFill>
+                <a:srgbClr val="333333"/>
+              </a:solidFill>
+              <a:effectLst/>
+              <a:latin typeface="-apple-system-font"/>
+            </a:endParaRPr>
+          </a:p>
+        </p:txBody>
+      </p:sp>
+      <p:sp>
+        <p:nvSpPr>
+          <p:cNvPr id="3" name="矩形 2">
+            <a:extLst>
+              <a:ext uri="{FF2B5EF4-FFF2-40B4-BE49-F238E27FC236}">
+                <a16:creationId xmlns:a16="http://schemas.microsoft.com/office/drawing/2014/main" id="{67A2D5D4-52F1-4872-9645-C561521347A8}"/>
+              </a:ext>
+            </a:extLst>
+          </p:cNvPr>
           <p:cNvSpPr/>
           <p:nvPr/>
         </p:nvSpPr>
         <p:spPr>
           <a:xfrm>
-            <a:off x="0" y="0"/>
-            <a:ext cx="1338828" cy="523220"/>
+            <a:off x="0" y="-23277"/>
+            <a:ext cx="2612895" cy="369332"/>
           </a:xfrm>
           <a:prstGeom prst="rect">
             <a:avLst/>
@@ -6717,89 +7180,31 @@
           <a:lstStyle/>
           <a:p>
             <a:r>
-              <a:rPr lang="en-US" altLang="zh-CN" sz="2800" dirty="0"/>
-              <a:t>XA</a:t>
-            </a:r>
-            <a:r>
-              <a:rPr lang="zh-CN" altLang="en-US" sz="2800" dirty="0"/>
-              <a:t>事务</a:t>
-            </a:r>
-          </a:p>
-        </p:txBody>
-      </p:sp>
-      <p:pic>
-        <p:nvPicPr>
-          <p:cNvPr id="3074" name="Picture 2" descr="https://images2015.cnblogs.com/blog/99941/201608/99941-20160805193216309-1768289491.png"/>
-          <p:cNvPicPr>
-            <a:picLocks noChangeAspect="1" noChangeArrowheads="1"/>
-          </p:cNvPicPr>
-          <p:nvPr/>
-        </p:nvPicPr>
-        <p:blipFill>
-          <a:blip r:embed="rId2">
-            <a:extLst>
-              <a:ext uri="{28A0092B-C50C-407E-A947-70E740481C1C}">
-                <a14:useLocalDpi xmlns:a14="http://schemas.microsoft.com/office/drawing/2010/main" val="0"/>
-              </a:ext>
-            </a:extLst>
-          </a:blip>
-          <a:srcRect/>
-          <a:stretch>
-            <a:fillRect/>
-          </a:stretch>
-        </p:blipFill>
-        <p:spPr bwMode="auto">
-          <a:xfrm>
-            <a:off x="879566" y="2777811"/>
-            <a:ext cx="5104766" cy="3863700"/>
-          </a:xfrm>
-          <a:prstGeom prst="rect">
-            <a:avLst/>
-          </a:prstGeom>
-          <a:noFill/>
-          <a:extLst>
-            <a:ext uri="{909E8E84-426E-40DD-AFC4-6F175D3DCCD1}">
-              <a14:hiddenFill xmlns:a14="http://schemas.microsoft.com/office/drawing/2010/main">
-                <a:solidFill>
-                  <a:srgbClr val="FFFFFF"/>
-                </a:solidFill>
-              </a14:hiddenFill>
-            </a:ext>
-          </a:extLst>
-        </p:spPr>
-      </p:pic>
-      <p:sp>
-        <p:nvSpPr>
-          <p:cNvPr id="5" name="矩形 4"/>
-          <p:cNvSpPr/>
-          <p:nvPr/>
-        </p:nvSpPr>
-        <p:spPr>
-          <a:xfrm>
-            <a:off x="6837649" y="6456845"/>
-            <a:ext cx="5354351" cy="369332"/>
-          </a:xfrm>
-          <a:prstGeom prst="rect">
-            <a:avLst/>
-          </a:prstGeom>
-        </p:spPr>
-        <p:txBody>
-          <a:bodyPr wrap="none">
-            <a:spAutoFit/>
-          </a:bodyPr>
-          <a:lstStyle/>
-          <a:p>
-            <a:r>
-              <a:rPr lang="zh-CN" altLang="en-US" dirty="0"/>
-              <a:t>https://www.cnblogs.com/zengkefu/p/5742617.html</a:t>
-            </a:r>
+              <a:rPr lang="en-US" altLang="zh-CN">
+                <a:solidFill>
+                  <a:srgbClr val="333333"/>
+                </a:solidFill>
+                <a:latin typeface="-apple-system-font"/>
+              </a:rPr>
+              <a:t>base-paxos</a:t>
+            </a:r>
+            <a:r>
+              <a:rPr lang="zh-CN" altLang="en-US">
+                <a:solidFill>
+                  <a:srgbClr val="333333"/>
+                </a:solidFill>
+                <a:latin typeface="-apple-system-font"/>
+              </a:rPr>
+              <a:t>中存在的问题</a:t>
+            </a:r>
+            <a:endParaRPr lang="zh-CN" altLang="en-US"/>
           </a:p>
         </p:txBody>
       </p:sp>
     </p:spTree>
     <p:extLst>
       <p:ext uri="{BB962C8B-B14F-4D97-AF65-F5344CB8AC3E}">
-        <p14:creationId xmlns:p14="http://schemas.microsoft.com/office/powerpoint/2010/main" val="29046020"/>
+        <p14:creationId xmlns:p14="http://schemas.microsoft.com/office/powerpoint/2010/main" val="3108545457"/>
       </p:ext>
     </p:extLst>
   </p:cSld>
@@ -6828,37 +7233,86 @@
       </p:grpSpPr>
       <p:sp>
         <p:nvSpPr>
-          <p:cNvPr id="2" name="文本框 1"/>
-          <p:cNvSpPr txBox="1"/>
+          <p:cNvPr id="2" name="矩形 1">
+            <a:extLst>
+              <a:ext uri="{FF2B5EF4-FFF2-40B4-BE49-F238E27FC236}">
+                <a16:creationId xmlns:a16="http://schemas.microsoft.com/office/drawing/2014/main" id="{3B10DD44-AF0A-4E5B-A3B5-A69A1676A9F2}"/>
+              </a:ext>
+            </a:extLst>
+          </p:cNvPr>
+          <p:cNvSpPr/>
           <p:nvPr/>
         </p:nvSpPr>
         <p:spPr>
           <a:xfrm>
-            <a:off x="0" y="60960"/>
-            <a:ext cx="5524269" cy="523220"/>
-          </a:xfrm>
-          <a:prstGeom prst="rect">
-            <a:avLst/>
-          </a:prstGeom>
-          <a:noFill/>
-        </p:spPr>
-        <p:txBody>
-          <a:bodyPr wrap="none" rtlCol="0">
+            <a:off x="1165341" y="696517"/>
+            <a:ext cx="10726603" cy="1815882"/>
+          </a:xfrm>
+          <a:prstGeom prst="rect">
+            <a:avLst/>
+          </a:prstGeom>
+        </p:spPr>
+        <p:txBody>
+          <a:bodyPr wrap="square">
             <a:spAutoFit/>
           </a:bodyPr>
           <a:lstStyle/>
           <a:p>
             <a:r>
+              <a:rPr lang="en-US" altLang="zh-CN" sz="2800" dirty="0"/>
+              <a:t>XA</a:t>
+            </a:r>
+            <a:r>
               <a:rPr lang="zh-CN" altLang="en-US" sz="2800" dirty="0"/>
-              <a:t>长事务（</a:t>
+              <a:t>是一个分布式事务协议，由</a:t>
             </a:r>
             <a:r>
               <a:rPr lang="en-US" altLang="zh-CN" sz="2800" dirty="0"/>
-              <a:t>Long Lived Transaction</a:t>
+              <a:t>Tuxedo</a:t>
             </a:r>
             <a:r>
               <a:rPr lang="zh-CN" altLang="en-US" sz="2800" dirty="0"/>
-              <a:t>）</a:t>
+              <a:t>提出。</a:t>
+            </a:r>
+            <a:r>
+              <a:rPr lang="en-US" altLang="zh-CN" sz="2800" dirty="0"/>
+              <a:t>XA</a:t>
+            </a:r>
+            <a:r>
+              <a:rPr lang="zh-CN" altLang="en-US" sz="2800" dirty="0"/>
+              <a:t>中大致分为两部分：事务管理器和本地资源管理器。其中本地资源管理器往往由数据库实现，比如</a:t>
+            </a:r>
+            <a:r>
+              <a:rPr lang="en-US" altLang="zh-CN" sz="2800" dirty="0"/>
+              <a:t>Oracle</a:t>
+            </a:r>
+            <a:r>
+              <a:rPr lang="zh-CN" altLang="en-US" sz="2800" dirty="0"/>
+              <a:t>、</a:t>
+            </a:r>
+            <a:r>
+              <a:rPr lang="en-US" altLang="zh-CN" sz="2800" dirty="0"/>
+              <a:t>DB2</a:t>
+            </a:r>
+            <a:r>
+              <a:rPr lang="zh-CN" altLang="en-US" sz="2800" dirty="0"/>
+              <a:t>、</a:t>
+            </a:r>
+            <a:r>
+              <a:rPr lang="en-US" altLang="zh-CN" sz="2800" dirty="0" err="1"/>
+              <a:t>Mysql</a:t>
+            </a:r>
+            <a:r>
+              <a:rPr lang="zh-CN" altLang="en-US" sz="2800" dirty="0"/>
+              <a:t>这些数据库都实现了</a:t>
+            </a:r>
+            <a:r>
+              <a:rPr lang="en-US" altLang="zh-CN" sz="2800" dirty="0"/>
+              <a:t>XA</a:t>
+            </a:r>
+            <a:r>
+              <a:rPr lang="zh-CN" altLang="en-US" sz="2800" dirty="0"/>
+              <a:t>接口，而事务管理器作为全局的调度者，负责各个本地资源的提交和回滚</a:t>
             </a:r>
           </a:p>
         </p:txBody>
@@ -6871,111 +7325,8 @@
         </p:nvSpPr>
         <p:spPr>
           <a:xfrm>
-            <a:off x="409303" y="1887978"/>
-            <a:ext cx="11225349" cy="3693319"/>
-          </a:xfrm>
-          <a:prstGeom prst="rect">
-            <a:avLst/>
-          </a:prstGeom>
-        </p:spPr>
-        <p:txBody>
-          <a:bodyPr wrap="square">
-            <a:spAutoFit/>
-          </a:bodyPr>
-          <a:lstStyle/>
-          <a:p>
-            <a:r>
-              <a:rPr lang="en-US" altLang="zh-CN" dirty="0" smtClean="0"/>
-              <a:t>1</a:t>
-            </a:r>
-            <a:r>
-              <a:rPr lang="zh-CN" altLang="en-US" dirty="0" smtClean="0"/>
-              <a:t>、长事务开始后，其他用户只能看到被锁定区域在编辑之前的数据，而不能看到锁定后的编辑情况，也不能对锁定的数据进行编辑；</a:t>
-            </a:r>
-            <a:endParaRPr lang="en-US" altLang="zh-CN" dirty="0" smtClean="0"/>
-          </a:p>
-          <a:p>
-            <a:endParaRPr lang="zh-CN" altLang="en-US" dirty="0" smtClean="0"/>
-          </a:p>
-          <a:p>
-            <a:r>
-              <a:rPr lang="en-US" altLang="zh-CN" dirty="0" smtClean="0"/>
-              <a:t>2</a:t>
-            </a:r>
-            <a:r>
-              <a:rPr lang="zh-CN" altLang="en-US" dirty="0" smtClean="0"/>
-              <a:t>、长事务可以持续几天、几个月甚至更长的时间，期间无需任何特殊处理，可以随时继续；</a:t>
-            </a:r>
-            <a:endParaRPr lang="en-US" altLang="zh-CN" dirty="0" smtClean="0"/>
-          </a:p>
-          <a:p>
-            <a:endParaRPr lang="zh-CN" altLang="en-US" dirty="0" smtClean="0"/>
-          </a:p>
-          <a:p>
-            <a:r>
-              <a:rPr lang="en-US" altLang="zh-CN" dirty="0" smtClean="0"/>
-              <a:t>3</a:t>
-            </a:r>
-            <a:r>
-              <a:rPr lang="zh-CN" altLang="en-US" dirty="0" smtClean="0"/>
-              <a:t>、长事务中所作的修改具有相当的安全性，即使遇到突然断电、死机或者其它意外情况，所编辑的数据也不会丢失或被破坏；</a:t>
-            </a:r>
-            <a:endParaRPr lang="en-US" altLang="zh-CN" dirty="0" smtClean="0"/>
-          </a:p>
-          <a:p>
-            <a:endParaRPr lang="zh-CN" altLang="en-US" dirty="0" smtClean="0"/>
-          </a:p>
-          <a:p>
-            <a:r>
-              <a:rPr lang="en-US" altLang="zh-CN" dirty="0" smtClean="0"/>
-              <a:t>4</a:t>
-            </a:r>
-            <a:r>
-              <a:rPr lang="zh-CN" altLang="en-US" dirty="0" smtClean="0"/>
-              <a:t>、任何时候，如果对于所作的修改不满意，可以回滚所作的修改，恢复到锁定时的状态；</a:t>
-            </a:r>
-            <a:endParaRPr lang="en-US" altLang="zh-CN" dirty="0" smtClean="0"/>
-          </a:p>
-          <a:p>
-            <a:endParaRPr lang="zh-CN" altLang="en-US" dirty="0" smtClean="0"/>
-          </a:p>
-          <a:p>
-            <a:r>
-              <a:rPr lang="en-US" altLang="zh-CN" dirty="0" smtClean="0"/>
-              <a:t>5</a:t>
-            </a:r>
-            <a:r>
-              <a:rPr lang="zh-CN" altLang="en-US" dirty="0" smtClean="0"/>
-              <a:t>、编辑结束，只要提交了所作的修改，其他用户立即就能看到修改后的内容；</a:t>
-            </a:r>
-            <a:endParaRPr lang="en-US" altLang="zh-CN" dirty="0" smtClean="0"/>
-          </a:p>
-          <a:p>
-            <a:endParaRPr lang="zh-CN" altLang="en-US" dirty="0" smtClean="0"/>
-          </a:p>
-          <a:p>
-            <a:r>
-              <a:rPr lang="en-US" altLang="zh-CN" dirty="0" smtClean="0"/>
-              <a:t>6</a:t>
-            </a:r>
-            <a:r>
-              <a:rPr lang="zh-CN" altLang="en-US" dirty="0" smtClean="0"/>
-              <a:t>、只有提交或回滚了修改之后，其他用户才可以对原锁定区域进行修改。</a:t>
-            </a:r>
-            <a:endParaRPr lang="zh-CN" altLang="en-US" dirty="0"/>
-          </a:p>
-        </p:txBody>
-      </p:sp>
-      <p:sp>
-        <p:nvSpPr>
-          <p:cNvPr id="6" name="矩形 5"/>
-          <p:cNvSpPr/>
-          <p:nvPr/>
-        </p:nvSpPr>
-        <p:spPr>
-          <a:xfrm>
-            <a:off x="409303" y="1051413"/>
-            <a:ext cx="5314275" cy="400110"/>
+            <a:off x="0" y="0"/>
+            <a:ext cx="1338828" cy="523220"/>
           </a:xfrm>
           <a:prstGeom prst="rect">
             <a:avLst/>
@@ -6988,22 +7339,89 @@
           <a:lstStyle/>
           <a:p>
             <a:r>
-              <a:rPr lang="zh-CN" altLang="en-US" sz="2000" dirty="0">
-                <a:solidFill>
-                  <a:srgbClr val="323232"/>
-                </a:solidFill>
-                <a:latin typeface="ibm-plex-sans"/>
-              </a:rPr>
-              <a:t>占用整个逻辑日志空间在一定比例以上的事务</a:t>
-            </a:r>
-            <a:endParaRPr lang="zh-CN" altLang="en-US" sz="2000" dirty="0"/>
+              <a:rPr lang="en-US" altLang="zh-CN" sz="2800" dirty="0"/>
+              <a:t>XA</a:t>
+            </a:r>
+            <a:r>
+              <a:rPr lang="zh-CN" altLang="en-US" sz="2800" dirty="0"/>
+              <a:t>事务</a:t>
+            </a:r>
+          </a:p>
+        </p:txBody>
+      </p:sp>
+      <p:pic>
+        <p:nvPicPr>
+          <p:cNvPr id="3074" name="Picture 2" descr="https://images2015.cnblogs.com/blog/99941/201608/99941-20160805193216309-1768289491.png"/>
+          <p:cNvPicPr>
+            <a:picLocks noChangeAspect="1" noChangeArrowheads="1"/>
+          </p:cNvPicPr>
+          <p:nvPr/>
+        </p:nvPicPr>
+        <p:blipFill>
+          <a:blip r:embed="rId2">
+            <a:extLst>
+              <a:ext uri="{28A0092B-C50C-407E-A947-70E740481C1C}">
+                <a14:useLocalDpi xmlns:a14="http://schemas.microsoft.com/office/drawing/2010/main" val="0"/>
+              </a:ext>
+            </a:extLst>
+          </a:blip>
+          <a:srcRect/>
+          <a:stretch>
+            <a:fillRect/>
+          </a:stretch>
+        </p:blipFill>
+        <p:spPr bwMode="auto">
+          <a:xfrm>
+            <a:off x="879566" y="2777811"/>
+            <a:ext cx="5104766" cy="3863700"/>
+          </a:xfrm>
+          <a:prstGeom prst="rect">
+            <a:avLst/>
+          </a:prstGeom>
+          <a:noFill/>
+          <a:extLst>
+            <a:ext uri="{909E8E84-426E-40DD-AFC4-6F175D3DCCD1}">
+              <a14:hiddenFill xmlns:a14="http://schemas.microsoft.com/office/drawing/2010/main">
+                <a:solidFill>
+                  <a:srgbClr val="FFFFFF"/>
+                </a:solidFill>
+              </a14:hiddenFill>
+            </a:ext>
+          </a:extLst>
+        </p:spPr>
+      </p:pic>
+      <p:sp>
+        <p:nvSpPr>
+          <p:cNvPr id="5" name="矩形 4"/>
+          <p:cNvSpPr/>
+          <p:nvPr/>
+        </p:nvSpPr>
+        <p:spPr>
+          <a:xfrm>
+            <a:off x="6837649" y="6456845"/>
+            <a:ext cx="5354351" cy="369332"/>
+          </a:xfrm>
+          <a:prstGeom prst="rect">
+            <a:avLst/>
+          </a:prstGeom>
+        </p:spPr>
+        <p:txBody>
+          <a:bodyPr wrap="none">
+            <a:spAutoFit/>
+          </a:bodyPr>
+          <a:lstStyle/>
+          <a:p>
+            <a:r>
+              <a:rPr lang="zh-CN" altLang="en-US" dirty="0"/>
+              <a:t>https://www.cnblogs.com/zengkefu/p/5742617.html</a:t>
+            </a:r>
           </a:p>
         </p:txBody>
       </p:sp>
     </p:spTree>
     <p:extLst>
       <p:ext uri="{BB962C8B-B14F-4D97-AF65-F5344CB8AC3E}">
-        <p14:creationId xmlns:p14="http://schemas.microsoft.com/office/powerpoint/2010/main" val="1530977854"/>
+        <p14:creationId xmlns:p14="http://schemas.microsoft.com/office/powerpoint/2010/main" val="29046020"/>
       </p:ext>
     </p:extLst>
   </p:cSld>
@@ -7038,8 +7456,8 @@
         </p:nvSpPr>
         <p:spPr>
           <a:xfrm>
-            <a:off x="0" y="0"/>
-            <a:ext cx="1789272" cy="523220"/>
+            <a:off x="0" y="60960"/>
+            <a:ext cx="5524269" cy="523220"/>
           </a:xfrm>
           <a:prstGeom prst="rect">
             <a:avLst/>
@@ -7053,27 +7471,30 @@
           <a:lstStyle/>
           <a:p>
             <a:r>
-              <a:rPr lang="en-US" altLang="zh-CN" sz="2800" dirty="0" smtClean="0"/>
-              <a:t>SAGA</a:t>
-            </a:r>
-            <a:r>
-              <a:rPr lang="zh-CN" altLang="en-US" sz="2800" dirty="0" smtClean="0"/>
-              <a:t>事务</a:t>
-            </a:r>
-            <a:endParaRPr lang="zh-CN" altLang="en-US" sz="2800" dirty="0"/>
-          </a:p>
-        </p:txBody>
-      </p:sp>
-      <p:sp>
-        <p:nvSpPr>
-          <p:cNvPr id="3" name="矩形 2"/>
+              <a:rPr lang="zh-CN" altLang="en-US" sz="2800" dirty="0"/>
+              <a:t>长事务（</a:t>
+            </a:r>
+            <a:r>
+              <a:rPr lang="en-US" altLang="zh-CN" sz="2800" dirty="0"/>
+              <a:t>Long Lived Transaction</a:t>
+            </a:r>
+            <a:r>
+              <a:rPr lang="zh-CN" altLang="en-US" sz="2800" dirty="0"/>
+              <a:t>）</a:t>
+            </a:r>
+          </a:p>
+        </p:txBody>
+      </p:sp>
+      <p:sp>
+        <p:nvSpPr>
+          <p:cNvPr id="4" name="矩形 3"/>
           <p:cNvSpPr/>
           <p:nvPr/>
         </p:nvSpPr>
         <p:spPr>
           <a:xfrm>
-            <a:off x="679268" y="791868"/>
-            <a:ext cx="10563497" cy="923330"/>
+            <a:off x="409303" y="1887978"/>
+            <a:ext cx="11225349" cy="3693319"/>
           </a:xfrm>
           <a:prstGeom prst="rect">
             <a:avLst/>
@@ -7086,136 +7507,124 @@
           <a:lstStyle/>
           <a:p>
             <a:r>
-              <a:rPr lang="zh-CN" altLang="en-US" dirty="0">
-                <a:solidFill>
-                  <a:srgbClr val="3A4145"/>
-                </a:solidFill>
-                <a:latin typeface="-apple-system-font"/>
-              </a:rPr>
-              <a:t>该模型其核心思想就是拆分分布式系统中的长事务为多个短</a:t>
-            </a:r>
-            <a:r>
-              <a:rPr lang="zh-CN" altLang="en-US" dirty="0" smtClean="0">
-                <a:solidFill>
-                  <a:srgbClr val="3A4145"/>
-                </a:solidFill>
-                <a:latin typeface="-apple-system-font"/>
-              </a:rPr>
-              <a:t>事务</a:t>
-            </a:r>
-            <a:r>
-              <a:rPr lang="en-US" altLang="zh-CN" dirty="0" smtClean="0">
-                <a:solidFill>
-                  <a:srgbClr val="3A4145"/>
-                </a:solidFill>
-                <a:latin typeface="-apple-system-font"/>
-              </a:rPr>
-              <a:t>(</a:t>
-            </a:r>
-            <a:r>
-              <a:rPr lang="zh-CN" altLang="en-US" dirty="0" smtClean="0">
-                <a:solidFill>
-                  <a:srgbClr val="3A4145"/>
-                </a:solidFill>
-                <a:latin typeface="-apple-system-font"/>
-              </a:rPr>
-              <a:t>本地事务</a:t>
-            </a:r>
-            <a:r>
-              <a:rPr lang="en-US" altLang="zh-CN" dirty="0" smtClean="0">
-                <a:solidFill>
-                  <a:srgbClr val="3A4145"/>
-                </a:solidFill>
-                <a:latin typeface="-apple-system-font"/>
-              </a:rPr>
-              <a:t>)</a:t>
-            </a:r>
-            <a:r>
-              <a:rPr lang="zh-CN" altLang="en-US" dirty="0" smtClean="0">
-                <a:solidFill>
-                  <a:srgbClr val="3A4145"/>
-                </a:solidFill>
-                <a:latin typeface="-apple-system-font"/>
-              </a:rPr>
-              <a:t>，在每一个本地事务中我们都会更新数据库并且向集群中的其他服务发送一条的新的消息来触发下一个本地的事务；一旦本地的事务因为违反了业务逻辑而失败，那么就会立刻触发一系列的回滚操作来撤回之前本地事务造成的副作用</a:t>
-            </a:r>
+              <a:rPr lang="en-US" altLang="zh-CN" dirty="0"/>
+              <a:t>1</a:t>
+            </a:r>
+            <a:r>
+              <a:rPr lang="zh-CN" altLang="en-US" dirty="0"/>
+              <a:t>、长事务开始后，其他用户只能看到被锁定区域在编辑之前的数据，而不能看到锁定后的编辑情况，也不能对锁定的数据进行编辑；</a:t>
+            </a:r>
+            <a:endParaRPr lang="en-US" altLang="zh-CN" dirty="0"/>
+          </a:p>
+          <a:p>
             <a:endParaRPr lang="zh-CN" altLang="en-US" dirty="0"/>
           </a:p>
-        </p:txBody>
-      </p:sp>
-      <p:pic>
-        <p:nvPicPr>
-          <p:cNvPr id="6146" name="Picture 2" descr="https://images2017.cnblogs.com/blog/250417/201710/250417-20171016220040115-805407978.png"/>
-          <p:cNvPicPr>
-            <a:picLocks noChangeAspect="1" noChangeArrowheads="1"/>
-          </p:cNvPicPr>
-          <p:nvPr/>
-        </p:nvPicPr>
-        <p:blipFill>
-          <a:blip r:embed="rId2">
-            <a:extLst>
-              <a:ext uri="{28A0092B-C50C-407E-A947-70E740481C1C}">
-                <a14:useLocalDpi xmlns:a14="http://schemas.microsoft.com/office/drawing/2010/main" val="0"/>
-              </a:ext>
-            </a:extLst>
-          </a:blip>
-          <a:srcRect/>
-          <a:stretch>
-            <a:fillRect/>
-          </a:stretch>
-        </p:blipFill>
-        <p:spPr bwMode="auto">
-          <a:xfrm>
-            <a:off x="1331232" y="2449345"/>
-            <a:ext cx="7620000" cy="3305175"/>
-          </a:xfrm>
-          <a:prstGeom prst="rect">
-            <a:avLst/>
-          </a:prstGeom>
-          <a:noFill/>
-          <a:extLst>
-            <a:ext uri="{909E8E84-426E-40DD-AFC4-6F175D3DCCD1}">
-              <a14:hiddenFill xmlns:a14="http://schemas.microsoft.com/office/drawing/2010/main">
-                <a:solidFill>
-                  <a:srgbClr val="FFFFFF"/>
-                </a:solidFill>
-              </a14:hiddenFill>
-            </a:ext>
-          </a:extLst>
-        </p:spPr>
-      </p:pic>
-      <p:sp>
-        <p:nvSpPr>
-          <p:cNvPr id="5" name="矩形 4"/>
+          <a:p>
+            <a:r>
+              <a:rPr lang="en-US" altLang="zh-CN" dirty="0"/>
+              <a:t>2</a:t>
+            </a:r>
+            <a:r>
+              <a:rPr lang="zh-CN" altLang="en-US" dirty="0"/>
+              <a:t>、长事务可以持续几天、几个月甚至更长的时间，期间无需任何特殊处理，可以随时继续；</a:t>
+            </a:r>
+            <a:endParaRPr lang="en-US" altLang="zh-CN" dirty="0"/>
+          </a:p>
+          <a:p>
+            <a:endParaRPr lang="zh-CN" altLang="en-US" dirty="0"/>
+          </a:p>
+          <a:p>
+            <a:r>
+              <a:rPr lang="en-US" altLang="zh-CN" dirty="0"/>
+              <a:t>3</a:t>
+            </a:r>
+            <a:r>
+              <a:rPr lang="zh-CN" altLang="en-US" dirty="0"/>
+              <a:t>、长事务中所作的修改具有相当的安全性，即使遇到突然断电、死机或者其它意外情况，所编辑的数据也不会丢失或被破坏；</a:t>
+            </a:r>
+            <a:endParaRPr lang="en-US" altLang="zh-CN" dirty="0"/>
+          </a:p>
+          <a:p>
+            <a:endParaRPr lang="zh-CN" altLang="en-US" dirty="0"/>
+          </a:p>
+          <a:p>
+            <a:r>
+              <a:rPr lang="en-US" altLang="zh-CN" dirty="0"/>
+              <a:t>4</a:t>
+            </a:r>
+            <a:r>
+              <a:rPr lang="zh-CN" altLang="en-US" dirty="0"/>
+              <a:t>、任何时候，如果对于所作的修改不满意，可以回滚所作的修改，恢复到锁定时的状态；</a:t>
+            </a:r>
+            <a:endParaRPr lang="en-US" altLang="zh-CN" dirty="0"/>
+          </a:p>
+          <a:p>
+            <a:endParaRPr lang="zh-CN" altLang="en-US" dirty="0"/>
+          </a:p>
+          <a:p>
+            <a:r>
+              <a:rPr lang="en-US" altLang="zh-CN" dirty="0"/>
+              <a:t>5</a:t>
+            </a:r>
+            <a:r>
+              <a:rPr lang="zh-CN" altLang="en-US" dirty="0"/>
+              <a:t>、编辑结束，只要提交了所作的修改，其他用户立即就能看到修改后的内容；</a:t>
+            </a:r>
+            <a:endParaRPr lang="en-US" altLang="zh-CN" dirty="0"/>
+          </a:p>
+          <a:p>
+            <a:endParaRPr lang="zh-CN" altLang="en-US" dirty="0"/>
+          </a:p>
+          <a:p>
+            <a:r>
+              <a:rPr lang="en-US" altLang="zh-CN" dirty="0"/>
+              <a:t>6</a:t>
+            </a:r>
+            <a:r>
+              <a:rPr lang="zh-CN" altLang="en-US" dirty="0"/>
+              <a:t>、只有提交或回滚了修改之后，其他用户才可以对原锁定区域进行修改。</a:t>
+            </a:r>
+          </a:p>
+        </p:txBody>
+      </p:sp>
+      <p:sp>
+        <p:nvSpPr>
+          <p:cNvPr id="6" name="矩形 5"/>
           <p:cNvSpPr/>
           <p:nvPr/>
         </p:nvSpPr>
         <p:spPr>
           <a:xfrm>
-            <a:off x="3217819" y="6488668"/>
-            <a:ext cx="9575073" cy="369332"/>
-          </a:xfrm>
-          <a:prstGeom prst="rect">
-            <a:avLst/>
-          </a:prstGeom>
-        </p:spPr>
-        <p:txBody>
-          <a:bodyPr wrap="square">
+            <a:off x="409303" y="1051413"/>
+            <a:ext cx="5314275" cy="400110"/>
+          </a:xfrm>
+          <a:prstGeom prst="rect">
+            <a:avLst/>
+          </a:prstGeom>
+        </p:spPr>
+        <p:txBody>
+          <a:bodyPr wrap="none">
             <a:spAutoFit/>
           </a:bodyPr>
           <a:lstStyle/>
           <a:p>
             <a:r>
-              <a:rPr lang="zh-CN" altLang="en-US" dirty="0"/>
-              <a:t>https://www.cnblogs.com/savorboard/p/distributed-system-transaction-consistency.html</a:t>
-            </a:r>
+              <a:rPr lang="zh-CN" altLang="en-US" sz="2000" dirty="0">
+                <a:solidFill>
+                  <a:srgbClr val="323232"/>
+                </a:solidFill>
+                <a:latin typeface="ibm-plex-sans"/>
+              </a:rPr>
+              <a:t>占用整个逻辑日志空间在一定比例以上的事务</a:t>
+            </a:r>
+            <a:endParaRPr lang="zh-CN" altLang="en-US" sz="2000" dirty="0"/>
           </a:p>
         </p:txBody>
       </p:sp>
     </p:spTree>
     <p:extLst>
       <p:ext uri="{BB962C8B-B14F-4D97-AF65-F5344CB8AC3E}">
-        <p14:creationId xmlns:p14="http://schemas.microsoft.com/office/powerpoint/2010/main" val="1306342135"/>
+        <p14:creationId xmlns:p14="http://schemas.microsoft.com/office/powerpoint/2010/main" val="1530977854"/>
       </p:ext>
     </p:extLst>
   </p:cSld>
@@ -7265,107 +7674,26 @@
           <a:lstStyle/>
           <a:p>
             <a:r>
-              <a:rPr lang="en-US" altLang="zh-CN" sz="2800" dirty="0" smtClean="0"/>
+              <a:rPr lang="en-US" altLang="zh-CN" sz="2800" dirty="0"/>
               <a:t>SAGA</a:t>
             </a:r>
             <a:r>
-              <a:rPr lang="zh-CN" altLang="en-US" sz="2800" dirty="0" smtClean="0"/>
+              <a:rPr lang="zh-CN" altLang="en-US" sz="2800" dirty="0"/>
               <a:t>事务</a:t>
             </a:r>
-            <a:endParaRPr lang="zh-CN" altLang="en-US" sz="2800" dirty="0"/>
-          </a:p>
-        </p:txBody>
-      </p:sp>
-      <p:sp>
-        <p:nvSpPr>
-          <p:cNvPr id="4" name="矩形 3"/>
+          </a:p>
+        </p:txBody>
+      </p:sp>
+      <p:sp>
+        <p:nvSpPr>
+          <p:cNvPr id="3" name="矩形 2"/>
           <p:cNvSpPr/>
           <p:nvPr/>
         </p:nvSpPr>
         <p:spPr>
           <a:xfrm>
-            <a:off x="218749" y="744974"/>
-            <a:ext cx="2262158" cy="369332"/>
-          </a:xfrm>
-          <a:prstGeom prst="rect">
-            <a:avLst/>
-          </a:prstGeom>
-        </p:spPr>
-        <p:txBody>
-          <a:bodyPr wrap="none">
-            <a:spAutoFit/>
-          </a:bodyPr>
-          <a:lstStyle/>
-          <a:p>
-            <a:r>
-              <a:rPr lang="zh-CN" altLang="en-US" dirty="0"/>
-              <a:t>主流协调服务的方式</a:t>
-            </a:r>
-          </a:p>
-        </p:txBody>
-      </p:sp>
-      <p:sp>
-        <p:nvSpPr>
-          <p:cNvPr id="5" name="矩形 4"/>
-          <p:cNvSpPr/>
-          <p:nvPr/>
-        </p:nvSpPr>
-        <p:spPr>
-          <a:xfrm>
-            <a:off x="608430" y="1336060"/>
-            <a:ext cx="2492990" cy="369332"/>
-          </a:xfrm>
-          <a:prstGeom prst="rect">
-            <a:avLst/>
-          </a:prstGeom>
-        </p:spPr>
-        <p:txBody>
-          <a:bodyPr wrap="none">
-            <a:spAutoFit/>
-          </a:bodyPr>
-          <a:lstStyle/>
-          <a:p>
-            <a:r>
-              <a:rPr lang="zh-CN" altLang="en-US" dirty="0" smtClean="0">
-                <a:solidFill>
-                  <a:srgbClr val="3A4145"/>
-                </a:solidFill>
-                <a:latin typeface="-apple-system-font"/>
-              </a:rPr>
-              <a:t>协同（</a:t>
-            </a:r>
-            <a:r>
-              <a:rPr lang="en-US" altLang="zh-CN" dirty="0" smtClean="0">
-                <a:solidFill>
-                  <a:srgbClr val="3A4145"/>
-                </a:solidFill>
-                <a:latin typeface="-apple-system-font"/>
-              </a:rPr>
-              <a:t>Choreography</a:t>
-            </a:r>
-            <a:r>
-              <a:rPr lang="zh-CN" altLang="en-US" dirty="0" smtClean="0">
-                <a:solidFill>
-                  <a:srgbClr val="3A4145"/>
-                </a:solidFill>
-                <a:latin typeface="-apple-system-font"/>
-              </a:rPr>
-              <a:t>）</a:t>
-            </a:r>
-            <a:endParaRPr lang="zh-CN" altLang="en-US" dirty="0"/>
-          </a:p>
-        </p:txBody>
-      </p:sp>
-      <p:sp>
-        <p:nvSpPr>
-          <p:cNvPr id="7" name="矩形 6"/>
-          <p:cNvSpPr/>
-          <p:nvPr/>
-        </p:nvSpPr>
-        <p:spPr>
-          <a:xfrm>
-            <a:off x="1036320" y="1705392"/>
-            <a:ext cx="10911840" cy="646331"/>
+            <a:off x="679268" y="791868"/>
+            <a:ext cx="10563497" cy="923330"/>
           </a:xfrm>
           <a:prstGeom prst="rect">
             <a:avLst/>
@@ -7378,13 +7706,22 @@
           <a:lstStyle/>
           <a:p>
             <a:r>
-              <a:rPr lang="zh-CN" altLang="en-US" dirty="0" smtClean="0">
+              <a:rPr lang="zh-CN" altLang="en-US" dirty="0">
                 <a:solidFill>
                   <a:srgbClr val="3A4145"/>
                 </a:solidFill>
                 <a:latin typeface="-apple-system-font"/>
               </a:rPr>
-              <a:t>    采用</a:t>
+              <a:t>该模型其核心思想就是拆分分布式系统中的长事务为多个短事务</a:t>
+            </a:r>
+            <a:r>
+              <a:rPr lang="en-US" altLang="zh-CN" dirty="0">
+                <a:solidFill>
+                  <a:srgbClr val="3A4145"/>
+                </a:solidFill>
+                <a:latin typeface="-apple-system-font"/>
+              </a:rPr>
+              <a:t>(</a:t>
             </a:r>
             <a:r>
               <a:rPr lang="zh-CN" altLang="en-US" dirty="0">
@@ -7393,41 +7730,16 @@
                 </a:solidFill>
                 <a:latin typeface="-apple-system-font"/>
               </a:rPr>
-              <a:t>协同的方式进行开发，每一个本地的事务都会触发一个其他服务中的本地事务的执行，也就是说事务的执行过程是一个流的形式进行的：</a:t>
-            </a:r>
-            <a:endParaRPr lang="zh-CN" altLang="en-US" dirty="0"/>
-          </a:p>
-        </p:txBody>
-      </p:sp>
-      <p:sp>
-        <p:nvSpPr>
-          <p:cNvPr id="8" name="矩形 7"/>
-          <p:cNvSpPr/>
-          <p:nvPr/>
-        </p:nvSpPr>
-        <p:spPr>
-          <a:xfrm>
-            <a:off x="1036320" y="2397889"/>
-            <a:ext cx="11123192" cy="646331"/>
-          </a:xfrm>
-          <a:prstGeom prst="rect">
-            <a:avLst/>
-          </a:prstGeom>
-        </p:spPr>
-        <p:txBody>
-          <a:bodyPr wrap="square">
-            <a:spAutoFit/>
-          </a:bodyPr>
-          <a:lstStyle/>
-          <a:p>
-            <a:r>
-              <a:rPr lang="zh-CN" altLang="en-US" dirty="0" smtClean="0">
+              <a:t>本地事务</a:t>
+            </a:r>
+            <a:r>
+              <a:rPr lang="en-US" altLang="zh-CN" dirty="0">
                 <a:solidFill>
                   <a:srgbClr val="3A4145"/>
                 </a:solidFill>
                 <a:latin typeface="-apple-system-font"/>
               </a:rPr>
-              <a:t>    服务</a:t>
+              <a:t>)</a:t>
             </a:r>
             <a:r>
               <a:rPr lang="zh-CN" altLang="en-US" dirty="0">
@@ -7436,97 +7748,7 @@
                 </a:solidFill>
                 <a:latin typeface="-apple-system-font"/>
               </a:rPr>
-              <a:t>之间的通信其实就是通过事件进行的，每一个本的事务最终都会向服务的下游发送一个新的事件，既可以是消息队列中的消息，也可以是 </a:t>
-            </a:r>
-            <a:r>
-              <a:rPr lang="en-US" altLang="zh-CN" dirty="0">
-                <a:solidFill>
-                  <a:srgbClr val="3A4145"/>
-                </a:solidFill>
-                <a:latin typeface="-apple-system-font"/>
-              </a:rPr>
-              <a:t>RPC </a:t>
-            </a:r>
-            <a:r>
-              <a:rPr lang="zh-CN" altLang="en-US" dirty="0">
-                <a:solidFill>
-                  <a:srgbClr val="3A4145"/>
-                </a:solidFill>
-                <a:latin typeface="-apple-system-font"/>
-              </a:rPr>
-              <a:t>的请求，只是下游提供的接口需要保证幂等和重入。</a:t>
-            </a:r>
-            <a:endParaRPr lang="zh-CN" altLang="en-US" dirty="0"/>
-          </a:p>
-        </p:txBody>
-      </p:sp>
-      <p:sp>
-        <p:nvSpPr>
-          <p:cNvPr id="9" name="矩形 8"/>
-          <p:cNvSpPr/>
-          <p:nvPr/>
-        </p:nvSpPr>
-        <p:spPr>
-          <a:xfrm>
-            <a:off x="1036320" y="3090386"/>
-            <a:ext cx="10911840" cy="923330"/>
-          </a:xfrm>
-          <a:prstGeom prst="rect">
-            <a:avLst/>
-          </a:prstGeom>
-        </p:spPr>
-        <p:txBody>
-          <a:bodyPr wrap="square">
-            <a:spAutoFit/>
-          </a:bodyPr>
-          <a:lstStyle/>
-          <a:p>
-            <a:r>
-              <a:rPr lang="zh-CN" altLang="en-US" dirty="0" smtClean="0">
-                <a:solidFill>
-                  <a:srgbClr val="3A4145"/>
-                </a:solidFill>
-                <a:latin typeface="-apple-system-font"/>
-              </a:rPr>
-              <a:t>    通过</a:t>
-            </a:r>
-            <a:r>
-              <a:rPr lang="zh-CN" altLang="en-US" dirty="0">
-                <a:solidFill>
-                  <a:srgbClr val="3A4145"/>
-                </a:solidFill>
-                <a:latin typeface="-apple-system-font"/>
-              </a:rPr>
-              <a:t>协同方式创建的分布式事务其实并没有明显的中心化节点，多个服务参与者之间的交互协议要从全局来定义，每个服务能够处理以及发送的事件和接口都需要进行比较严谨的设计，尽可能提供抽象程度高的事件或者接口，这样各个服务才能实现自治并重用已有的代码和逻辑。</a:t>
-            </a:r>
-            <a:endParaRPr lang="zh-CN" altLang="en-US" dirty="0"/>
-          </a:p>
-        </p:txBody>
-      </p:sp>
-      <p:sp>
-        <p:nvSpPr>
-          <p:cNvPr id="13" name="矩形 12"/>
-          <p:cNvSpPr/>
-          <p:nvPr/>
-        </p:nvSpPr>
-        <p:spPr>
-          <a:xfrm>
-            <a:off x="6680730" y="6488668"/>
-            <a:ext cx="5588389" cy="369332"/>
-          </a:xfrm>
-          <a:prstGeom prst="rect">
-            <a:avLst/>
-          </a:prstGeom>
-        </p:spPr>
-        <p:txBody>
-          <a:bodyPr wrap="none">
-            <a:spAutoFit/>
-          </a:bodyPr>
-          <a:lstStyle/>
-          <a:p>
-            <a:r>
-              <a:rPr lang="en-US" altLang="zh-CN" dirty="0"/>
-              <a:t>https://draveness.me/distributed-transaction-principle</a:t>
+              <a:t>，在每一个本地事务中我们都会更新数据库并且向集群中的其他服务发送一条的新的消息来触发下一个本地的事务；一旦本地的事务因为违反了业务逻辑而失败，那么就会立刻触发一系列的回滚操作来撤回之前本地事务造成的副作用</a:t>
             </a:r>
             <a:endParaRPr lang="zh-CN" altLang="en-US" dirty="0"/>
           </a:p>
@@ -7534,7 +7756,7 @@
       </p:sp>
       <p:pic>
         <p:nvPicPr>
-          <p:cNvPr id="7174" name="Picture 6" descr="saga-pattern-choreography"/>
+          <p:cNvPr id="6146" name="Picture 2" descr="https://images2017.cnblogs.com/blog/250417/201710/250417-20171016220040115-805407978.png"/>
           <p:cNvPicPr>
             <a:picLocks noChangeAspect="1" noChangeArrowheads="1"/>
           </p:cNvPicPr>
@@ -7555,8 +7777,8 @@
         </p:blipFill>
         <p:spPr bwMode="auto">
           <a:xfrm>
-            <a:off x="1419497" y="4240521"/>
-            <a:ext cx="6447518" cy="1934256"/>
+            <a:off x="1331232" y="2449345"/>
+            <a:ext cx="7620000" cy="3305175"/>
           </a:xfrm>
           <a:prstGeom prst="rect">
             <a:avLst/>
@@ -7573,10 +7795,38 @@
           </a:extLst>
         </p:spPr>
       </p:pic>
+      <p:sp>
+        <p:nvSpPr>
+          <p:cNvPr id="5" name="矩形 4"/>
+          <p:cNvSpPr/>
+          <p:nvPr/>
+        </p:nvSpPr>
+        <p:spPr>
+          <a:xfrm>
+            <a:off x="3217819" y="6488668"/>
+            <a:ext cx="9575073" cy="369332"/>
+          </a:xfrm>
+          <a:prstGeom prst="rect">
+            <a:avLst/>
+          </a:prstGeom>
+        </p:spPr>
+        <p:txBody>
+          <a:bodyPr wrap="square">
+            <a:spAutoFit/>
+          </a:bodyPr>
+          <a:lstStyle/>
+          <a:p>
+            <a:r>
+              <a:rPr lang="zh-CN" altLang="en-US" dirty="0"/>
+              <a:t>https://www.cnblogs.com/savorboard/p/distributed-system-transaction-consistency.html</a:t>
+            </a:r>
+          </a:p>
+        </p:txBody>
+      </p:sp>
     </p:spTree>
     <p:extLst>
       <p:ext uri="{BB962C8B-B14F-4D97-AF65-F5344CB8AC3E}">
-        <p14:creationId xmlns:p14="http://schemas.microsoft.com/office/powerpoint/2010/main" val="1755398372"/>
+        <p14:creationId xmlns:p14="http://schemas.microsoft.com/office/powerpoint/2010/main" val="1306342135"/>
       </p:ext>
     </p:extLst>
   </p:cSld>
@@ -7626,20 +7876,19 @@
           <a:lstStyle/>
           <a:p>
             <a:r>
-              <a:rPr lang="en-US" altLang="zh-CN" sz="2800" dirty="0" smtClean="0"/>
+              <a:rPr lang="en-US" altLang="zh-CN" sz="2800" dirty="0"/>
               <a:t>SAGA</a:t>
             </a:r>
             <a:r>
-              <a:rPr lang="zh-CN" altLang="en-US" sz="2800" dirty="0" smtClean="0"/>
+              <a:rPr lang="zh-CN" altLang="en-US" sz="2800" dirty="0"/>
               <a:t>事务</a:t>
             </a:r>
-            <a:endParaRPr lang="zh-CN" altLang="en-US" sz="2800" dirty="0"/>
-          </a:p>
-        </p:txBody>
-      </p:sp>
-      <p:sp>
-        <p:nvSpPr>
-          <p:cNvPr id="3" name="矩形 2"/>
+          </a:p>
+        </p:txBody>
+      </p:sp>
+      <p:sp>
+        <p:nvSpPr>
+          <p:cNvPr id="4" name="矩形 3"/>
           <p:cNvSpPr/>
           <p:nvPr/>
         </p:nvSpPr>
@@ -7673,8 +7922,8 @@
         </p:nvSpPr>
         <p:spPr>
           <a:xfrm>
-            <a:off x="739275" y="1398117"/>
-            <a:ext cx="2457724" cy="369332"/>
+            <a:off x="608430" y="1336060"/>
+            <a:ext cx="2492990" cy="369332"/>
           </a:xfrm>
           <a:prstGeom prst="rect">
             <a:avLst/>
@@ -7687,15 +7936,30 @@
           <a:lstStyle/>
           <a:p>
             <a:r>
-              <a:rPr lang="zh-CN" altLang="en-US" smtClean="0"/>
-              <a:t>编排（</a:t>
-            </a:r>
-            <a:r>
-              <a:rPr lang="en-US" altLang="zh-CN" smtClean="0"/>
-              <a:t>Orchestration</a:t>
-            </a:r>
-            <a:r>
-              <a:rPr lang="zh-CN" altLang="en-US" smtClean="0"/>
+              <a:rPr lang="zh-CN" altLang="en-US" dirty="0">
+                <a:solidFill>
+                  <a:srgbClr val="3A4145"/>
+                </a:solidFill>
+                <a:latin typeface="-apple-system-font"/>
+              </a:rPr>
+              <a:t>协同（</a:t>
+            </a:r>
+            <a:r>
+              <a:rPr lang="en-US" altLang="zh-CN" dirty="0">
+                <a:solidFill>
+                  <a:srgbClr val="3A4145"/>
+                </a:solidFill>
+                <a:latin typeface="-apple-system-font"/>
+              </a:rPr>
+              <a:t>Choreography</a:t>
+            </a:r>
+            <a:r>
+              <a:rPr lang="zh-CN" altLang="en-US" dirty="0">
+                <a:solidFill>
+                  <a:srgbClr val="3A4145"/>
+                </a:solidFill>
+                <a:latin typeface="-apple-system-font"/>
+              </a:rPr>
               <a:t>）</a:t>
             </a:r>
             <a:endParaRPr lang="zh-CN" altLang="en-US" dirty="0"/>
@@ -7710,8 +7974,8 @@
         </p:nvSpPr>
         <p:spPr>
           <a:xfrm>
-            <a:off x="1001486" y="1966687"/>
-            <a:ext cx="10668000" cy="646331"/>
+            <a:off x="1036320" y="1705392"/>
+            <a:ext cx="10911840" cy="646331"/>
           </a:xfrm>
           <a:prstGeom prst="rect">
             <a:avLst/>
@@ -7724,27 +7988,136 @@
           <a:lstStyle/>
           <a:p>
             <a:r>
-              <a:rPr lang="zh-CN" altLang="en-US" dirty="0" smtClean="0"/>
-              <a:t>       引入</a:t>
-            </a:r>
-            <a:r>
-              <a:rPr lang="zh-CN" altLang="en-US" dirty="0"/>
-              <a:t>了中心化的协调器节点，我们通过一个 </a:t>
-            </a:r>
+              <a:rPr lang="zh-CN" altLang="en-US" dirty="0">
+                <a:solidFill>
+                  <a:srgbClr val="3A4145"/>
+                </a:solidFill>
+                <a:latin typeface="-apple-system-font"/>
+              </a:rPr>
+              <a:t>    采用协同的方式进行开发，每一个本地的事务都会触发一个其他服务中的本地事务的执行，也就是说事务的执行过程是一个流的形式进行的：</a:t>
+            </a:r>
+            <a:endParaRPr lang="zh-CN" altLang="en-US" dirty="0"/>
+          </a:p>
+        </p:txBody>
+      </p:sp>
+      <p:sp>
+        <p:nvSpPr>
+          <p:cNvPr id="8" name="矩形 7"/>
+          <p:cNvSpPr/>
+          <p:nvPr/>
+        </p:nvSpPr>
+        <p:spPr>
+          <a:xfrm>
+            <a:off x="1036320" y="2397889"/>
+            <a:ext cx="11123192" cy="646331"/>
+          </a:xfrm>
+          <a:prstGeom prst="rect">
+            <a:avLst/>
+          </a:prstGeom>
+        </p:spPr>
+        <p:txBody>
+          <a:bodyPr wrap="square">
+            <a:spAutoFit/>
+          </a:bodyPr>
+          <a:lstStyle/>
+          <a:p>
+            <a:r>
+              <a:rPr lang="zh-CN" altLang="en-US" dirty="0">
+                <a:solidFill>
+                  <a:srgbClr val="3A4145"/>
+                </a:solidFill>
+                <a:latin typeface="-apple-system-font"/>
+              </a:rPr>
+              <a:t>    服务之间的通信其实就是通过事件进行的，每一个本的事务最终都会向服务的下游发送一个新的事件，既可以是消息队列中的消息，也可以是 </a:t>
+            </a:r>
+            <a:r>
+              <a:rPr lang="en-US" altLang="zh-CN" dirty="0">
+                <a:solidFill>
+                  <a:srgbClr val="3A4145"/>
+                </a:solidFill>
+                <a:latin typeface="-apple-system-font"/>
+              </a:rPr>
+              <a:t>RPC </a:t>
+            </a:r>
+            <a:r>
+              <a:rPr lang="zh-CN" altLang="en-US" dirty="0">
+                <a:solidFill>
+                  <a:srgbClr val="3A4145"/>
+                </a:solidFill>
+                <a:latin typeface="-apple-system-font"/>
+              </a:rPr>
+              <a:t>的请求，只是下游提供的接口需要保证幂等和重入。</a:t>
+            </a:r>
+            <a:endParaRPr lang="zh-CN" altLang="en-US" dirty="0"/>
+          </a:p>
+        </p:txBody>
+      </p:sp>
+      <p:sp>
+        <p:nvSpPr>
+          <p:cNvPr id="9" name="矩形 8"/>
+          <p:cNvSpPr/>
+          <p:nvPr/>
+        </p:nvSpPr>
+        <p:spPr>
+          <a:xfrm>
+            <a:off x="1036320" y="3090386"/>
+            <a:ext cx="10911840" cy="923330"/>
+          </a:xfrm>
+          <a:prstGeom prst="rect">
+            <a:avLst/>
+          </a:prstGeom>
+        </p:spPr>
+        <p:txBody>
+          <a:bodyPr wrap="square">
+            <a:spAutoFit/>
+          </a:bodyPr>
+          <a:lstStyle/>
+          <a:p>
+            <a:r>
+              <a:rPr lang="zh-CN" altLang="en-US" dirty="0">
+                <a:solidFill>
+                  <a:srgbClr val="3A4145"/>
+                </a:solidFill>
+                <a:latin typeface="-apple-system-font"/>
+              </a:rPr>
+              <a:t>    通过协同方式创建的分布式事务其实并没有明显的中心化节点，多个服务参与者之间的交互协议要从全局来定义，每个服务能够处理以及发送的事件和接口都需要进行比较严谨的设计，尽可能提供抽象程度高的事件或者接口，这样各个服务才能实现自治并重用已有的代码和逻辑。</a:t>
+            </a:r>
+            <a:endParaRPr lang="zh-CN" altLang="en-US" dirty="0"/>
+          </a:p>
+        </p:txBody>
+      </p:sp>
+      <p:sp>
+        <p:nvSpPr>
+          <p:cNvPr id="13" name="矩形 12"/>
+          <p:cNvSpPr/>
+          <p:nvPr/>
+        </p:nvSpPr>
+        <p:spPr>
+          <a:xfrm>
+            <a:off x="6680730" y="6488668"/>
+            <a:ext cx="5588389" cy="369332"/>
+          </a:xfrm>
+          <a:prstGeom prst="rect">
+            <a:avLst/>
+          </a:prstGeom>
+        </p:spPr>
+        <p:txBody>
+          <a:bodyPr wrap="none">
+            <a:spAutoFit/>
+          </a:bodyPr>
+          <a:lstStyle/>
+          <a:p>
             <a:r>
               <a:rPr lang="en-US" altLang="zh-CN" dirty="0"/>
-              <a:t>Saga </a:t>
-            </a:r>
-            <a:r>
-              <a:rPr lang="zh-CN" altLang="en-US" dirty="0"/>
-              <a:t>对象来追踪所有的子任务的调用情况，根据任务的调用情况决定是否需要调用对应的补偿方案，并在网络请求出现超时时进行重试</a:t>
-            </a:r>
+              <a:t>https://draveness.me/distributed-transaction-principle</a:t>
+            </a:r>
+            <a:endParaRPr lang="zh-CN" altLang="en-US" dirty="0"/>
           </a:p>
         </p:txBody>
       </p:sp>
       <p:pic>
         <p:nvPicPr>
-          <p:cNvPr id="8194" name="Picture 2" descr="saga-pattern-orchestration"/>
+          <p:cNvPr id="7174" name="Picture 6" descr="saga-pattern-choreography"/>
           <p:cNvPicPr>
             <a:picLocks noChangeAspect="1" noChangeArrowheads="1"/>
           </p:cNvPicPr>
@@ -7765,8 +8138,8 @@
         </p:blipFill>
         <p:spPr bwMode="auto">
           <a:xfrm>
-            <a:off x="2159725" y="2812256"/>
-            <a:ext cx="7757160" cy="3102864"/>
+            <a:off x="1419497" y="4240521"/>
+            <a:ext cx="6447518" cy="1934256"/>
           </a:xfrm>
           <a:prstGeom prst="rect">
             <a:avLst/>
@@ -7783,38 +8156,10 @@
           </a:extLst>
         </p:spPr>
       </p:pic>
-      <p:sp>
-        <p:nvSpPr>
-          <p:cNvPr id="8" name="矩形 7"/>
-          <p:cNvSpPr/>
-          <p:nvPr/>
-        </p:nvSpPr>
-        <p:spPr>
-          <a:xfrm>
-            <a:off x="6603611" y="6388129"/>
-            <a:ext cx="5588389" cy="369332"/>
-          </a:xfrm>
-          <a:prstGeom prst="rect">
-            <a:avLst/>
-          </a:prstGeom>
-        </p:spPr>
-        <p:txBody>
-          <a:bodyPr wrap="none">
-            <a:spAutoFit/>
-          </a:bodyPr>
-          <a:lstStyle/>
-          <a:p>
-            <a:r>
-              <a:rPr lang="zh-CN" altLang="en-US" dirty="0"/>
-              <a:t>https://draveness.me/distributed-transaction-principle</a:t>
-            </a:r>
-          </a:p>
-        </p:txBody>
-      </p:sp>
     </p:spTree>
     <p:extLst>
       <p:ext uri="{BB962C8B-B14F-4D97-AF65-F5344CB8AC3E}">
-        <p14:creationId xmlns:p14="http://schemas.microsoft.com/office/powerpoint/2010/main" val="1759204619"/>
+        <p14:creationId xmlns:p14="http://schemas.microsoft.com/office/powerpoint/2010/main" val="1755398372"/>
       </p:ext>
     </p:extLst>
   </p:cSld>
@@ -7846,7 +8191,7 @@
           <p:cNvPr id="5" name="矩形 4">
             <a:extLst>
               <a:ext uri="{FF2B5EF4-FFF2-40B4-BE49-F238E27FC236}">
-                <a16:creationId xmlns:a16="http://schemas.microsoft.com/office/drawing/2014/main" xmlns="" id="{12F2904D-5E7C-4356-A7CE-D9E808C6138E}"/>
+                <a16:creationId xmlns:a16="http://schemas.microsoft.com/office/drawing/2014/main" id="{12F2904D-5E7C-4356-A7CE-D9E808C6138E}"/>
               </a:ext>
             </a:extLst>
           </p:cNvPr>
@@ -7880,7 +8225,7 @@
           <p:cNvPr id="6" name="矩形 5">
             <a:extLst>
               <a:ext uri="{FF2B5EF4-FFF2-40B4-BE49-F238E27FC236}">
-                <a16:creationId xmlns:a16="http://schemas.microsoft.com/office/drawing/2014/main" xmlns="" id="{44F58473-CAAA-4E78-81D0-72352E7C4CB5}"/>
+                <a16:creationId xmlns:a16="http://schemas.microsoft.com/office/drawing/2014/main" id="{44F58473-CAAA-4E78-81D0-72352E7C4CB5}"/>
               </a:ext>
             </a:extLst>
           </p:cNvPr>
@@ -8172,7 +8517,7 @@
           <p:cNvPr id="7" name="矩形 6">
             <a:extLst>
               <a:ext uri="{FF2B5EF4-FFF2-40B4-BE49-F238E27FC236}">
-                <a16:creationId xmlns:a16="http://schemas.microsoft.com/office/drawing/2014/main" xmlns="" id="{6CE39DEA-2151-428B-B32E-5C9C19AC5829}"/>
+                <a16:creationId xmlns:a16="http://schemas.microsoft.com/office/drawing/2014/main" id="{6CE39DEA-2151-428B-B32E-5C9C19AC5829}"/>
               </a:ext>
             </a:extLst>
           </p:cNvPr>
@@ -8211,13 +8556,6 @@
   <p:clrMapOvr>
     <a:masterClrMapping/>
   </p:clrMapOvr>
-  <p:timing>
-    <p:tnLst>
-      <p:par>
-        <p:cTn id="1" dur="indefinite" restart="never" nodeType="tmRoot"/>
-      </p:par>
-    </p:tnLst>
-  </p:timing>
 </p:sld>
 </file>
 
@@ -8246,8 +8584,8 @@
         </p:nvSpPr>
         <p:spPr>
           <a:xfrm>
-            <a:off x="130629" y="69669"/>
-            <a:ext cx="816249" cy="523220"/>
+            <a:off x="0" y="0"/>
+            <a:ext cx="1789272" cy="523220"/>
           </a:xfrm>
           <a:prstGeom prst="rect">
             <a:avLst/>
@@ -8261,23 +8599,91 @@
           <a:lstStyle/>
           <a:p>
             <a:r>
-              <a:rPr lang="en-US" altLang="zh-CN" sz="2800" dirty="0" smtClean="0"/>
-              <a:t>TCC</a:t>
-            </a:r>
-            <a:endParaRPr lang="zh-CN" altLang="en-US" sz="2800" dirty="0"/>
-          </a:p>
-        </p:txBody>
-      </p:sp>
-      <p:sp>
-        <p:nvSpPr>
-          <p:cNvPr id="4" name="矩形 3"/>
+              <a:rPr lang="en-US" altLang="zh-CN" sz="2800" dirty="0"/>
+              <a:t>SAGA</a:t>
+            </a:r>
+            <a:r>
+              <a:rPr lang="zh-CN" altLang="en-US" sz="2800" dirty="0"/>
+              <a:t>事务</a:t>
+            </a:r>
+          </a:p>
+        </p:txBody>
+      </p:sp>
+      <p:sp>
+        <p:nvSpPr>
+          <p:cNvPr id="3" name="矩形 2"/>
           <p:cNvSpPr/>
           <p:nvPr/>
         </p:nvSpPr>
         <p:spPr>
           <a:xfrm>
-            <a:off x="538752" y="945777"/>
-            <a:ext cx="11165567" cy="2031325"/>
+            <a:off x="218749" y="744974"/>
+            <a:ext cx="2262158" cy="369332"/>
+          </a:xfrm>
+          <a:prstGeom prst="rect">
+            <a:avLst/>
+          </a:prstGeom>
+        </p:spPr>
+        <p:txBody>
+          <a:bodyPr wrap="none">
+            <a:spAutoFit/>
+          </a:bodyPr>
+          <a:lstStyle/>
+          <a:p>
+            <a:r>
+              <a:rPr lang="zh-CN" altLang="en-US" dirty="0"/>
+              <a:t>主流协调服务的方式</a:t>
+            </a:r>
+          </a:p>
+        </p:txBody>
+      </p:sp>
+      <p:sp>
+        <p:nvSpPr>
+          <p:cNvPr id="5" name="矩形 4"/>
+          <p:cNvSpPr/>
+          <p:nvPr/>
+        </p:nvSpPr>
+        <p:spPr>
+          <a:xfrm>
+            <a:off x="739275" y="1398117"/>
+            <a:ext cx="2457724" cy="369332"/>
+          </a:xfrm>
+          <a:prstGeom prst="rect">
+            <a:avLst/>
+          </a:prstGeom>
+        </p:spPr>
+        <p:txBody>
+          <a:bodyPr wrap="none">
+            <a:spAutoFit/>
+          </a:bodyPr>
+          <a:lstStyle/>
+          <a:p>
+            <a:r>
+              <a:rPr lang="zh-CN" altLang="en-US"/>
+              <a:t>编排（</a:t>
+            </a:r>
+            <a:r>
+              <a:rPr lang="en-US" altLang="zh-CN"/>
+              <a:t>Orchestration</a:t>
+            </a:r>
+            <a:r>
+              <a:rPr lang="zh-CN" altLang="en-US"/>
+              <a:t>）</a:t>
+            </a:r>
+            <a:endParaRPr lang="zh-CN" altLang="en-US" dirty="0"/>
+          </a:p>
+        </p:txBody>
+      </p:sp>
+      <p:sp>
+        <p:nvSpPr>
+          <p:cNvPr id="7" name="矩形 6"/>
+          <p:cNvSpPr/>
+          <p:nvPr/>
+        </p:nvSpPr>
+        <p:spPr>
+          <a:xfrm>
+            <a:off x="1001486" y="1966687"/>
+            <a:ext cx="10668000" cy="646331"/>
           </a:xfrm>
           <a:prstGeom prst="rect">
             <a:avLst/>
@@ -8291,157 +8697,29 @@
           <a:p>
             <a:r>
               <a:rPr lang="zh-CN" altLang="en-US" dirty="0"/>
-              <a:t>它不依赖资源管理器</a:t>
+              <a:t>       引入了中心化的协调器节点，我们通过一个 </a:t>
             </a:r>
             <a:r>
               <a:rPr lang="en-US" altLang="zh-CN" dirty="0"/>
-              <a:t>(RM)</a:t>
+              <a:t>Saga </a:t>
             </a:r>
             <a:r>
               <a:rPr lang="zh-CN" altLang="en-US" dirty="0"/>
-              <a:t>对</a:t>
-            </a:r>
-            <a:r>
-              <a:rPr lang="en-US" altLang="zh-CN" dirty="0"/>
-              <a:t>XA</a:t>
-            </a:r>
-            <a:r>
-              <a:rPr lang="zh-CN" altLang="en-US" dirty="0"/>
-              <a:t>的支持，而是通过对（由业务系统提供的）业务逻辑的调度来实现分布式事务。对于业务系统中一个特定的业务逻辑</a:t>
-            </a:r>
-            <a:r>
-              <a:rPr lang="en-US" altLang="zh-CN" dirty="0"/>
-              <a:t>S</a:t>
-            </a:r>
-            <a:r>
-              <a:rPr lang="zh-CN" altLang="en-US" dirty="0"/>
-              <a:t>，其对外提供服务时，必须接受一些不确定性，即对业务逻辑执行的一次调用仅是一个临时性操作，调用它的消费方服务</a:t>
-            </a:r>
-            <a:r>
-              <a:rPr lang="en-US" altLang="zh-CN" dirty="0"/>
-              <a:t>M</a:t>
-            </a:r>
-            <a:r>
-              <a:rPr lang="zh-CN" altLang="en-US" dirty="0"/>
-              <a:t>保留了后续的取消权。如果</a:t>
-            </a:r>
-            <a:r>
-              <a:rPr lang="en-US" altLang="zh-CN" dirty="0"/>
-              <a:t>M</a:t>
-            </a:r>
-            <a:r>
-              <a:rPr lang="zh-CN" altLang="en-US" dirty="0"/>
-              <a:t>认为全局事务应该</a:t>
-            </a:r>
-            <a:r>
-              <a:rPr lang="en-US" altLang="zh-CN" dirty="0"/>
-              <a:t>rollback</a:t>
-            </a:r>
-            <a:r>
-              <a:rPr lang="zh-CN" altLang="en-US" dirty="0"/>
-              <a:t>，它会要求取消之前的临时性操作，这就对应</a:t>
-            </a:r>
-            <a:r>
-              <a:rPr lang="en-US" altLang="zh-CN" dirty="0"/>
-              <a:t>S</a:t>
-            </a:r>
-            <a:r>
-              <a:rPr lang="zh-CN" altLang="en-US" dirty="0"/>
-              <a:t>的一个取消操作。而当</a:t>
-            </a:r>
-            <a:r>
-              <a:rPr lang="en-US" altLang="zh-CN" dirty="0"/>
-              <a:t>M</a:t>
-            </a:r>
-            <a:r>
-              <a:rPr lang="zh-CN" altLang="en-US" dirty="0"/>
-              <a:t>认为全局事务应该</a:t>
-            </a:r>
-            <a:r>
-              <a:rPr lang="en-US" altLang="zh-CN" dirty="0"/>
-              <a:t>commit</a:t>
-            </a:r>
-            <a:r>
-              <a:rPr lang="zh-CN" altLang="en-US" dirty="0"/>
-              <a:t>时，它会放弃之前临时性操作的取消权，这对应</a:t>
-            </a:r>
-            <a:r>
-              <a:rPr lang="en-US" altLang="zh-CN" dirty="0"/>
-              <a:t>S</a:t>
-            </a:r>
-            <a:r>
-              <a:rPr lang="zh-CN" altLang="en-US" dirty="0"/>
-              <a:t>的一个确认操作。 每一个初步操作，最终都会被确认或取消。因此，针对一个具体的业务服务，</a:t>
-            </a:r>
-            <a:r>
-              <a:rPr lang="en-US" altLang="zh-CN" dirty="0"/>
-              <a:t>TCC</a:t>
-            </a:r>
-            <a:r>
-              <a:rPr lang="zh-CN" altLang="en-US" dirty="0"/>
-              <a:t>事务机制需要业务系统提供三段业务逻辑：初步操作</a:t>
-            </a:r>
-            <a:r>
-              <a:rPr lang="en-US" altLang="zh-CN" dirty="0"/>
-              <a:t>Try</a:t>
-            </a:r>
-            <a:r>
-              <a:rPr lang="zh-CN" altLang="en-US" dirty="0"/>
-              <a:t>、确认操作</a:t>
-            </a:r>
-            <a:r>
-              <a:rPr lang="en-US" altLang="zh-CN" dirty="0"/>
-              <a:t>Confirm</a:t>
-            </a:r>
-            <a:r>
-              <a:rPr lang="zh-CN" altLang="en-US" dirty="0"/>
-              <a:t>、取消操作</a:t>
-            </a:r>
-            <a:r>
-              <a:rPr lang="en-US" altLang="zh-CN" dirty="0"/>
-              <a:t>Cancel</a:t>
-            </a:r>
-            <a:r>
-              <a:rPr lang="zh-CN" altLang="en-US" dirty="0"/>
-              <a:t>。</a:t>
+              <a:t>对象来追踪所有的子任务的调用情况，根据任务的调用情况决定是否需要调用对应的补偿方案，并在网络请求出现超时时进行重试</a:t>
             </a:r>
           </a:p>
         </p:txBody>
       </p:sp>
       <p:pic>
         <p:nvPicPr>
-          <p:cNvPr id="5" name="图片 4"/>
-          <p:cNvPicPr>
-            <a:picLocks noChangeAspect="1"/>
-          </p:cNvPicPr>
-          <p:nvPr/>
-        </p:nvPicPr>
-        <p:blipFill>
-          <a:blip r:embed="rId2"/>
-          <a:stretch>
-            <a:fillRect/>
-          </a:stretch>
-        </p:blipFill>
-        <p:spPr>
-          <a:xfrm>
-            <a:off x="7836535" y="3074166"/>
-            <a:ext cx="3040471" cy="3612518"/>
-          </a:xfrm>
-          <a:prstGeom prst="rect">
-            <a:avLst/>
-          </a:prstGeom>
-        </p:spPr>
-      </p:pic>
-      <p:pic>
-        <p:nvPicPr>
-          <p:cNvPr id="9218" name="Picture 2" descr="1"/>
+          <p:cNvPr id="8194" name="Picture 2" descr="saga-pattern-orchestration"/>
           <p:cNvPicPr>
             <a:picLocks noChangeAspect="1" noChangeArrowheads="1"/>
           </p:cNvPicPr>
           <p:nvPr/>
         </p:nvPicPr>
         <p:blipFill>
-          <a:blip r:embed="rId3" cstate="print">
+          <a:blip r:embed="rId2">
             <a:extLst>
               <a:ext uri="{28A0092B-C50C-407E-A947-70E740481C1C}">
                 <a14:useLocalDpi xmlns:a14="http://schemas.microsoft.com/office/drawing/2010/main" val="0"/>
@@ -8455,8 +8733,8 @@
         </p:blipFill>
         <p:spPr bwMode="auto">
           <a:xfrm>
-            <a:off x="661851" y="3074166"/>
-            <a:ext cx="5933486" cy="3573204"/>
+            <a:off x="2159725" y="2812256"/>
+            <a:ext cx="7757160" cy="3102864"/>
           </a:xfrm>
           <a:prstGeom prst="rect">
             <a:avLst/>
@@ -8473,10 +8751,38 @@
           </a:extLst>
         </p:spPr>
       </p:pic>
+      <p:sp>
+        <p:nvSpPr>
+          <p:cNvPr id="8" name="矩形 7"/>
+          <p:cNvSpPr/>
+          <p:nvPr/>
+        </p:nvSpPr>
+        <p:spPr>
+          <a:xfrm>
+            <a:off x="6603611" y="6388129"/>
+            <a:ext cx="5588389" cy="369332"/>
+          </a:xfrm>
+          <a:prstGeom prst="rect">
+            <a:avLst/>
+          </a:prstGeom>
+        </p:spPr>
+        <p:txBody>
+          <a:bodyPr wrap="none">
+            <a:spAutoFit/>
+          </a:bodyPr>
+          <a:lstStyle/>
+          <a:p>
+            <a:r>
+              <a:rPr lang="zh-CN" altLang="en-US" dirty="0"/>
+              <a:t>https://draveness.me/distributed-transaction-principle</a:t>
+            </a:r>
+          </a:p>
+        </p:txBody>
+      </p:sp>
     </p:spTree>
     <p:extLst>
       <p:ext uri="{BB962C8B-B14F-4D97-AF65-F5344CB8AC3E}">
-        <p14:creationId xmlns:p14="http://schemas.microsoft.com/office/powerpoint/2010/main" val="3184319305"/>
+        <p14:creationId xmlns:p14="http://schemas.microsoft.com/office/powerpoint/2010/main" val="1759204619"/>
       </p:ext>
     </p:extLst>
   </p:cSld>
@@ -8505,14 +8811,44 @@
       </p:grpSpPr>
       <p:sp>
         <p:nvSpPr>
-          <p:cNvPr id="2" name="矩形 1"/>
+          <p:cNvPr id="2" name="文本框 1"/>
+          <p:cNvSpPr txBox="1"/>
+          <p:nvPr/>
+        </p:nvSpPr>
+        <p:spPr>
+          <a:xfrm>
+            <a:off x="130629" y="69669"/>
+            <a:ext cx="816249" cy="523220"/>
+          </a:xfrm>
+          <a:prstGeom prst="rect">
+            <a:avLst/>
+          </a:prstGeom>
+          <a:noFill/>
+        </p:spPr>
+        <p:txBody>
+          <a:bodyPr wrap="none" rtlCol="0">
+            <a:spAutoFit/>
+          </a:bodyPr>
+          <a:lstStyle/>
+          <a:p>
+            <a:r>
+              <a:rPr lang="en-US" altLang="zh-CN" sz="2800" dirty="0"/>
+              <a:t>TCC</a:t>
+            </a:r>
+            <a:endParaRPr lang="zh-CN" altLang="en-US" sz="2800" dirty="0"/>
+          </a:p>
+        </p:txBody>
+      </p:sp>
+      <p:sp>
+        <p:nvSpPr>
+          <p:cNvPr id="4" name="矩形 3"/>
           <p:cNvSpPr/>
           <p:nvPr/>
         </p:nvSpPr>
         <p:spPr>
           <a:xfrm>
-            <a:off x="745639" y="925467"/>
-            <a:ext cx="8208588" cy="1200329"/>
+            <a:off x="538752" y="945777"/>
+            <a:ext cx="11165567" cy="2031325"/>
           </a:xfrm>
           <a:prstGeom prst="rect">
             <a:avLst/>
@@ -8525,18 +8861,88 @@
           <a:lstStyle/>
           <a:p>
             <a:r>
+              <a:rPr lang="zh-CN" altLang="en-US" dirty="0"/>
+              <a:t>它不依赖资源管理器</a:t>
+            </a:r>
+            <a:r>
               <a:rPr lang="en-US" altLang="zh-CN" dirty="0"/>
-              <a:t>1</a:t>
+              <a:t>(RM)</a:t>
             </a:r>
             <a:r>
               <a:rPr lang="zh-CN" altLang="en-US" dirty="0"/>
-              <a:t>、业务操作分两阶段完成：</a:t>
-            </a:r>
-          </a:p>
-          <a:p>
+              <a:t>对</a:t>
+            </a:r>
+            <a:r>
+              <a:rPr lang="en-US" altLang="zh-CN" dirty="0"/>
+              <a:t>XA</a:t>
+            </a:r>
             <a:r>
               <a:rPr lang="zh-CN" altLang="en-US" dirty="0"/>
-              <a:t>如下图所示，接入</a:t>
+              <a:t>的支持，而是通过对（由业务系统提供的）业务逻辑的调度来实现分布式事务。对于业务系统中一个特定的业务逻辑</a:t>
+            </a:r>
+            <a:r>
+              <a:rPr lang="en-US" altLang="zh-CN" dirty="0"/>
+              <a:t>S</a:t>
+            </a:r>
+            <a:r>
+              <a:rPr lang="zh-CN" altLang="en-US" dirty="0"/>
+              <a:t>，其对外提供服务时，必须接受一些不确定性，即对业务逻辑执行的一次调用仅是一个临时性操作，调用它的消费方服务</a:t>
+            </a:r>
+            <a:r>
+              <a:rPr lang="en-US" altLang="zh-CN" dirty="0"/>
+              <a:t>M</a:t>
+            </a:r>
+            <a:r>
+              <a:rPr lang="zh-CN" altLang="en-US" dirty="0"/>
+              <a:t>保留了后续的取消权。如果</a:t>
+            </a:r>
+            <a:r>
+              <a:rPr lang="en-US" altLang="zh-CN" dirty="0"/>
+              <a:t>M</a:t>
+            </a:r>
+            <a:r>
+              <a:rPr lang="zh-CN" altLang="en-US" dirty="0"/>
+              <a:t>认为全局事务应该</a:t>
+            </a:r>
+            <a:r>
+              <a:rPr lang="en-US" altLang="zh-CN" dirty="0"/>
+              <a:t>rollback</a:t>
+            </a:r>
+            <a:r>
+              <a:rPr lang="zh-CN" altLang="en-US" dirty="0"/>
+              <a:t>，它会要求取消之前的临时性操作，这就对应</a:t>
+            </a:r>
+            <a:r>
+              <a:rPr lang="en-US" altLang="zh-CN" dirty="0"/>
+              <a:t>S</a:t>
+            </a:r>
+            <a:r>
+              <a:rPr lang="zh-CN" altLang="en-US" dirty="0"/>
+              <a:t>的一个取消操作。而当</a:t>
+            </a:r>
+            <a:r>
+              <a:rPr lang="en-US" altLang="zh-CN" dirty="0"/>
+              <a:t>M</a:t>
+            </a:r>
+            <a:r>
+              <a:rPr lang="zh-CN" altLang="en-US" dirty="0"/>
+              <a:t>认为全局事务应该</a:t>
+            </a:r>
+            <a:r>
+              <a:rPr lang="en-US" altLang="zh-CN" dirty="0"/>
+              <a:t>commit</a:t>
+            </a:r>
+            <a:r>
+              <a:rPr lang="zh-CN" altLang="en-US" dirty="0"/>
+              <a:t>时，它会放弃之前临时性操作的取消权，这对应</a:t>
+            </a:r>
+            <a:r>
+              <a:rPr lang="en-US" altLang="zh-CN" dirty="0"/>
+              <a:t>S</a:t>
+            </a:r>
+            <a:r>
+              <a:rPr lang="zh-CN" altLang="en-US" dirty="0"/>
+              <a:t>的一个确认操作。 每一个初步操作，最终都会被确认或取消。因此，针对一个具体的业务服务，</a:t>
             </a:r>
             <a:r>
               <a:rPr lang="en-US" altLang="zh-CN" dirty="0"/>
@@ -8544,23 +8950,7 @@
             </a:r>
             <a:r>
               <a:rPr lang="zh-CN" altLang="en-US" dirty="0"/>
-              <a:t>前，业务操作只需要一步就能完成，但是在接入</a:t>
-            </a:r>
-            <a:r>
-              <a:rPr lang="en-US" altLang="zh-CN" dirty="0"/>
-              <a:t>TCC</a:t>
-            </a:r>
-            <a:r>
-              <a:rPr lang="zh-CN" altLang="en-US" dirty="0"/>
-              <a:t>之后，需要考虑如何将其分成</a:t>
-            </a:r>
-            <a:r>
-              <a:rPr lang="en-US" altLang="zh-CN" dirty="0"/>
-              <a:t>2</a:t>
-            </a:r>
-            <a:r>
-              <a:rPr lang="zh-CN" altLang="en-US" dirty="0"/>
-              <a:t>阶段完成，把资源的检查和预留放在一阶段的</a:t>
+              <a:t>事务机制需要业务系统提供三段业务逻辑：初步操作</a:t>
             </a:r>
             <a:r>
               <a:rPr lang="en-US" altLang="zh-CN" dirty="0"/>
@@ -8568,7 +8958,7 @@
             </a:r>
             <a:r>
               <a:rPr lang="zh-CN" altLang="en-US" dirty="0"/>
-              <a:t>操作中进行，把真正的业务操作的执行放在二阶段的</a:t>
+              <a:t>、确认操作</a:t>
             </a:r>
             <a:r>
               <a:rPr lang="en-US" altLang="zh-CN" dirty="0"/>
@@ -8576,755 +8966,88 @@
             </a:r>
             <a:r>
               <a:rPr lang="zh-CN" altLang="en-US" dirty="0"/>
-              <a:t>操作中进行；</a:t>
-            </a:r>
-          </a:p>
-        </p:txBody>
-      </p:sp>
-      <p:sp>
-        <p:nvSpPr>
-          <p:cNvPr id="3" name="文本框 2"/>
-          <p:cNvSpPr txBox="1"/>
+              <a:t>、取消操作</a:t>
+            </a:r>
+            <a:r>
+              <a:rPr lang="en-US" altLang="zh-CN" dirty="0"/>
+              <a:t>Cancel</a:t>
+            </a:r>
+            <a:r>
+              <a:rPr lang="zh-CN" altLang="en-US" dirty="0"/>
+              <a:t>。</a:t>
+            </a:r>
+          </a:p>
+        </p:txBody>
+      </p:sp>
+      <p:pic>
+        <p:nvPicPr>
+          <p:cNvPr id="5" name="图片 4"/>
+          <p:cNvPicPr>
+            <a:picLocks noChangeAspect="1"/>
+          </p:cNvPicPr>
           <p:nvPr/>
-        </p:nvSpPr>
-        <p:spPr>
-          <a:xfrm>
-            <a:off x="130629" y="69669"/>
-            <a:ext cx="816249" cy="523220"/>
+        </p:nvPicPr>
+        <p:blipFill>
+          <a:blip r:embed="rId2"/>
+          <a:stretch>
+            <a:fillRect/>
+          </a:stretch>
+        </p:blipFill>
+        <p:spPr>
+          <a:xfrm>
+            <a:off x="7836535" y="3074166"/>
+            <a:ext cx="3040471" cy="3612518"/>
+          </a:xfrm>
+          <a:prstGeom prst="rect">
+            <a:avLst/>
+          </a:prstGeom>
+        </p:spPr>
+      </p:pic>
+      <p:pic>
+        <p:nvPicPr>
+          <p:cNvPr id="9218" name="Picture 2" descr="1"/>
+          <p:cNvPicPr>
+            <a:picLocks noChangeAspect="1" noChangeArrowheads="1"/>
+          </p:cNvPicPr>
+          <p:nvPr/>
+        </p:nvPicPr>
+        <p:blipFill>
+          <a:blip r:embed="rId3" cstate="print">
+            <a:extLst>
+              <a:ext uri="{28A0092B-C50C-407E-A947-70E740481C1C}">
+                <a14:useLocalDpi xmlns:a14="http://schemas.microsoft.com/office/drawing/2010/main" val="0"/>
+              </a:ext>
+            </a:extLst>
+          </a:blip>
+          <a:srcRect/>
+          <a:stretch>
+            <a:fillRect/>
+          </a:stretch>
+        </p:blipFill>
+        <p:spPr bwMode="auto">
+          <a:xfrm>
+            <a:off x="661851" y="3074166"/>
+            <a:ext cx="5933486" cy="3573204"/>
           </a:xfrm>
           <a:prstGeom prst="rect">
             <a:avLst/>
           </a:prstGeom>
           <a:noFill/>
-        </p:spPr>
-        <p:txBody>
-          <a:bodyPr wrap="none" rtlCol="0">
-            <a:spAutoFit/>
-          </a:bodyPr>
-          <a:lstStyle/>
-          <a:p>
-            <a:r>
-              <a:rPr lang="en-US" altLang="zh-CN" sz="2800" dirty="0" smtClean="0"/>
-              <a:t>TCC</a:t>
-            </a:r>
-            <a:endParaRPr lang="zh-CN" altLang="en-US" sz="2800" dirty="0"/>
-          </a:p>
-        </p:txBody>
-      </p:sp>
-      <p:sp>
-        <p:nvSpPr>
-          <p:cNvPr id="5" name="矩形 4"/>
-          <p:cNvSpPr/>
-          <p:nvPr/>
-        </p:nvSpPr>
-        <p:spPr>
-          <a:xfrm>
-            <a:off x="745640" y="2125796"/>
-            <a:ext cx="10833463" cy="1477328"/>
-          </a:xfrm>
-          <a:prstGeom prst="rect">
-            <a:avLst/>
-          </a:prstGeom>
-        </p:spPr>
-        <p:txBody>
-          <a:bodyPr wrap="square">
-            <a:spAutoFit/>
-          </a:bodyPr>
-          <a:lstStyle/>
-          <a:p>
-            <a:r>
-              <a:rPr lang="en-US" altLang="zh-CN" dirty="0">
-                <a:solidFill>
-                  <a:srgbClr val="24292E"/>
-                </a:solidFill>
-                <a:latin typeface="-apple-system"/>
-              </a:rPr>
-              <a:t>2</a:t>
-            </a:r>
-            <a:r>
-              <a:rPr lang="zh-CN" altLang="en-US" dirty="0">
-                <a:solidFill>
-                  <a:srgbClr val="24292E"/>
-                </a:solidFill>
-                <a:latin typeface="-apple-system"/>
-              </a:rPr>
-              <a:t>、允许空回滚；</a:t>
-            </a:r>
-          </a:p>
-          <a:p>
-            <a:r>
-              <a:rPr lang="zh-CN" altLang="en-US" dirty="0">
-                <a:solidFill>
-                  <a:srgbClr val="24292E"/>
-                </a:solidFill>
-                <a:latin typeface="-apple-system"/>
-              </a:rPr>
-              <a:t>如下图所示，事务协调器在调用</a:t>
-            </a:r>
-            <a:r>
-              <a:rPr lang="en-US" altLang="zh-CN" dirty="0">
-                <a:solidFill>
-                  <a:srgbClr val="24292E"/>
-                </a:solidFill>
-                <a:latin typeface="-apple-system"/>
-              </a:rPr>
-              <a:t>TCC</a:t>
-            </a:r>
-            <a:r>
-              <a:rPr lang="zh-CN" altLang="en-US" dirty="0">
-                <a:solidFill>
-                  <a:srgbClr val="24292E"/>
-                </a:solidFill>
-                <a:latin typeface="-apple-system"/>
-              </a:rPr>
-              <a:t>服务的一阶段</a:t>
-            </a:r>
-            <a:r>
-              <a:rPr lang="en-US" altLang="zh-CN" dirty="0">
-                <a:solidFill>
-                  <a:srgbClr val="24292E"/>
-                </a:solidFill>
-                <a:latin typeface="-apple-system"/>
-              </a:rPr>
-              <a:t>Try</a:t>
-            </a:r>
-            <a:r>
-              <a:rPr lang="zh-CN" altLang="en-US" dirty="0">
-                <a:solidFill>
-                  <a:srgbClr val="24292E"/>
-                </a:solidFill>
-                <a:latin typeface="-apple-system"/>
-              </a:rPr>
-              <a:t>操作时，可能会出现因为丢包而导致的网络超时，此时事务协调器会触发二阶段回滚，调用</a:t>
-            </a:r>
-            <a:r>
-              <a:rPr lang="en-US" altLang="zh-CN" dirty="0">
-                <a:solidFill>
-                  <a:srgbClr val="24292E"/>
-                </a:solidFill>
-                <a:latin typeface="-apple-system"/>
-              </a:rPr>
-              <a:t>TCC</a:t>
-            </a:r>
-            <a:r>
-              <a:rPr lang="zh-CN" altLang="en-US" dirty="0">
-                <a:solidFill>
-                  <a:srgbClr val="24292E"/>
-                </a:solidFill>
-                <a:latin typeface="-apple-system"/>
-              </a:rPr>
-              <a:t>服务的</a:t>
-            </a:r>
-            <a:r>
-              <a:rPr lang="en-US" altLang="zh-CN" dirty="0">
-                <a:solidFill>
-                  <a:srgbClr val="24292E"/>
-                </a:solidFill>
-                <a:latin typeface="-apple-system"/>
-              </a:rPr>
-              <a:t>Cancel</a:t>
-            </a:r>
-            <a:r>
-              <a:rPr lang="zh-CN" altLang="en-US" dirty="0">
-                <a:solidFill>
-                  <a:srgbClr val="24292E"/>
-                </a:solidFill>
-                <a:latin typeface="-apple-system"/>
-              </a:rPr>
-              <a:t>操作；</a:t>
-            </a:r>
-          </a:p>
-          <a:p>
-            <a:r>
-              <a:rPr lang="en-US" altLang="zh-CN" dirty="0">
-                <a:solidFill>
-                  <a:srgbClr val="24292E"/>
-                </a:solidFill>
-                <a:latin typeface="-apple-system"/>
-              </a:rPr>
-              <a:t>TCC</a:t>
-            </a:r>
-            <a:r>
-              <a:rPr lang="zh-CN" altLang="en-US" dirty="0">
-                <a:solidFill>
-                  <a:srgbClr val="24292E"/>
-                </a:solidFill>
-                <a:latin typeface="-apple-system"/>
-              </a:rPr>
-              <a:t>服务在未收到</a:t>
-            </a:r>
-            <a:r>
-              <a:rPr lang="en-US" altLang="zh-CN" dirty="0">
-                <a:solidFill>
-                  <a:srgbClr val="24292E"/>
-                </a:solidFill>
-                <a:latin typeface="-apple-system"/>
-              </a:rPr>
-              <a:t>Try</a:t>
-            </a:r>
-            <a:r>
-              <a:rPr lang="zh-CN" altLang="en-US" dirty="0">
-                <a:solidFill>
-                  <a:srgbClr val="24292E"/>
-                </a:solidFill>
-                <a:latin typeface="-apple-system"/>
-              </a:rPr>
-              <a:t>请求的情况下收到</a:t>
-            </a:r>
-            <a:r>
-              <a:rPr lang="en-US" altLang="zh-CN" dirty="0">
-                <a:solidFill>
-                  <a:srgbClr val="24292E"/>
-                </a:solidFill>
-                <a:latin typeface="-apple-system"/>
-              </a:rPr>
-              <a:t>Cancel</a:t>
-            </a:r>
-            <a:r>
-              <a:rPr lang="zh-CN" altLang="en-US" dirty="0">
-                <a:solidFill>
-                  <a:srgbClr val="24292E"/>
-                </a:solidFill>
-                <a:latin typeface="-apple-system"/>
-              </a:rPr>
-              <a:t>请求，这种场景被称为空回滚；</a:t>
-            </a:r>
-            <a:r>
-              <a:rPr lang="en-US" altLang="zh-CN" dirty="0">
-                <a:solidFill>
-                  <a:srgbClr val="24292E"/>
-                </a:solidFill>
-                <a:latin typeface="-apple-system"/>
-              </a:rPr>
-              <a:t>TCC</a:t>
-            </a:r>
-            <a:r>
-              <a:rPr lang="zh-CN" altLang="en-US" dirty="0">
-                <a:solidFill>
-                  <a:srgbClr val="24292E"/>
-                </a:solidFill>
-                <a:latin typeface="-apple-system"/>
-              </a:rPr>
-              <a:t>服务在实现时应当允许空回滚的执行；</a:t>
-            </a:r>
-            <a:endParaRPr lang="zh-CN" altLang="en-US" b="0" i="0" dirty="0">
-              <a:solidFill>
-                <a:srgbClr val="24292E"/>
-              </a:solidFill>
-              <a:effectLst/>
-              <a:latin typeface="-apple-system"/>
-            </a:endParaRPr>
-          </a:p>
-        </p:txBody>
-      </p:sp>
-      <p:sp>
-        <p:nvSpPr>
-          <p:cNvPr id="6" name="矩形 5"/>
-          <p:cNvSpPr/>
-          <p:nvPr/>
-        </p:nvSpPr>
-        <p:spPr>
-          <a:xfrm>
-            <a:off x="745639" y="3769413"/>
-            <a:ext cx="10833463" cy="1477328"/>
-          </a:xfrm>
-          <a:prstGeom prst="rect">
-            <a:avLst/>
-          </a:prstGeom>
-        </p:spPr>
-        <p:txBody>
-          <a:bodyPr wrap="square">
-            <a:spAutoFit/>
-          </a:bodyPr>
-          <a:lstStyle/>
-          <a:p>
-            <a:r>
-              <a:rPr lang="en-US" altLang="zh-CN" dirty="0" smtClean="0">
-                <a:solidFill>
-                  <a:srgbClr val="24292E"/>
-                </a:solidFill>
-                <a:latin typeface="-apple-system"/>
-              </a:rPr>
-              <a:t>3</a:t>
-            </a:r>
-            <a:r>
-              <a:rPr lang="zh-CN" altLang="en-US" dirty="0" smtClean="0">
-                <a:solidFill>
-                  <a:srgbClr val="24292E"/>
-                </a:solidFill>
-                <a:latin typeface="-apple-system"/>
-              </a:rPr>
-              <a:t>、防悬挂控制；</a:t>
-            </a:r>
-          </a:p>
-          <a:p>
-            <a:r>
-              <a:rPr lang="zh-CN" altLang="en-US" dirty="0" smtClean="0">
-                <a:solidFill>
-                  <a:srgbClr val="24292E"/>
-                </a:solidFill>
-                <a:latin typeface="-apple-system"/>
-              </a:rPr>
-              <a:t>如下</a:t>
-            </a:r>
-            <a:r>
-              <a:rPr lang="zh-CN" altLang="en-US" dirty="0">
-                <a:solidFill>
-                  <a:srgbClr val="24292E"/>
-                </a:solidFill>
-                <a:latin typeface="-apple-system"/>
-              </a:rPr>
-              <a:t>图所示，事务协调器在调用</a:t>
-            </a:r>
-            <a:r>
-              <a:rPr lang="en-US" altLang="zh-CN" dirty="0">
-                <a:solidFill>
-                  <a:srgbClr val="24292E"/>
-                </a:solidFill>
-                <a:latin typeface="-apple-system"/>
-              </a:rPr>
-              <a:t>TCC</a:t>
-            </a:r>
-            <a:r>
-              <a:rPr lang="zh-CN" altLang="en-US" dirty="0">
-                <a:solidFill>
-                  <a:srgbClr val="24292E"/>
-                </a:solidFill>
-                <a:latin typeface="-apple-system"/>
-              </a:rPr>
-              <a:t>服务的一阶段</a:t>
-            </a:r>
-            <a:r>
-              <a:rPr lang="en-US" altLang="zh-CN" dirty="0">
-                <a:solidFill>
-                  <a:srgbClr val="24292E"/>
-                </a:solidFill>
-                <a:latin typeface="-apple-system"/>
-              </a:rPr>
-              <a:t>Try</a:t>
-            </a:r>
-            <a:r>
-              <a:rPr lang="zh-CN" altLang="en-US" dirty="0">
-                <a:solidFill>
-                  <a:srgbClr val="24292E"/>
-                </a:solidFill>
-                <a:latin typeface="-apple-system"/>
-              </a:rPr>
-              <a:t>操作时，可能会出现因网络拥堵而导致的超时，此时事务协调器会触发二阶段回滚，调用</a:t>
-            </a:r>
-            <a:r>
-              <a:rPr lang="en-US" altLang="zh-CN" dirty="0">
-                <a:solidFill>
-                  <a:srgbClr val="24292E"/>
-                </a:solidFill>
-                <a:latin typeface="-apple-system"/>
-              </a:rPr>
-              <a:t>TCC</a:t>
-            </a:r>
-            <a:r>
-              <a:rPr lang="zh-CN" altLang="en-US" dirty="0">
-                <a:solidFill>
-                  <a:srgbClr val="24292E"/>
-                </a:solidFill>
-                <a:latin typeface="-apple-system"/>
-              </a:rPr>
-              <a:t>服务的</a:t>
-            </a:r>
-            <a:r>
-              <a:rPr lang="en-US" altLang="zh-CN" dirty="0">
-                <a:solidFill>
-                  <a:srgbClr val="24292E"/>
-                </a:solidFill>
-                <a:latin typeface="-apple-system"/>
-              </a:rPr>
-              <a:t>Cancel</a:t>
-            </a:r>
-            <a:r>
-              <a:rPr lang="zh-CN" altLang="en-US" dirty="0">
-                <a:solidFill>
-                  <a:srgbClr val="24292E"/>
-                </a:solidFill>
-                <a:latin typeface="-apple-system"/>
-              </a:rPr>
-              <a:t>操作；在此之后，拥堵在网络上的一阶段</a:t>
-            </a:r>
-            <a:r>
-              <a:rPr lang="en-US" altLang="zh-CN" dirty="0">
-                <a:solidFill>
-                  <a:srgbClr val="24292E"/>
-                </a:solidFill>
-                <a:latin typeface="-apple-system"/>
-              </a:rPr>
-              <a:t>Try</a:t>
-            </a:r>
-            <a:r>
-              <a:rPr lang="zh-CN" altLang="en-US" dirty="0">
-                <a:solidFill>
-                  <a:srgbClr val="24292E"/>
-                </a:solidFill>
-                <a:latin typeface="-apple-system"/>
-              </a:rPr>
-              <a:t>数据包被</a:t>
-            </a:r>
-            <a:r>
-              <a:rPr lang="en-US" altLang="zh-CN" dirty="0">
-                <a:solidFill>
-                  <a:srgbClr val="24292E"/>
-                </a:solidFill>
-                <a:latin typeface="-apple-system"/>
-              </a:rPr>
-              <a:t>TCC</a:t>
-            </a:r>
-            <a:r>
-              <a:rPr lang="zh-CN" altLang="en-US" dirty="0">
-                <a:solidFill>
-                  <a:srgbClr val="24292E"/>
-                </a:solidFill>
-                <a:latin typeface="-apple-system"/>
-              </a:rPr>
-              <a:t>服务收到，出现了二阶段</a:t>
-            </a:r>
-            <a:r>
-              <a:rPr lang="en-US" altLang="zh-CN" dirty="0">
-                <a:solidFill>
-                  <a:srgbClr val="24292E"/>
-                </a:solidFill>
-                <a:latin typeface="-apple-system"/>
-              </a:rPr>
-              <a:t>Cancel</a:t>
-            </a:r>
-            <a:r>
-              <a:rPr lang="zh-CN" altLang="en-US" dirty="0">
-                <a:solidFill>
-                  <a:srgbClr val="24292E"/>
-                </a:solidFill>
-                <a:latin typeface="-apple-system"/>
-              </a:rPr>
-              <a:t>请求比一阶段</a:t>
-            </a:r>
-            <a:r>
-              <a:rPr lang="en-US" altLang="zh-CN" dirty="0">
-                <a:solidFill>
-                  <a:srgbClr val="24292E"/>
-                </a:solidFill>
-                <a:latin typeface="-apple-system"/>
-              </a:rPr>
-              <a:t>Try</a:t>
-            </a:r>
-            <a:r>
-              <a:rPr lang="zh-CN" altLang="en-US" dirty="0">
-                <a:solidFill>
-                  <a:srgbClr val="24292E"/>
-                </a:solidFill>
-                <a:latin typeface="-apple-system"/>
-              </a:rPr>
-              <a:t>请求先执行的情况；</a:t>
-            </a:r>
-          </a:p>
-          <a:p>
-            <a:r>
-              <a:rPr lang="zh-CN" altLang="en-US" dirty="0">
-                <a:solidFill>
-                  <a:srgbClr val="24292E"/>
-                </a:solidFill>
-                <a:latin typeface="-apple-system"/>
-              </a:rPr>
-              <a:t>用户在实现</a:t>
-            </a:r>
-            <a:r>
-              <a:rPr lang="en-US" altLang="zh-CN" dirty="0">
-                <a:solidFill>
-                  <a:srgbClr val="24292E"/>
-                </a:solidFill>
-                <a:latin typeface="-apple-system"/>
-              </a:rPr>
-              <a:t>TCC</a:t>
-            </a:r>
-            <a:r>
-              <a:rPr lang="zh-CN" altLang="en-US" dirty="0">
-                <a:solidFill>
-                  <a:srgbClr val="24292E"/>
-                </a:solidFill>
-                <a:latin typeface="-apple-system"/>
-              </a:rPr>
-              <a:t>服务时，应当允许空回滚，但是要拒绝执行空回滚之后到来的一阶段</a:t>
-            </a:r>
-            <a:r>
-              <a:rPr lang="en-US" altLang="zh-CN" dirty="0">
-                <a:solidFill>
-                  <a:srgbClr val="24292E"/>
-                </a:solidFill>
-                <a:latin typeface="-apple-system"/>
-              </a:rPr>
-              <a:t>Try</a:t>
-            </a:r>
-            <a:r>
-              <a:rPr lang="zh-CN" altLang="en-US" dirty="0">
-                <a:solidFill>
-                  <a:srgbClr val="24292E"/>
-                </a:solidFill>
-                <a:latin typeface="-apple-system"/>
-              </a:rPr>
-              <a:t>请求；</a:t>
-            </a:r>
-            <a:endParaRPr lang="zh-CN" altLang="en-US" b="0" i="0" dirty="0">
-              <a:solidFill>
-                <a:srgbClr val="24292E"/>
-              </a:solidFill>
-              <a:effectLst/>
-              <a:latin typeface="-apple-system"/>
-            </a:endParaRPr>
-          </a:p>
-        </p:txBody>
-      </p:sp>
-      <p:sp>
-        <p:nvSpPr>
-          <p:cNvPr id="7" name="矩形 6"/>
-          <p:cNvSpPr/>
-          <p:nvPr/>
-        </p:nvSpPr>
-        <p:spPr>
-          <a:xfrm>
-            <a:off x="745639" y="5413030"/>
-            <a:ext cx="9771017" cy="1200329"/>
-          </a:xfrm>
-          <a:prstGeom prst="rect">
-            <a:avLst/>
-          </a:prstGeom>
-        </p:spPr>
-        <p:txBody>
-          <a:bodyPr wrap="square">
-            <a:spAutoFit/>
-          </a:bodyPr>
-          <a:lstStyle/>
-          <a:p>
-            <a:r>
-              <a:rPr lang="en-US" altLang="zh-CN" dirty="0">
-                <a:solidFill>
-                  <a:srgbClr val="24292E"/>
-                </a:solidFill>
-                <a:latin typeface="-apple-system"/>
-              </a:rPr>
-              <a:t>4</a:t>
-            </a:r>
-            <a:r>
-              <a:rPr lang="zh-CN" altLang="en-US" dirty="0">
-                <a:solidFill>
-                  <a:srgbClr val="24292E"/>
-                </a:solidFill>
-                <a:latin typeface="-apple-system"/>
-              </a:rPr>
-              <a:t>、幂等控制：</a:t>
-            </a:r>
-          </a:p>
-          <a:p>
-            <a:r>
-              <a:rPr lang="zh-CN" altLang="en-US" dirty="0">
-                <a:solidFill>
-                  <a:srgbClr val="24292E"/>
-                </a:solidFill>
-                <a:latin typeface="-apple-system"/>
-              </a:rPr>
-              <a:t>无论是网络数据包重传，还是异常事务的补偿执行，都会导致</a:t>
-            </a:r>
-            <a:r>
-              <a:rPr lang="en-US" altLang="zh-CN" dirty="0">
-                <a:solidFill>
-                  <a:srgbClr val="24292E"/>
-                </a:solidFill>
-                <a:latin typeface="-apple-system"/>
-              </a:rPr>
-              <a:t>TCC</a:t>
-            </a:r>
-            <a:r>
-              <a:rPr lang="zh-CN" altLang="en-US" dirty="0">
-                <a:solidFill>
-                  <a:srgbClr val="24292E"/>
-                </a:solidFill>
-                <a:latin typeface="-apple-system"/>
-              </a:rPr>
-              <a:t>服务的</a:t>
-            </a:r>
-            <a:r>
-              <a:rPr lang="en-US" altLang="zh-CN" dirty="0">
-                <a:solidFill>
-                  <a:srgbClr val="24292E"/>
-                </a:solidFill>
-                <a:latin typeface="-apple-system"/>
-              </a:rPr>
-              <a:t>Try</a:t>
-            </a:r>
-            <a:r>
-              <a:rPr lang="zh-CN" altLang="en-US" dirty="0">
-                <a:solidFill>
-                  <a:srgbClr val="24292E"/>
-                </a:solidFill>
-                <a:latin typeface="-apple-system"/>
-              </a:rPr>
-              <a:t>、</a:t>
-            </a:r>
-            <a:r>
-              <a:rPr lang="en-US" altLang="zh-CN" dirty="0">
-                <a:solidFill>
-                  <a:srgbClr val="24292E"/>
-                </a:solidFill>
-                <a:latin typeface="-apple-system"/>
-              </a:rPr>
-              <a:t>Confirm</a:t>
-            </a:r>
-            <a:r>
-              <a:rPr lang="zh-CN" altLang="en-US" dirty="0">
-                <a:solidFill>
-                  <a:srgbClr val="24292E"/>
-                </a:solidFill>
-                <a:latin typeface="-apple-system"/>
-              </a:rPr>
-              <a:t>或者</a:t>
-            </a:r>
-            <a:r>
-              <a:rPr lang="en-US" altLang="zh-CN" dirty="0">
-                <a:solidFill>
-                  <a:srgbClr val="24292E"/>
-                </a:solidFill>
-                <a:latin typeface="-apple-system"/>
-              </a:rPr>
-              <a:t>Cancel</a:t>
-            </a:r>
-            <a:r>
-              <a:rPr lang="zh-CN" altLang="en-US" dirty="0">
-                <a:solidFill>
-                  <a:srgbClr val="24292E"/>
-                </a:solidFill>
-                <a:latin typeface="-apple-system"/>
-              </a:rPr>
-              <a:t>操作被重复执行；用户在实现</a:t>
-            </a:r>
-            <a:r>
-              <a:rPr lang="en-US" altLang="zh-CN" dirty="0">
-                <a:solidFill>
-                  <a:srgbClr val="24292E"/>
-                </a:solidFill>
-                <a:latin typeface="-apple-system"/>
-              </a:rPr>
-              <a:t>TCC</a:t>
-            </a:r>
-            <a:r>
-              <a:rPr lang="zh-CN" altLang="en-US" dirty="0">
-                <a:solidFill>
-                  <a:srgbClr val="24292E"/>
-                </a:solidFill>
-                <a:latin typeface="-apple-system"/>
-              </a:rPr>
-              <a:t>服务时，需要考虑幂等控制，即</a:t>
-            </a:r>
-            <a:r>
-              <a:rPr lang="en-US" altLang="zh-CN" dirty="0">
-                <a:solidFill>
-                  <a:srgbClr val="24292E"/>
-                </a:solidFill>
-                <a:latin typeface="-apple-system"/>
-              </a:rPr>
-              <a:t>Try</a:t>
-            </a:r>
-            <a:r>
-              <a:rPr lang="zh-CN" altLang="en-US" dirty="0">
-                <a:solidFill>
-                  <a:srgbClr val="24292E"/>
-                </a:solidFill>
-                <a:latin typeface="-apple-system"/>
-              </a:rPr>
-              <a:t>、</a:t>
-            </a:r>
-            <a:r>
-              <a:rPr lang="en-US" altLang="zh-CN" dirty="0">
-                <a:solidFill>
-                  <a:srgbClr val="24292E"/>
-                </a:solidFill>
-                <a:latin typeface="-apple-system"/>
-              </a:rPr>
-              <a:t>Confirm</a:t>
-            </a:r>
-            <a:r>
-              <a:rPr lang="zh-CN" altLang="en-US" dirty="0">
-                <a:solidFill>
-                  <a:srgbClr val="24292E"/>
-                </a:solidFill>
-                <a:latin typeface="-apple-system"/>
-              </a:rPr>
-              <a:t>、</a:t>
-            </a:r>
-            <a:r>
-              <a:rPr lang="en-US" altLang="zh-CN" dirty="0">
-                <a:solidFill>
-                  <a:srgbClr val="24292E"/>
-                </a:solidFill>
-                <a:latin typeface="-apple-system"/>
-              </a:rPr>
-              <a:t>Cancel </a:t>
-            </a:r>
-            <a:r>
-              <a:rPr lang="zh-CN" altLang="en-US" dirty="0">
-                <a:solidFill>
-                  <a:srgbClr val="24292E"/>
-                </a:solidFill>
-                <a:latin typeface="-apple-system"/>
-              </a:rPr>
-              <a:t>执行一次和执行多次的业务结果是一样的；</a:t>
-            </a:r>
-            <a:endParaRPr lang="zh-CN" altLang="en-US" b="0" i="0" dirty="0">
-              <a:solidFill>
-                <a:srgbClr val="24292E"/>
-              </a:solidFill>
-              <a:effectLst/>
-              <a:latin typeface="-apple-system"/>
-            </a:endParaRPr>
-          </a:p>
-        </p:txBody>
-      </p:sp>
-      <p:sp>
-        <p:nvSpPr>
-          <p:cNvPr id="8" name="矩形 7"/>
-          <p:cNvSpPr/>
-          <p:nvPr/>
-        </p:nvSpPr>
-        <p:spPr>
-          <a:xfrm>
-            <a:off x="745639" y="592889"/>
-            <a:ext cx="1107996" cy="369332"/>
-          </a:xfrm>
-          <a:prstGeom prst="rect">
-            <a:avLst/>
-          </a:prstGeom>
-        </p:spPr>
-        <p:txBody>
-          <a:bodyPr wrap="none">
-            <a:spAutoFit/>
-          </a:bodyPr>
-          <a:lstStyle/>
-          <a:p>
-            <a:r>
-              <a:rPr lang="zh-CN" altLang="en-US" b="1" dirty="0">
-                <a:solidFill>
-                  <a:srgbClr val="000000"/>
-                </a:solidFill>
-                <a:latin typeface="-apple-system"/>
-              </a:rPr>
-              <a:t>注意事项</a:t>
-            </a:r>
-            <a:endParaRPr lang="zh-CN" altLang="en-US" b="1" i="0" dirty="0">
-              <a:solidFill>
-                <a:srgbClr val="000000"/>
-              </a:solidFill>
-              <a:effectLst/>
-              <a:latin typeface="-apple-system"/>
-            </a:endParaRPr>
-          </a:p>
-        </p:txBody>
-      </p:sp>
+          <a:extLst>
+            <a:ext uri="{909E8E84-426E-40DD-AFC4-6F175D3DCCD1}">
+              <a14:hiddenFill xmlns:a14="http://schemas.microsoft.com/office/drawing/2010/main">
+                <a:solidFill>
+                  <a:srgbClr val="FFFFFF"/>
+                </a:solidFill>
+              </a14:hiddenFill>
+            </a:ext>
+          </a:extLst>
+        </p:spPr>
+      </p:pic>
     </p:spTree>
     <p:extLst>
       <p:ext uri="{BB962C8B-B14F-4D97-AF65-F5344CB8AC3E}">
-        <p14:creationId xmlns:p14="http://schemas.microsoft.com/office/powerpoint/2010/main" val="914508572"/>
+        <p14:creationId xmlns:p14="http://schemas.microsoft.com/office/powerpoint/2010/main" val="3184319305"/>
       </p:ext>
     </p:extLst>
   </p:cSld>
@@ -9353,6 +9076,84 @@
       </p:grpSpPr>
       <p:sp>
         <p:nvSpPr>
+          <p:cNvPr id="2" name="矩形 1"/>
+          <p:cNvSpPr/>
+          <p:nvPr/>
+        </p:nvSpPr>
+        <p:spPr>
+          <a:xfrm>
+            <a:off x="745639" y="925467"/>
+            <a:ext cx="8208588" cy="1200329"/>
+          </a:xfrm>
+          <a:prstGeom prst="rect">
+            <a:avLst/>
+          </a:prstGeom>
+        </p:spPr>
+        <p:txBody>
+          <a:bodyPr wrap="square">
+            <a:spAutoFit/>
+          </a:bodyPr>
+          <a:lstStyle/>
+          <a:p>
+            <a:r>
+              <a:rPr lang="en-US" altLang="zh-CN" dirty="0"/>
+              <a:t>1</a:t>
+            </a:r>
+            <a:r>
+              <a:rPr lang="zh-CN" altLang="en-US" dirty="0"/>
+              <a:t>、业务操作分两阶段完成：</a:t>
+            </a:r>
+          </a:p>
+          <a:p>
+            <a:r>
+              <a:rPr lang="zh-CN" altLang="en-US" dirty="0"/>
+              <a:t>如下图所示，接入</a:t>
+            </a:r>
+            <a:r>
+              <a:rPr lang="en-US" altLang="zh-CN" dirty="0"/>
+              <a:t>TCC</a:t>
+            </a:r>
+            <a:r>
+              <a:rPr lang="zh-CN" altLang="en-US" dirty="0"/>
+              <a:t>前，业务操作只需要一步就能完成，但是在接入</a:t>
+            </a:r>
+            <a:r>
+              <a:rPr lang="en-US" altLang="zh-CN" dirty="0"/>
+              <a:t>TCC</a:t>
+            </a:r>
+            <a:r>
+              <a:rPr lang="zh-CN" altLang="en-US" dirty="0"/>
+              <a:t>之后，需要考虑如何将其分成</a:t>
+            </a:r>
+            <a:r>
+              <a:rPr lang="en-US" altLang="zh-CN" dirty="0"/>
+              <a:t>2</a:t>
+            </a:r>
+            <a:r>
+              <a:rPr lang="zh-CN" altLang="en-US" dirty="0"/>
+              <a:t>阶段完成，把资源的检查和预留放在一阶段的</a:t>
+            </a:r>
+            <a:r>
+              <a:rPr lang="en-US" altLang="zh-CN" dirty="0"/>
+              <a:t>Try</a:t>
+            </a:r>
+            <a:r>
+              <a:rPr lang="zh-CN" altLang="en-US" dirty="0"/>
+              <a:t>操作中进行，把真正的业务操作的执行放在二阶段的</a:t>
+            </a:r>
+            <a:r>
+              <a:rPr lang="en-US" altLang="zh-CN" dirty="0"/>
+              <a:t>Confirm</a:t>
+            </a:r>
+            <a:r>
+              <a:rPr lang="zh-CN" altLang="en-US" dirty="0"/>
+              <a:t>操作中进行；</a:t>
+            </a:r>
+          </a:p>
+        </p:txBody>
+      </p:sp>
+      <p:sp>
+        <p:nvSpPr>
           <p:cNvPr id="3" name="文本框 2"/>
           <p:cNvSpPr txBox="1"/>
           <p:nvPr/>
@@ -9374,10 +9175,671 @@
           <a:lstStyle/>
           <a:p>
             <a:r>
-              <a:rPr lang="en-US" altLang="zh-CN" sz="2800" dirty="0" smtClean="0"/>
+              <a:rPr lang="en-US" altLang="zh-CN" sz="2800" dirty="0"/>
               <a:t>TCC</a:t>
             </a:r>
             <a:endParaRPr lang="zh-CN" altLang="en-US" sz="2800" dirty="0"/>
+          </a:p>
+        </p:txBody>
+      </p:sp>
+      <p:sp>
+        <p:nvSpPr>
+          <p:cNvPr id="5" name="矩形 4"/>
+          <p:cNvSpPr/>
+          <p:nvPr/>
+        </p:nvSpPr>
+        <p:spPr>
+          <a:xfrm>
+            <a:off x="745640" y="2125796"/>
+            <a:ext cx="10833463" cy="1477328"/>
+          </a:xfrm>
+          <a:prstGeom prst="rect">
+            <a:avLst/>
+          </a:prstGeom>
+        </p:spPr>
+        <p:txBody>
+          <a:bodyPr wrap="square">
+            <a:spAutoFit/>
+          </a:bodyPr>
+          <a:lstStyle/>
+          <a:p>
+            <a:r>
+              <a:rPr lang="en-US" altLang="zh-CN" dirty="0">
+                <a:solidFill>
+                  <a:srgbClr val="24292E"/>
+                </a:solidFill>
+                <a:latin typeface="-apple-system"/>
+              </a:rPr>
+              <a:t>2</a:t>
+            </a:r>
+            <a:r>
+              <a:rPr lang="zh-CN" altLang="en-US" dirty="0">
+                <a:solidFill>
+                  <a:srgbClr val="24292E"/>
+                </a:solidFill>
+                <a:latin typeface="-apple-system"/>
+              </a:rPr>
+              <a:t>、允许空回滚；</a:t>
+            </a:r>
+          </a:p>
+          <a:p>
+            <a:r>
+              <a:rPr lang="zh-CN" altLang="en-US" dirty="0">
+                <a:solidFill>
+                  <a:srgbClr val="24292E"/>
+                </a:solidFill>
+                <a:latin typeface="-apple-system"/>
+              </a:rPr>
+              <a:t>如下图所示，事务协调器在调用</a:t>
+            </a:r>
+            <a:r>
+              <a:rPr lang="en-US" altLang="zh-CN" dirty="0">
+                <a:solidFill>
+                  <a:srgbClr val="24292E"/>
+                </a:solidFill>
+                <a:latin typeface="-apple-system"/>
+              </a:rPr>
+              <a:t>TCC</a:t>
+            </a:r>
+            <a:r>
+              <a:rPr lang="zh-CN" altLang="en-US" dirty="0">
+                <a:solidFill>
+                  <a:srgbClr val="24292E"/>
+                </a:solidFill>
+                <a:latin typeface="-apple-system"/>
+              </a:rPr>
+              <a:t>服务的一阶段</a:t>
+            </a:r>
+            <a:r>
+              <a:rPr lang="en-US" altLang="zh-CN" dirty="0">
+                <a:solidFill>
+                  <a:srgbClr val="24292E"/>
+                </a:solidFill>
+                <a:latin typeface="-apple-system"/>
+              </a:rPr>
+              <a:t>Try</a:t>
+            </a:r>
+            <a:r>
+              <a:rPr lang="zh-CN" altLang="en-US" dirty="0">
+                <a:solidFill>
+                  <a:srgbClr val="24292E"/>
+                </a:solidFill>
+                <a:latin typeface="-apple-system"/>
+              </a:rPr>
+              <a:t>操作时，可能会出现因为丢包而导致的网络超时，此时事务协调器会触发二阶段回滚，调用</a:t>
+            </a:r>
+            <a:r>
+              <a:rPr lang="en-US" altLang="zh-CN" dirty="0">
+                <a:solidFill>
+                  <a:srgbClr val="24292E"/>
+                </a:solidFill>
+                <a:latin typeface="-apple-system"/>
+              </a:rPr>
+              <a:t>TCC</a:t>
+            </a:r>
+            <a:r>
+              <a:rPr lang="zh-CN" altLang="en-US" dirty="0">
+                <a:solidFill>
+                  <a:srgbClr val="24292E"/>
+                </a:solidFill>
+                <a:latin typeface="-apple-system"/>
+              </a:rPr>
+              <a:t>服务的</a:t>
+            </a:r>
+            <a:r>
+              <a:rPr lang="en-US" altLang="zh-CN" dirty="0">
+                <a:solidFill>
+                  <a:srgbClr val="24292E"/>
+                </a:solidFill>
+                <a:latin typeface="-apple-system"/>
+              </a:rPr>
+              <a:t>Cancel</a:t>
+            </a:r>
+            <a:r>
+              <a:rPr lang="zh-CN" altLang="en-US" dirty="0">
+                <a:solidFill>
+                  <a:srgbClr val="24292E"/>
+                </a:solidFill>
+                <a:latin typeface="-apple-system"/>
+              </a:rPr>
+              <a:t>操作；</a:t>
+            </a:r>
+          </a:p>
+          <a:p>
+            <a:r>
+              <a:rPr lang="en-US" altLang="zh-CN" dirty="0">
+                <a:solidFill>
+                  <a:srgbClr val="24292E"/>
+                </a:solidFill>
+                <a:latin typeface="-apple-system"/>
+              </a:rPr>
+              <a:t>TCC</a:t>
+            </a:r>
+            <a:r>
+              <a:rPr lang="zh-CN" altLang="en-US" dirty="0">
+                <a:solidFill>
+                  <a:srgbClr val="24292E"/>
+                </a:solidFill>
+                <a:latin typeface="-apple-system"/>
+              </a:rPr>
+              <a:t>服务在未收到</a:t>
+            </a:r>
+            <a:r>
+              <a:rPr lang="en-US" altLang="zh-CN" dirty="0">
+                <a:solidFill>
+                  <a:srgbClr val="24292E"/>
+                </a:solidFill>
+                <a:latin typeface="-apple-system"/>
+              </a:rPr>
+              <a:t>Try</a:t>
+            </a:r>
+            <a:r>
+              <a:rPr lang="zh-CN" altLang="en-US" dirty="0">
+                <a:solidFill>
+                  <a:srgbClr val="24292E"/>
+                </a:solidFill>
+                <a:latin typeface="-apple-system"/>
+              </a:rPr>
+              <a:t>请求的情况下收到</a:t>
+            </a:r>
+            <a:r>
+              <a:rPr lang="en-US" altLang="zh-CN" dirty="0">
+                <a:solidFill>
+                  <a:srgbClr val="24292E"/>
+                </a:solidFill>
+                <a:latin typeface="-apple-system"/>
+              </a:rPr>
+              <a:t>Cancel</a:t>
+            </a:r>
+            <a:r>
+              <a:rPr lang="zh-CN" altLang="en-US" dirty="0">
+                <a:solidFill>
+                  <a:srgbClr val="24292E"/>
+                </a:solidFill>
+                <a:latin typeface="-apple-system"/>
+              </a:rPr>
+              <a:t>请求，这种场景被称为空回滚；</a:t>
+            </a:r>
+            <a:r>
+              <a:rPr lang="en-US" altLang="zh-CN" dirty="0">
+                <a:solidFill>
+                  <a:srgbClr val="24292E"/>
+                </a:solidFill>
+                <a:latin typeface="-apple-system"/>
+              </a:rPr>
+              <a:t>TCC</a:t>
+            </a:r>
+            <a:r>
+              <a:rPr lang="zh-CN" altLang="en-US" dirty="0">
+                <a:solidFill>
+                  <a:srgbClr val="24292E"/>
+                </a:solidFill>
+                <a:latin typeface="-apple-system"/>
+              </a:rPr>
+              <a:t>服务在实现时应当允许空回滚的执行；</a:t>
+            </a:r>
+            <a:endParaRPr lang="zh-CN" altLang="en-US" b="0" i="0" dirty="0">
+              <a:solidFill>
+                <a:srgbClr val="24292E"/>
+              </a:solidFill>
+              <a:effectLst/>
+              <a:latin typeface="-apple-system"/>
+            </a:endParaRPr>
+          </a:p>
+        </p:txBody>
+      </p:sp>
+      <p:sp>
+        <p:nvSpPr>
+          <p:cNvPr id="6" name="矩形 5"/>
+          <p:cNvSpPr/>
+          <p:nvPr/>
+        </p:nvSpPr>
+        <p:spPr>
+          <a:xfrm>
+            <a:off x="745639" y="3769413"/>
+            <a:ext cx="10833463" cy="1477328"/>
+          </a:xfrm>
+          <a:prstGeom prst="rect">
+            <a:avLst/>
+          </a:prstGeom>
+        </p:spPr>
+        <p:txBody>
+          <a:bodyPr wrap="square">
+            <a:spAutoFit/>
+          </a:bodyPr>
+          <a:lstStyle/>
+          <a:p>
+            <a:r>
+              <a:rPr lang="en-US" altLang="zh-CN" dirty="0">
+                <a:solidFill>
+                  <a:srgbClr val="24292E"/>
+                </a:solidFill>
+                <a:latin typeface="-apple-system"/>
+              </a:rPr>
+              <a:t>3</a:t>
+            </a:r>
+            <a:r>
+              <a:rPr lang="zh-CN" altLang="en-US" dirty="0">
+                <a:solidFill>
+                  <a:srgbClr val="24292E"/>
+                </a:solidFill>
+                <a:latin typeface="-apple-system"/>
+              </a:rPr>
+              <a:t>、防悬挂控制；</a:t>
+            </a:r>
+          </a:p>
+          <a:p>
+            <a:r>
+              <a:rPr lang="zh-CN" altLang="en-US" dirty="0">
+                <a:solidFill>
+                  <a:srgbClr val="24292E"/>
+                </a:solidFill>
+                <a:latin typeface="-apple-system"/>
+              </a:rPr>
+              <a:t>如下图所示，事务协调器在调用</a:t>
+            </a:r>
+            <a:r>
+              <a:rPr lang="en-US" altLang="zh-CN" dirty="0">
+                <a:solidFill>
+                  <a:srgbClr val="24292E"/>
+                </a:solidFill>
+                <a:latin typeface="-apple-system"/>
+              </a:rPr>
+              <a:t>TCC</a:t>
+            </a:r>
+            <a:r>
+              <a:rPr lang="zh-CN" altLang="en-US" dirty="0">
+                <a:solidFill>
+                  <a:srgbClr val="24292E"/>
+                </a:solidFill>
+                <a:latin typeface="-apple-system"/>
+              </a:rPr>
+              <a:t>服务的一阶段</a:t>
+            </a:r>
+            <a:r>
+              <a:rPr lang="en-US" altLang="zh-CN" dirty="0">
+                <a:solidFill>
+                  <a:srgbClr val="24292E"/>
+                </a:solidFill>
+                <a:latin typeface="-apple-system"/>
+              </a:rPr>
+              <a:t>Try</a:t>
+            </a:r>
+            <a:r>
+              <a:rPr lang="zh-CN" altLang="en-US" dirty="0">
+                <a:solidFill>
+                  <a:srgbClr val="24292E"/>
+                </a:solidFill>
+                <a:latin typeface="-apple-system"/>
+              </a:rPr>
+              <a:t>操作时，可能会出现因网络拥堵而导致的超时，此时事务协调器会触发二阶段回滚，调用</a:t>
+            </a:r>
+            <a:r>
+              <a:rPr lang="en-US" altLang="zh-CN" dirty="0">
+                <a:solidFill>
+                  <a:srgbClr val="24292E"/>
+                </a:solidFill>
+                <a:latin typeface="-apple-system"/>
+              </a:rPr>
+              <a:t>TCC</a:t>
+            </a:r>
+            <a:r>
+              <a:rPr lang="zh-CN" altLang="en-US" dirty="0">
+                <a:solidFill>
+                  <a:srgbClr val="24292E"/>
+                </a:solidFill>
+                <a:latin typeface="-apple-system"/>
+              </a:rPr>
+              <a:t>服务的</a:t>
+            </a:r>
+            <a:r>
+              <a:rPr lang="en-US" altLang="zh-CN" dirty="0">
+                <a:solidFill>
+                  <a:srgbClr val="24292E"/>
+                </a:solidFill>
+                <a:latin typeface="-apple-system"/>
+              </a:rPr>
+              <a:t>Cancel</a:t>
+            </a:r>
+            <a:r>
+              <a:rPr lang="zh-CN" altLang="en-US" dirty="0">
+                <a:solidFill>
+                  <a:srgbClr val="24292E"/>
+                </a:solidFill>
+                <a:latin typeface="-apple-system"/>
+              </a:rPr>
+              <a:t>操作；在此之后，拥堵在网络上的一阶段</a:t>
+            </a:r>
+            <a:r>
+              <a:rPr lang="en-US" altLang="zh-CN" dirty="0">
+                <a:solidFill>
+                  <a:srgbClr val="24292E"/>
+                </a:solidFill>
+                <a:latin typeface="-apple-system"/>
+              </a:rPr>
+              <a:t>Try</a:t>
+            </a:r>
+            <a:r>
+              <a:rPr lang="zh-CN" altLang="en-US" dirty="0">
+                <a:solidFill>
+                  <a:srgbClr val="24292E"/>
+                </a:solidFill>
+                <a:latin typeface="-apple-system"/>
+              </a:rPr>
+              <a:t>数据包被</a:t>
+            </a:r>
+            <a:r>
+              <a:rPr lang="en-US" altLang="zh-CN" dirty="0">
+                <a:solidFill>
+                  <a:srgbClr val="24292E"/>
+                </a:solidFill>
+                <a:latin typeface="-apple-system"/>
+              </a:rPr>
+              <a:t>TCC</a:t>
+            </a:r>
+            <a:r>
+              <a:rPr lang="zh-CN" altLang="en-US" dirty="0">
+                <a:solidFill>
+                  <a:srgbClr val="24292E"/>
+                </a:solidFill>
+                <a:latin typeface="-apple-system"/>
+              </a:rPr>
+              <a:t>服务收到，出现了二阶段</a:t>
+            </a:r>
+            <a:r>
+              <a:rPr lang="en-US" altLang="zh-CN" dirty="0">
+                <a:solidFill>
+                  <a:srgbClr val="24292E"/>
+                </a:solidFill>
+                <a:latin typeface="-apple-system"/>
+              </a:rPr>
+              <a:t>Cancel</a:t>
+            </a:r>
+            <a:r>
+              <a:rPr lang="zh-CN" altLang="en-US" dirty="0">
+                <a:solidFill>
+                  <a:srgbClr val="24292E"/>
+                </a:solidFill>
+                <a:latin typeface="-apple-system"/>
+              </a:rPr>
+              <a:t>请求比一阶段</a:t>
+            </a:r>
+            <a:r>
+              <a:rPr lang="en-US" altLang="zh-CN" dirty="0">
+                <a:solidFill>
+                  <a:srgbClr val="24292E"/>
+                </a:solidFill>
+                <a:latin typeface="-apple-system"/>
+              </a:rPr>
+              <a:t>Try</a:t>
+            </a:r>
+            <a:r>
+              <a:rPr lang="zh-CN" altLang="en-US" dirty="0">
+                <a:solidFill>
+                  <a:srgbClr val="24292E"/>
+                </a:solidFill>
+                <a:latin typeface="-apple-system"/>
+              </a:rPr>
+              <a:t>请求先执行的情况；</a:t>
+            </a:r>
+          </a:p>
+          <a:p>
+            <a:r>
+              <a:rPr lang="zh-CN" altLang="en-US" dirty="0">
+                <a:solidFill>
+                  <a:srgbClr val="24292E"/>
+                </a:solidFill>
+                <a:latin typeface="-apple-system"/>
+              </a:rPr>
+              <a:t>用户在实现</a:t>
+            </a:r>
+            <a:r>
+              <a:rPr lang="en-US" altLang="zh-CN" dirty="0">
+                <a:solidFill>
+                  <a:srgbClr val="24292E"/>
+                </a:solidFill>
+                <a:latin typeface="-apple-system"/>
+              </a:rPr>
+              <a:t>TCC</a:t>
+            </a:r>
+            <a:r>
+              <a:rPr lang="zh-CN" altLang="en-US" dirty="0">
+                <a:solidFill>
+                  <a:srgbClr val="24292E"/>
+                </a:solidFill>
+                <a:latin typeface="-apple-system"/>
+              </a:rPr>
+              <a:t>服务时，应当允许空回滚，但是要拒绝执行空回滚之后到来的一阶段</a:t>
+            </a:r>
+            <a:r>
+              <a:rPr lang="en-US" altLang="zh-CN" dirty="0">
+                <a:solidFill>
+                  <a:srgbClr val="24292E"/>
+                </a:solidFill>
+                <a:latin typeface="-apple-system"/>
+              </a:rPr>
+              <a:t>Try</a:t>
+            </a:r>
+            <a:r>
+              <a:rPr lang="zh-CN" altLang="en-US" dirty="0">
+                <a:solidFill>
+                  <a:srgbClr val="24292E"/>
+                </a:solidFill>
+                <a:latin typeface="-apple-system"/>
+              </a:rPr>
+              <a:t>请求；</a:t>
+            </a:r>
+            <a:endParaRPr lang="zh-CN" altLang="en-US" b="0" i="0" dirty="0">
+              <a:solidFill>
+                <a:srgbClr val="24292E"/>
+              </a:solidFill>
+              <a:effectLst/>
+              <a:latin typeface="-apple-system"/>
+            </a:endParaRPr>
+          </a:p>
+        </p:txBody>
+      </p:sp>
+      <p:sp>
+        <p:nvSpPr>
+          <p:cNvPr id="7" name="矩形 6"/>
+          <p:cNvSpPr/>
+          <p:nvPr/>
+        </p:nvSpPr>
+        <p:spPr>
+          <a:xfrm>
+            <a:off x="745639" y="5413030"/>
+            <a:ext cx="9771017" cy="1200329"/>
+          </a:xfrm>
+          <a:prstGeom prst="rect">
+            <a:avLst/>
+          </a:prstGeom>
+        </p:spPr>
+        <p:txBody>
+          <a:bodyPr wrap="square">
+            <a:spAutoFit/>
+          </a:bodyPr>
+          <a:lstStyle/>
+          <a:p>
+            <a:r>
+              <a:rPr lang="en-US" altLang="zh-CN" dirty="0">
+                <a:solidFill>
+                  <a:srgbClr val="24292E"/>
+                </a:solidFill>
+                <a:latin typeface="-apple-system"/>
+              </a:rPr>
+              <a:t>4</a:t>
+            </a:r>
+            <a:r>
+              <a:rPr lang="zh-CN" altLang="en-US" dirty="0">
+                <a:solidFill>
+                  <a:srgbClr val="24292E"/>
+                </a:solidFill>
+                <a:latin typeface="-apple-system"/>
+              </a:rPr>
+              <a:t>、幂等控制：</a:t>
+            </a:r>
+          </a:p>
+          <a:p>
+            <a:r>
+              <a:rPr lang="zh-CN" altLang="en-US" dirty="0">
+                <a:solidFill>
+                  <a:srgbClr val="24292E"/>
+                </a:solidFill>
+                <a:latin typeface="-apple-system"/>
+              </a:rPr>
+              <a:t>无论是网络数据包重传，还是异常事务的补偿执行，都会导致</a:t>
+            </a:r>
+            <a:r>
+              <a:rPr lang="en-US" altLang="zh-CN" dirty="0">
+                <a:solidFill>
+                  <a:srgbClr val="24292E"/>
+                </a:solidFill>
+                <a:latin typeface="-apple-system"/>
+              </a:rPr>
+              <a:t>TCC</a:t>
+            </a:r>
+            <a:r>
+              <a:rPr lang="zh-CN" altLang="en-US" dirty="0">
+                <a:solidFill>
+                  <a:srgbClr val="24292E"/>
+                </a:solidFill>
+                <a:latin typeface="-apple-system"/>
+              </a:rPr>
+              <a:t>服务的</a:t>
+            </a:r>
+            <a:r>
+              <a:rPr lang="en-US" altLang="zh-CN" dirty="0">
+                <a:solidFill>
+                  <a:srgbClr val="24292E"/>
+                </a:solidFill>
+                <a:latin typeface="-apple-system"/>
+              </a:rPr>
+              <a:t>Try</a:t>
+            </a:r>
+            <a:r>
+              <a:rPr lang="zh-CN" altLang="en-US" dirty="0">
+                <a:solidFill>
+                  <a:srgbClr val="24292E"/>
+                </a:solidFill>
+                <a:latin typeface="-apple-system"/>
+              </a:rPr>
+              <a:t>、</a:t>
+            </a:r>
+            <a:r>
+              <a:rPr lang="en-US" altLang="zh-CN" dirty="0">
+                <a:solidFill>
+                  <a:srgbClr val="24292E"/>
+                </a:solidFill>
+                <a:latin typeface="-apple-system"/>
+              </a:rPr>
+              <a:t>Confirm</a:t>
+            </a:r>
+            <a:r>
+              <a:rPr lang="zh-CN" altLang="en-US" dirty="0">
+                <a:solidFill>
+                  <a:srgbClr val="24292E"/>
+                </a:solidFill>
+                <a:latin typeface="-apple-system"/>
+              </a:rPr>
+              <a:t>或者</a:t>
+            </a:r>
+            <a:r>
+              <a:rPr lang="en-US" altLang="zh-CN" dirty="0">
+                <a:solidFill>
+                  <a:srgbClr val="24292E"/>
+                </a:solidFill>
+                <a:latin typeface="-apple-system"/>
+              </a:rPr>
+              <a:t>Cancel</a:t>
+            </a:r>
+            <a:r>
+              <a:rPr lang="zh-CN" altLang="en-US" dirty="0">
+                <a:solidFill>
+                  <a:srgbClr val="24292E"/>
+                </a:solidFill>
+                <a:latin typeface="-apple-system"/>
+              </a:rPr>
+              <a:t>操作被重复执行；用户在实现</a:t>
+            </a:r>
+            <a:r>
+              <a:rPr lang="en-US" altLang="zh-CN" dirty="0">
+                <a:solidFill>
+                  <a:srgbClr val="24292E"/>
+                </a:solidFill>
+                <a:latin typeface="-apple-system"/>
+              </a:rPr>
+              <a:t>TCC</a:t>
+            </a:r>
+            <a:r>
+              <a:rPr lang="zh-CN" altLang="en-US" dirty="0">
+                <a:solidFill>
+                  <a:srgbClr val="24292E"/>
+                </a:solidFill>
+                <a:latin typeface="-apple-system"/>
+              </a:rPr>
+              <a:t>服务时，需要考虑幂等控制，即</a:t>
+            </a:r>
+            <a:r>
+              <a:rPr lang="en-US" altLang="zh-CN" dirty="0">
+                <a:solidFill>
+                  <a:srgbClr val="24292E"/>
+                </a:solidFill>
+                <a:latin typeface="-apple-system"/>
+              </a:rPr>
+              <a:t>Try</a:t>
+            </a:r>
+            <a:r>
+              <a:rPr lang="zh-CN" altLang="en-US" dirty="0">
+                <a:solidFill>
+                  <a:srgbClr val="24292E"/>
+                </a:solidFill>
+                <a:latin typeface="-apple-system"/>
+              </a:rPr>
+              <a:t>、</a:t>
+            </a:r>
+            <a:r>
+              <a:rPr lang="en-US" altLang="zh-CN" dirty="0">
+                <a:solidFill>
+                  <a:srgbClr val="24292E"/>
+                </a:solidFill>
+                <a:latin typeface="-apple-system"/>
+              </a:rPr>
+              <a:t>Confirm</a:t>
+            </a:r>
+            <a:r>
+              <a:rPr lang="zh-CN" altLang="en-US" dirty="0">
+                <a:solidFill>
+                  <a:srgbClr val="24292E"/>
+                </a:solidFill>
+                <a:latin typeface="-apple-system"/>
+              </a:rPr>
+              <a:t>、</a:t>
+            </a:r>
+            <a:r>
+              <a:rPr lang="en-US" altLang="zh-CN" dirty="0">
+                <a:solidFill>
+                  <a:srgbClr val="24292E"/>
+                </a:solidFill>
+                <a:latin typeface="-apple-system"/>
+              </a:rPr>
+              <a:t>Cancel </a:t>
+            </a:r>
+            <a:r>
+              <a:rPr lang="zh-CN" altLang="en-US" dirty="0">
+                <a:solidFill>
+                  <a:srgbClr val="24292E"/>
+                </a:solidFill>
+                <a:latin typeface="-apple-system"/>
+              </a:rPr>
+              <a:t>执行一次和执行多次的业务结果是一样的；</a:t>
+            </a:r>
+            <a:endParaRPr lang="zh-CN" altLang="en-US" b="0" i="0" dirty="0">
+              <a:solidFill>
+                <a:srgbClr val="24292E"/>
+              </a:solidFill>
+              <a:effectLst/>
+              <a:latin typeface="-apple-system"/>
+            </a:endParaRPr>
           </a:p>
         </p:txBody>
       </p:sp>
@@ -9421,6 +9883,106 @@
           </a:p>
         </p:txBody>
       </p:sp>
+    </p:spTree>
+    <p:extLst>
+      <p:ext uri="{BB962C8B-B14F-4D97-AF65-F5344CB8AC3E}">
+        <p14:creationId xmlns:p14="http://schemas.microsoft.com/office/powerpoint/2010/main" val="914508572"/>
+      </p:ext>
+    </p:extLst>
+  </p:cSld>
+  <p:clrMapOvr>
+    <a:masterClrMapping/>
+  </p:clrMapOvr>
+</p:sld>
+</file>
+
+<file path=ppt/slides/slide23.xml><?xml version="1.0" encoding="utf-8"?>
+<p:sld xmlns:a="http://schemas.openxmlformats.org/drawingml/2006/main" xmlns:r="http://schemas.openxmlformats.org/officeDocument/2006/relationships" xmlns:p="http://schemas.openxmlformats.org/presentationml/2006/main">
+  <p:cSld>
+    <p:spTree>
+      <p:nvGrpSpPr>
+        <p:cNvPr id="1" name=""/>
+        <p:cNvGrpSpPr/>
+        <p:nvPr/>
+      </p:nvGrpSpPr>
+      <p:grpSpPr>
+        <a:xfrm>
+          <a:off x="0" y="0"/>
+          <a:ext cx="0" cy="0"/>
+          <a:chOff x="0" y="0"/>
+          <a:chExt cx="0" cy="0"/>
+        </a:xfrm>
+      </p:grpSpPr>
+      <p:sp>
+        <p:nvSpPr>
+          <p:cNvPr id="3" name="文本框 2"/>
+          <p:cNvSpPr txBox="1"/>
+          <p:nvPr/>
+        </p:nvSpPr>
+        <p:spPr>
+          <a:xfrm>
+            <a:off x="130629" y="69669"/>
+            <a:ext cx="816249" cy="523220"/>
+          </a:xfrm>
+          <a:prstGeom prst="rect">
+            <a:avLst/>
+          </a:prstGeom>
+          <a:noFill/>
+        </p:spPr>
+        <p:txBody>
+          <a:bodyPr wrap="none" rtlCol="0">
+            <a:spAutoFit/>
+          </a:bodyPr>
+          <a:lstStyle/>
+          <a:p>
+            <a:r>
+              <a:rPr lang="en-US" altLang="zh-CN" sz="2800" dirty="0"/>
+              <a:t>TCC</a:t>
+            </a:r>
+            <a:endParaRPr lang="zh-CN" altLang="en-US" sz="2800" dirty="0"/>
+          </a:p>
+        </p:txBody>
+      </p:sp>
+      <p:sp>
+        <p:nvSpPr>
+          <p:cNvPr id="8" name="矩形 7"/>
+          <p:cNvSpPr/>
+          <p:nvPr/>
+        </p:nvSpPr>
+        <p:spPr>
+          <a:xfrm>
+            <a:off x="745639" y="592889"/>
+            <a:ext cx="1107996" cy="369332"/>
+          </a:xfrm>
+          <a:prstGeom prst="rect">
+            <a:avLst/>
+          </a:prstGeom>
+        </p:spPr>
+        <p:txBody>
+          <a:bodyPr wrap="none">
+            <a:spAutoFit/>
+          </a:bodyPr>
+          <a:lstStyle/>
+          <a:p>
+            <a:r>
+              <a:rPr lang="zh-CN" altLang="en-US" b="1" dirty="0">
+                <a:solidFill>
+                  <a:srgbClr val="000000"/>
+                </a:solidFill>
+                <a:latin typeface="-apple-system"/>
+              </a:rPr>
+              <a:t>注意事项</a:t>
+            </a:r>
+            <a:endParaRPr lang="zh-CN" altLang="en-US" b="1" i="0" dirty="0">
+              <a:solidFill>
+                <a:srgbClr val="000000"/>
+              </a:solidFill>
+              <a:effectLst/>
+              <a:latin typeface="-apple-system"/>
+            </a:endParaRPr>
+          </a:p>
+        </p:txBody>
+      </p:sp>
       <p:sp>
         <p:nvSpPr>
           <p:cNvPr id="9" name="矩形 8"/>
@@ -9443,7 +10005,7 @@
           <a:lstStyle/>
           <a:p>
             <a:r>
-              <a:rPr lang="en-US" altLang="zh-CN" dirty="0" smtClean="0">
+              <a:rPr lang="en-US" altLang="zh-CN" dirty="0">
                 <a:solidFill>
                   <a:srgbClr val="24292E"/>
                 </a:solidFill>
@@ -9452,7 +10014,7 @@
               <a:t>5</a:t>
             </a:r>
             <a:r>
-              <a:rPr lang="zh-CN" altLang="en-US" dirty="0" smtClean="0">
+              <a:rPr lang="zh-CN" altLang="en-US" dirty="0">
                 <a:solidFill>
                   <a:srgbClr val="24292E"/>
                 </a:solidFill>
@@ -9463,7 +10025,7 @@
           </a:p>
           <a:p>
             <a:r>
-              <a:rPr lang="en-US" altLang="zh-CN" dirty="0" smtClean="0">
+              <a:rPr lang="en-US" altLang="zh-CN" dirty="0">
                 <a:solidFill>
                   <a:srgbClr val="24292E"/>
                 </a:solidFill>
@@ -9496,16 +10058,7 @@
                 </a:solidFill>
                 <a:latin typeface="-apple-system"/>
               </a:rPr>
-              <a:t>操作会做资源的预留，在二阶段操作执行之前，如果其他事务需要读取被预留的资源数据，那么处于中间状态的业务数据该如何向用户展示，需要业务在实现时考虑清楚；通常的设计原则是“宁可不展示、少展示，也不多展示、错展示”</a:t>
-            </a:r>
-            <a:r>
-              <a:rPr lang="zh-CN" altLang="en-US" dirty="0" smtClean="0">
-                <a:solidFill>
-                  <a:srgbClr val="24292E"/>
-                </a:solidFill>
-                <a:latin typeface="-apple-system"/>
-              </a:rPr>
-              <a:t>；</a:t>
+              <a:t>操作会做资源的预留，在二阶段操作执行之前，如果其他事务需要读取被预留的资源数据，那么处于中间状态的业务数据该如何向用户展示，需要业务在实现时考虑清楚；通常的设计原则是“宁可不展示、少展示，也不多展示、错展示”；</a:t>
             </a:r>
             <a:endParaRPr lang="zh-CN" altLang="en-US" dirty="0"/>
           </a:p>
@@ -9668,7 +10221,7 @@
 </p:sld>
 </file>
 
-<file path=ppt/slides/slide23.xml><?xml version="1.0" encoding="utf-8"?>
+<file path=ppt/slides/slide24.xml><?xml version="1.0" encoding="utf-8"?>
 <p:sld xmlns:a="http://schemas.openxmlformats.org/drawingml/2006/main" xmlns:r="http://schemas.openxmlformats.org/officeDocument/2006/relationships" xmlns:p="http://schemas.openxmlformats.org/presentationml/2006/main">
   <p:cSld>
     <p:spTree>
@@ -9800,11 +10353,11 @@
           <a:lstStyle/>
           <a:p>
             <a:r>
-              <a:rPr lang="en-US" altLang="zh-CN" smtClean="0"/>
+              <a:rPr lang="en-US" altLang="zh-CN"/>
               <a:t>XA</a:t>
             </a:r>
             <a:r>
-              <a:rPr lang="zh-CN" altLang="en-US" smtClean="0"/>
+              <a:rPr lang="zh-CN" altLang="en-US"/>
               <a:t>是资源层面的分布式事务，强一致性，在两阶段提交的整个过程中，一直会持有资源的锁。</a:t>
             </a:r>
             <a:endParaRPr lang="zh-CN" altLang="en-US" dirty="0"/>
@@ -9875,467 +10428,6 @@
     <p:extLst>
       <p:ext uri="{BB962C8B-B14F-4D97-AF65-F5344CB8AC3E}">
         <p14:creationId xmlns:p14="http://schemas.microsoft.com/office/powerpoint/2010/main" val="3214940272"/>
-      </p:ext>
-    </p:extLst>
-  </p:cSld>
-  <p:clrMapOvr>
-    <a:masterClrMapping/>
-  </p:clrMapOvr>
-</p:sld>
-</file>
-
-<file path=ppt/slides/slide24.xml><?xml version="1.0" encoding="utf-8"?>
-<p:sld xmlns:a="http://schemas.openxmlformats.org/drawingml/2006/main" xmlns:r="http://schemas.openxmlformats.org/officeDocument/2006/relationships" xmlns:p="http://schemas.openxmlformats.org/presentationml/2006/main">
-  <p:cSld>
-    <p:spTree>
-      <p:nvGrpSpPr>
-        <p:cNvPr id="1" name=""/>
-        <p:cNvGrpSpPr/>
-        <p:nvPr/>
-      </p:nvGrpSpPr>
-      <p:grpSpPr>
-        <a:xfrm>
-          <a:off x="0" y="0"/>
-          <a:ext cx="0" cy="0"/>
-          <a:chOff x="0" y="0"/>
-          <a:chExt cx="0" cy="0"/>
-        </a:xfrm>
-      </p:grpSpPr>
-      <p:sp>
-        <p:nvSpPr>
-          <p:cNvPr id="3" name="矩形 2"/>
-          <p:cNvSpPr/>
-          <p:nvPr/>
-        </p:nvSpPr>
-        <p:spPr>
-          <a:xfrm>
-            <a:off x="1114696" y="717853"/>
-            <a:ext cx="10284823" cy="5355312"/>
-          </a:xfrm>
-          <a:prstGeom prst="rect">
-            <a:avLst/>
-          </a:prstGeom>
-        </p:spPr>
-        <p:txBody>
-          <a:bodyPr wrap="square">
-            <a:spAutoFit/>
-          </a:bodyPr>
-          <a:lstStyle/>
-          <a:p>
-            <a:r>
-              <a:rPr lang="zh-CN" altLang="en-US" dirty="0" smtClean="0"/>
-              <a:t>当</a:t>
-            </a:r>
-            <a:r>
-              <a:rPr lang="zh-CN" altLang="en-US" dirty="0"/>
-              <a:t>讨论</a:t>
-            </a:r>
-            <a:r>
-              <a:rPr lang="en-US" altLang="zh-CN" dirty="0"/>
-              <a:t>2PC</a:t>
-            </a:r>
-            <a:r>
-              <a:rPr lang="zh-CN" altLang="en-US" dirty="0"/>
-              <a:t>时，我们只专注于事务处理阶段，因而只讨论</a:t>
-            </a:r>
-            <a:r>
-              <a:rPr lang="en-US" altLang="zh-CN" dirty="0"/>
-              <a:t>prepare</a:t>
-            </a:r>
-            <a:r>
-              <a:rPr lang="zh-CN" altLang="en-US" dirty="0"/>
-              <a:t>和</a:t>
-            </a:r>
-            <a:r>
-              <a:rPr lang="en-US" altLang="zh-CN" dirty="0"/>
-              <a:t>commit</a:t>
-            </a:r>
-            <a:r>
-              <a:rPr lang="zh-CN" altLang="en-US" dirty="0"/>
-              <a:t>，所以，可能很多人都忘了，使用</a:t>
-            </a:r>
-            <a:r>
-              <a:rPr lang="en-US" altLang="zh-CN" dirty="0"/>
-              <a:t>2PC</a:t>
-            </a:r>
-            <a:r>
-              <a:rPr lang="zh-CN" altLang="en-US" dirty="0"/>
-              <a:t>事务管理机制时也是有业务逻辑阶段的。正是因为业务逻辑的执行，发起了全局事务，这才有其后的事务处理阶段。实际上，使用</a:t>
-            </a:r>
-            <a:r>
-              <a:rPr lang="en-US" altLang="zh-CN" dirty="0"/>
-              <a:t>2PC</a:t>
-            </a:r>
-            <a:r>
-              <a:rPr lang="zh-CN" altLang="en-US" dirty="0"/>
-              <a:t>机制时，以提交为例</a:t>
-            </a:r>
-          </a:p>
-          <a:p>
-            <a:r>
-              <a:rPr lang="zh-CN" altLang="en-US" dirty="0"/>
-              <a:t>一个完整的事务生命周期是：</a:t>
-            </a:r>
-            <a:r>
-              <a:rPr lang="en-US" altLang="zh-CN" dirty="0"/>
-              <a:t>begin -&gt; </a:t>
-            </a:r>
-            <a:r>
-              <a:rPr lang="zh-CN" altLang="en-US" dirty="0"/>
-              <a:t>业务逻辑 </a:t>
-            </a:r>
-            <a:r>
-              <a:rPr lang="en-US" altLang="zh-CN" dirty="0"/>
-              <a:t>-&gt; prepare -&gt; commit</a:t>
-            </a:r>
-            <a:r>
-              <a:rPr lang="zh-CN" altLang="en-US" dirty="0"/>
-              <a:t>。</a:t>
-            </a:r>
-          </a:p>
-          <a:p>
-            <a:endParaRPr lang="zh-CN" altLang="en-US" dirty="0"/>
-          </a:p>
-          <a:p>
-            <a:r>
-              <a:rPr lang="zh-CN" altLang="en-US" dirty="0"/>
-              <a:t>再看</a:t>
-            </a:r>
-            <a:r>
-              <a:rPr lang="en-US" altLang="zh-CN" dirty="0"/>
-              <a:t>TCC</a:t>
-            </a:r>
-            <a:r>
-              <a:rPr lang="zh-CN" altLang="en-US" dirty="0"/>
-              <a:t>，也不外乎如此。我们要发起全局事务，同样也必须通过执行一段业务逻辑来实现。该业务逻辑一来通过执行触发</a:t>
-            </a:r>
-            <a:r>
-              <a:rPr lang="en-US" altLang="zh-CN" dirty="0"/>
-              <a:t>TCC</a:t>
-            </a:r>
-            <a:r>
-              <a:rPr lang="zh-CN" altLang="en-US" dirty="0"/>
-              <a:t>全局事务的创建；二来也需要执行部分数据写操作；此外，还要通过执行来向</a:t>
-            </a:r>
-            <a:r>
-              <a:rPr lang="en-US" altLang="zh-CN" dirty="0"/>
-              <a:t>TCC</a:t>
-            </a:r>
-            <a:r>
-              <a:rPr lang="zh-CN" altLang="en-US" dirty="0"/>
-              <a:t>全局事务注册自己，以便后续</a:t>
-            </a:r>
-            <a:r>
-              <a:rPr lang="en-US" altLang="zh-CN" dirty="0"/>
-              <a:t>TCC</a:t>
-            </a:r>
-            <a:r>
-              <a:rPr lang="zh-CN" altLang="en-US" dirty="0"/>
-              <a:t>全局事务</a:t>
-            </a:r>
-            <a:r>
-              <a:rPr lang="en-US" altLang="zh-CN" dirty="0"/>
-              <a:t>commit/rollback</a:t>
-            </a:r>
-            <a:r>
-              <a:rPr lang="zh-CN" altLang="en-US" dirty="0"/>
-              <a:t>时回调其相应的</a:t>
-            </a:r>
-            <a:r>
-              <a:rPr lang="en-US" altLang="zh-CN" dirty="0"/>
-              <a:t>confirm/cancel</a:t>
-            </a:r>
-            <a:r>
-              <a:rPr lang="zh-CN" altLang="en-US" dirty="0"/>
-              <a:t>业务逻辑。所以，使用</a:t>
-            </a:r>
-            <a:r>
-              <a:rPr lang="en-US" altLang="zh-CN" dirty="0"/>
-              <a:t>TCC</a:t>
-            </a:r>
-            <a:r>
-              <a:rPr lang="zh-CN" altLang="en-US" dirty="0"/>
-              <a:t>机制时，以提交为例</a:t>
-            </a:r>
-          </a:p>
-          <a:p>
-            <a:r>
-              <a:rPr lang="zh-CN" altLang="en-US" dirty="0"/>
-              <a:t>一个完整的事务生命周期是：</a:t>
-            </a:r>
-            <a:r>
-              <a:rPr lang="en-US" altLang="zh-CN" dirty="0"/>
-              <a:t>begin -&gt; </a:t>
-            </a:r>
-            <a:r>
-              <a:rPr lang="zh-CN" altLang="en-US" dirty="0"/>
-              <a:t>业务逻辑</a:t>
-            </a:r>
-            <a:r>
-              <a:rPr lang="en-US" altLang="zh-CN" dirty="0"/>
-              <a:t>(try</a:t>
-            </a:r>
-            <a:r>
-              <a:rPr lang="zh-CN" altLang="en-US" dirty="0"/>
-              <a:t>业务</a:t>
-            </a:r>
-            <a:r>
-              <a:rPr lang="en-US" altLang="zh-CN" dirty="0"/>
-              <a:t>) -&gt; commit(</a:t>
-            </a:r>
-            <a:r>
-              <a:rPr lang="en-US" altLang="zh-CN" dirty="0" err="1"/>
-              <a:t>comfirm</a:t>
-            </a:r>
-            <a:r>
-              <a:rPr lang="zh-CN" altLang="en-US" dirty="0"/>
-              <a:t>业务</a:t>
-            </a:r>
-            <a:r>
-              <a:rPr lang="en-US" altLang="zh-CN" dirty="0"/>
-              <a:t>)</a:t>
-            </a:r>
-            <a:r>
-              <a:rPr lang="zh-CN" altLang="en-US" dirty="0"/>
-              <a:t>。</a:t>
-            </a:r>
-          </a:p>
-          <a:p>
-            <a:endParaRPr lang="zh-CN" altLang="en-US" dirty="0"/>
-          </a:p>
-          <a:p>
-            <a:r>
-              <a:rPr lang="zh-CN" altLang="en-US" dirty="0"/>
-              <a:t>综上，我们可以从执行的阶段上将二者一一对应起来：</a:t>
-            </a:r>
-          </a:p>
-          <a:p>
-            <a:r>
-              <a:rPr lang="en-US" altLang="zh-CN" dirty="0"/>
-              <a:t>1</a:t>
-            </a:r>
-            <a:r>
-              <a:rPr lang="zh-CN" altLang="en-US" dirty="0"/>
-              <a:t>、 </a:t>
-            </a:r>
-            <a:r>
-              <a:rPr lang="en-US" altLang="zh-CN" dirty="0"/>
-              <a:t>2PC</a:t>
-            </a:r>
-            <a:r>
-              <a:rPr lang="zh-CN" altLang="en-US" dirty="0"/>
-              <a:t>机制的业务阶段 等价于 </a:t>
-            </a:r>
-            <a:r>
-              <a:rPr lang="en-US" altLang="zh-CN" dirty="0"/>
-              <a:t>TCC</a:t>
-            </a:r>
-            <a:r>
-              <a:rPr lang="zh-CN" altLang="en-US" dirty="0"/>
-              <a:t>机制的</a:t>
-            </a:r>
-            <a:r>
-              <a:rPr lang="en-US" altLang="zh-CN" dirty="0"/>
-              <a:t>try</a:t>
-            </a:r>
-            <a:r>
-              <a:rPr lang="zh-CN" altLang="en-US" dirty="0"/>
-              <a:t>业务阶段；</a:t>
-            </a:r>
-          </a:p>
-          <a:p>
-            <a:r>
-              <a:rPr lang="en-US" altLang="zh-CN" dirty="0"/>
-              <a:t>2</a:t>
-            </a:r>
-            <a:r>
-              <a:rPr lang="zh-CN" altLang="en-US" dirty="0"/>
-              <a:t>、 </a:t>
-            </a:r>
-            <a:r>
-              <a:rPr lang="en-US" altLang="zh-CN" dirty="0"/>
-              <a:t>2PC</a:t>
-            </a:r>
-            <a:r>
-              <a:rPr lang="zh-CN" altLang="en-US" dirty="0"/>
-              <a:t>机制的提交阶段（</a:t>
-            </a:r>
-            <a:r>
-              <a:rPr lang="en-US" altLang="zh-CN" dirty="0"/>
-              <a:t>prepare &amp; commit</a:t>
-            </a:r>
-            <a:r>
-              <a:rPr lang="zh-CN" altLang="en-US" dirty="0"/>
-              <a:t>） 等价于 </a:t>
-            </a:r>
-            <a:r>
-              <a:rPr lang="en-US" altLang="zh-CN" dirty="0"/>
-              <a:t>TCC</a:t>
-            </a:r>
-            <a:r>
-              <a:rPr lang="zh-CN" altLang="en-US" dirty="0"/>
-              <a:t>机制的提交阶段（</a:t>
-            </a:r>
-            <a:r>
-              <a:rPr lang="en-US" altLang="zh-CN" dirty="0"/>
-              <a:t>confirm</a:t>
-            </a:r>
-            <a:r>
-              <a:rPr lang="zh-CN" altLang="en-US" dirty="0"/>
-              <a:t>）；</a:t>
-            </a:r>
-          </a:p>
-          <a:p>
-            <a:r>
-              <a:rPr lang="en-US" altLang="zh-CN" dirty="0"/>
-              <a:t>3</a:t>
-            </a:r>
-            <a:r>
-              <a:rPr lang="zh-CN" altLang="en-US" dirty="0"/>
-              <a:t>、 </a:t>
-            </a:r>
-            <a:r>
-              <a:rPr lang="en-US" altLang="zh-CN" dirty="0"/>
-              <a:t>2PC</a:t>
-            </a:r>
-            <a:r>
-              <a:rPr lang="zh-CN" altLang="en-US" dirty="0"/>
-              <a:t>机制的回滚阶段（</a:t>
-            </a:r>
-            <a:r>
-              <a:rPr lang="en-US" altLang="zh-CN" dirty="0"/>
-              <a:t>rollback</a:t>
-            </a:r>
-            <a:r>
-              <a:rPr lang="zh-CN" altLang="en-US" dirty="0"/>
-              <a:t>） 等价于 </a:t>
-            </a:r>
-            <a:r>
-              <a:rPr lang="en-US" altLang="zh-CN" dirty="0"/>
-              <a:t>TCC</a:t>
-            </a:r>
-            <a:r>
-              <a:rPr lang="zh-CN" altLang="en-US" dirty="0"/>
-              <a:t>机制的回滚阶段（</a:t>
-            </a:r>
-            <a:r>
-              <a:rPr lang="en-US" altLang="zh-CN" dirty="0"/>
-              <a:t>cancel</a:t>
-            </a:r>
-            <a:r>
-              <a:rPr lang="zh-CN" altLang="en-US" dirty="0"/>
-              <a:t>）。</a:t>
-            </a:r>
-          </a:p>
-          <a:p>
-            <a:endParaRPr lang="zh-CN" altLang="en-US" dirty="0"/>
-          </a:p>
-          <a:p>
-            <a:r>
-              <a:rPr lang="zh-CN" altLang="en-US" dirty="0"/>
-              <a:t>因此，可以看出，虽然</a:t>
-            </a:r>
-            <a:r>
-              <a:rPr lang="en-US" altLang="zh-CN" dirty="0"/>
-              <a:t>TCC</a:t>
-            </a:r>
-            <a:r>
-              <a:rPr lang="zh-CN" altLang="en-US" dirty="0"/>
-              <a:t>机制中有两个阶段都存在业务逻辑的执行，但其中</a:t>
-            </a:r>
-            <a:r>
-              <a:rPr lang="en-US" altLang="zh-CN" dirty="0"/>
-              <a:t>try</a:t>
-            </a:r>
-            <a:r>
-              <a:rPr lang="zh-CN" altLang="en-US" dirty="0"/>
-              <a:t>业务阶段其实是与全局事务处理无关的。认清了这一点，当我们再比较</a:t>
-            </a:r>
-            <a:r>
-              <a:rPr lang="en-US" altLang="zh-CN" dirty="0"/>
-              <a:t>TCC</a:t>
-            </a:r>
-            <a:r>
-              <a:rPr lang="zh-CN" altLang="en-US" dirty="0"/>
-              <a:t>和</a:t>
-            </a:r>
-            <a:r>
-              <a:rPr lang="en-US" altLang="zh-CN" dirty="0"/>
-              <a:t>2PC</a:t>
-            </a:r>
-            <a:r>
-              <a:rPr lang="zh-CN" altLang="en-US" dirty="0"/>
-              <a:t>时，就会很容易地发现，</a:t>
-            </a:r>
-            <a:r>
-              <a:rPr lang="en-US" altLang="zh-CN" dirty="0"/>
-              <a:t>TCC</a:t>
-            </a:r>
-            <a:r>
-              <a:rPr lang="zh-CN" altLang="en-US" dirty="0"/>
-              <a:t>不是两阶段提交，而只是它对事务的提交</a:t>
-            </a:r>
-            <a:r>
-              <a:rPr lang="en-US" altLang="zh-CN" dirty="0"/>
-              <a:t>/</a:t>
-            </a:r>
-            <a:r>
-              <a:rPr lang="zh-CN" altLang="en-US" dirty="0"/>
-              <a:t>回滚是通过执行一段</a:t>
-            </a:r>
-            <a:r>
-              <a:rPr lang="en-US" altLang="zh-CN" dirty="0"/>
-              <a:t>confirm/cancel</a:t>
-            </a:r>
-            <a:r>
-              <a:rPr lang="zh-CN" altLang="en-US" dirty="0"/>
-              <a:t>业务逻辑来实现，仅此而已。</a:t>
-            </a:r>
-          </a:p>
-        </p:txBody>
-      </p:sp>
-      <p:sp>
-        <p:nvSpPr>
-          <p:cNvPr id="4" name="文本框 3"/>
-          <p:cNvSpPr txBox="1"/>
-          <p:nvPr/>
-        </p:nvSpPr>
-        <p:spPr>
-          <a:xfrm>
-            <a:off x="130628" y="87086"/>
-            <a:ext cx="1786066" cy="523220"/>
-          </a:xfrm>
-          <a:prstGeom prst="rect">
-            <a:avLst/>
-          </a:prstGeom>
-          <a:noFill/>
-        </p:spPr>
-        <p:txBody>
-          <a:bodyPr wrap="none" rtlCol="0">
-            <a:spAutoFit/>
-          </a:bodyPr>
-          <a:lstStyle/>
-          <a:p>
-            <a:r>
-              <a:rPr lang="en-US" altLang="zh-CN" sz="2800" dirty="0" smtClean="0"/>
-              <a:t>TCC</a:t>
-            </a:r>
-            <a:r>
-              <a:rPr lang="zh-CN" altLang="en-US" sz="2800" dirty="0" smtClean="0"/>
-              <a:t>与</a:t>
-            </a:r>
-            <a:r>
-              <a:rPr lang="en-US" altLang="zh-CN" sz="2800" dirty="0" smtClean="0"/>
-              <a:t>2PC</a:t>
-            </a:r>
-            <a:endParaRPr lang="zh-CN" altLang="en-US" sz="2800" dirty="0"/>
-          </a:p>
-        </p:txBody>
-      </p:sp>
-    </p:spTree>
-    <p:extLst>
-      <p:ext uri="{BB962C8B-B14F-4D97-AF65-F5344CB8AC3E}">
-        <p14:creationId xmlns:p14="http://schemas.microsoft.com/office/powerpoint/2010/main" val="3762715167"/>
       </p:ext>
     </p:extLst>
   </p:cSld>
@@ -10362,10 +10454,437 @@
           <a:chExt cx="0" cy="0"/>
         </a:xfrm>
       </p:grpSpPr>
+      <p:sp>
+        <p:nvSpPr>
+          <p:cNvPr id="3" name="矩形 2"/>
+          <p:cNvSpPr/>
+          <p:nvPr/>
+        </p:nvSpPr>
+        <p:spPr>
+          <a:xfrm>
+            <a:off x="1114696" y="717853"/>
+            <a:ext cx="10284823" cy="5355312"/>
+          </a:xfrm>
+          <a:prstGeom prst="rect">
+            <a:avLst/>
+          </a:prstGeom>
+        </p:spPr>
+        <p:txBody>
+          <a:bodyPr wrap="square">
+            <a:spAutoFit/>
+          </a:bodyPr>
+          <a:lstStyle/>
+          <a:p>
+            <a:r>
+              <a:rPr lang="zh-CN" altLang="en-US" dirty="0"/>
+              <a:t>当讨论</a:t>
+            </a:r>
+            <a:r>
+              <a:rPr lang="en-US" altLang="zh-CN" dirty="0"/>
+              <a:t>2PC</a:t>
+            </a:r>
+            <a:r>
+              <a:rPr lang="zh-CN" altLang="en-US" dirty="0"/>
+              <a:t>时，我们只专注于事务处理阶段，因而只讨论</a:t>
+            </a:r>
+            <a:r>
+              <a:rPr lang="en-US" altLang="zh-CN" dirty="0"/>
+              <a:t>prepare</a:t>
+            </a:r>
+            <a:r>
+              <a:rPr lang="zh-CN" altLang="en-US" dirty="0"/>
+              <a:t>和</a:t>
+            </a:r>
+            <a:r>
+              <a:rPr lang="en-US" altLang="zh-CN" dirty="0"/>
+              <a:t>commit</a:t>
+            </a:r>
+            <a:r>
+              <a:rPr lang="zh-CN" altLang="en-US" dirty="0"/>
+              <a:t>，所以，可能很多人都忘了，使用</a:t>
+            </a:r>
+            <a:r>
+              <a:rPr lang="en-US" altLang="zh-CN" dirty="0"/>
+              <a:t>2PC</a:t>
+            </a:r>
+            <a:r>
+              <a:rPr lang="zh-CN" altLang="en-US" dirty="0"/>
+              <a:t>事务管理机制时也是有业务逻辑阶段的。正是因为业务逻辑的执行，发起了全局事务，这才有其后的事务处理阶段。实际上，使用</a:t>
+            </a:r>
+            <a:r>
+              <a:rPr lang="en-US" altLang="zh-CN" dirty="0"/>
+              <a:t>2PC</a:t>
+            </a:r>
+            <a:r>
+              <a:rPr lang="zh-CN" altLang="en-US" dirty="0"/>
+              <a:t>机制时，以提交为例</a:t>
+            </a:r>
+          </a:p>
+          <a:p>
+            <a:r>
+              <a:rPr lang="zh-CN" altLang="en-US" dirty="0"/>
+              <a:t>一个完整的事务生命周期是：</a:t>
+            </a:r>
+            <a:r>
+              <a:rPr lang="en-US" altLang="zh-CN" dirty="0"/>
+              <a:t>begin -&gt; </a:t>
+            </a:r>
+            <a:r>
+              <a:rPr lang="zh-CN" altLang="en-US" dirty="0"/>
+              <a:t>业务逻辑 </a:t>
+            </a:r>
+            <a:r>
+              <a:rPr lang="en-US" altLang="zh-CN" dirty="0"/>
+              <a:t>-&gt; prepare -&gt; commit</a:t>
+            </a:r>
+            <a:r>
+              <a:rPr lang="zh-CN" altLang="en-US" dirty="0"/>
+              <a:t>。</a:t>
+            </a:r>
+          </a:p>
+          <a:p>
+            <a:endParaRPr lang="zh-CN" altLang="en-US" dirty="0"/>
+          </a:p>
+          <a:p>
+            <a:r>
+              <a:rPr lang="zh-CN" altLang="en-US" dirty="0"/>
+              <a:t>再看</a:t>
+            </a:r>
+            <a:r>
+              <a:rPr lang="en-US" altLang="zh-CN" dirty="0"/>
+              <a:t>TCC</a:t>
+            </a:r>
+            <a:r>
+              <a:rPr lang="zh-CN" altLang="en-US" dirty="0"/>
+              <a:t>，也不外乎如此。我们要发起全局事务，同样也必须通过执行一段业务逻辑来实现。该业务逻辑一来通过执行触发</a:t>
+            </a:r>
+            <a:r>
+              <a:rPr lang="en-US" altLang="zh-CN" dirty="0"/>
+              <a:t>TCC</a:t>
+            </a:r>
+            <a:r>
+              <a:rPr lang="zh-CN" altLang="en-US" dirty="0"/>
+              <a:t>全局事务的创建；二来也需要执行部分数据写操作；此外，还要通过执行来向</a:t>
+            </a:r>
+            <a:r>
+              <a:rPr lang="en-US" altLang="zh-CN" dirty="0"/>
+              <a:t>TCC</a:t>
+            </a:r>
+            <a:r>
+              <a:rPr lang="zh-CN" altLang="en-US" dirty="0"/>
+              <a:t>全局事务注册自己，以便后续</a:t>
+            </a:r>
+            <a:r>
+              <a:rPr lang="en-US" altLang="zh-CN" dirty="0"/>
+              <a:t>TCC</a:t>
+            </a:r>
+            <a:r>
+              <a:rPr lang="zh-CN" altLang="en-US" dirty="0"/>
+              <a:t>全局事务</a:t>
+            </a:r>
+            <a:r>
+              <a:rPr lang="en-US" altLang="zh-CN" dirty="0"/>
+              <a:t>commit/rollback</a:t>
+            </a:r>
+            <a:r>
+              <a:rPr lang="zh-CN" altLang="en-US" dirty="0"/>
+              <a:t>时回调其相应的</a:t>
+            </a:r>
+            <a:r>
+              <a:rPr lang="en-US" altLang="zh-CN" dirty="0"/>
+              <a:t>confirm/cancel</a:t>
+            </a:r>
+            <a:r>
+              <a:rPr lang="zh-CN" altLang="en-US" dirty="0"/>
+              <a:t>业务逻辑。所以，使用</a:t>
+            </a:r>
+            <a:r>
+              <a:rPr lang="en-US" altLang="zh-CN" dirty="0"/>
+              <a:t>TCC</a:t>
+            </a:r>
+            <a:r>
+              <a:rPr lang="zh-CN" altLang="en-US" dirty="0"/>
+              <a:t>机制时，以提交为例</a:t>
+            </a:r>
+          </a:p>
+          <a:p>
+            <a:r>
+              <a:rPr lang="zh-CN" altLang="en-US" dirty="0"/>
+              <a:t>一个完整的事务生命周期是：</a:t>
+            </a:r>
+            <a:r>
+              <a:rPr lang="en-US" altLang="zh-CN" dirty="0"/>
+              <a:t>begin -&gt; </a:t>
+            </a:r>
+            <a:r>
+              <a:rPr lang="zh-CN" altLang="en-US" dirty="0"/>
+              <a:t>业务逻辑</a:t>
+            </a:r>
+            <a:r>
+              <a:rPr lang="en-US" altLang="zh-CN" dirty="0"/>
+              <a:t>(try</a:t>
+            </a:r>
+            <a:r>
+              <a:rPr lang="zh-CN" altLang="en-US" dirty="0"/>
+              <a:t>业务</a:t>
+            </a:r>
+            <a:r>
+              <a:rPr lang="en-US" altLang="zh-CN" dirty="0"/>
+              <a:t>) -&gt; commit(</a:t>
+            </a:r>
+            <a:r>
+              <a:rPr lang="en-US" altLang="zh-CN" dirty="0" err="1"/>
+              <a:t>comfirm</a:t>
+            </a:r>
+            <a:r>
+              <a:rPr lang="zh-CN" altLang="en-US" dirty="0"/>
+              <a:t>业务</a:t>
+            </a:r>
+            <a:r>
+              <a:rPr lang="en-US" altLang="zh-CN" dirty="0"/>
+              <a:t>)</a:t>
+            </a:r>
+            <a:r>
+              <a:rPr lang="zh-CN" altLang="en-US" dirty="0"/>
+              <a:t>。</a:t>
+            </a:r>
+          </a:p>
+          <a:p>
+            <a:endParaRPr lang="zh-CN" altLang="en-US" dirty="0"/>
+          </a:p>
+          <a:p>
+            <a:r>
+              <a:rPr lang="zh-CN" altLang="en-US" dirty="0"/>
+              <a:t>综上，我们可以从执行的阶段上将二者一一对应起来：</a:t>
+            </a:r>
+          </a:p>
+          <a:p>
+            <a:r>
+              <a:rPr lang="en-US" altLang="zh-CN" dirty="0"/>
+              <a:t>1</a:t>
+            </a:r>
+            <a:r>
+              <a:rPr lang="zh-CN" altLang="en-US" dirty="0"/>
+              <a:t>、 </a:t>
+            </a:r>
+            <a:r>
+              <a:rPr lang="en-US" altLang="zh-CN" dirty="0"/>
+              <a:t>2PC</a:t>
+            </a:r>
+            <a:r>
+              <a:rPr lang="zh-CN" altLang="en-US" dirty="0"/>
+              <a:t>机制的业务阶段 等价于 </a:t>
+            </a:r>
+            <a:r>
+              <a:rPr lang="en-US" altLang="zh-CN" dirty="0"/>
+              <a:t>TCC</a:t>
+            </a:r>
+            <a:r>
+              <a:rPr lang="zh-CN" altLang="en-US" dirty="0"/>
+              <a:t>机制的</a:t>
+            </a:r>
+            <a:r>
+              <a:rPr lang="en-US" altLang="zh-CN" dirty="0"/>
+              <a:t>try</a:t>
+            </a:r>
+            <a:r>
+              <a:rPr lang="zh-CN" altLang="en-US" dirty="0"/>
+              <a:t>业务阶段；</a:t>
+            </a:r>
+          </a:p>
+          <a:p>
+            <a:r>
+              <a:rPr lang="en-US" altLang="zh-CN" dirty="0"/>
+              <a:t>2</a:t>
+            </a:r>
+            <a:r>
+              <a:rPr lang="zh-CN" altLang="en-US" dirty="0"/>
+              <a:t>、 </a:t>
+            </a:r>
+            <a:r>
+              <a:rPr lang="en-US" altLang="zh-CN" dirty="0"/>
+              <a:t>2PC</a:t>
+            </a:r>
+            <a:r>
+              <a:rPr lang="zh-CN" altLang="en-US" dirty="0"/>
+              <a:t>机制的提交阶段（</a:t>
+            </a:r>
+            <a:r>
+              <a:rPr lang="en-US" altLang="zh-CN" dirty="0"/>
+              <a:t>prepare &amp; commit</a:t>
+            </a:r>
+            <a:r>
+              <a:rPr lang="zh-CN" altLang="en-US" dirty="0"/>
+              <a:t>） 等价于 </a:t>
+            </a:r>
+            <a:r>
+              <a:rPr lang="en-US" altLang="zh-CN" dirty="0"/>
+              <a:t>TCC</a:t>
+            </a:r>
+            <a:r>
+              <a:rPr lang="zh-CN" altLang="en-US" dirty="0"/>
+              <a:t>机制的提交阶段（</a:t>
+            </a:r>
+            <a:r>
+              <a:rPr lang="en-US" altLang="zh-CN" dirty="0"/>
+              <a:t>confirm</a:t>
+            </a:r>
+            <a:r>
+              <a:rPr lang="zh-CN" altLang="en-US" dirty="0"/>
+              <a:t>）；</a:t>
+            </a:r>
+          </a:p>
+          <a:p>
+            <a:r>
+              <a:rPr lang="en-US" altLang="zh-CN" dirty="0"/>
+              <a:t>3</a:t>
+            </a:r>
+            <a:r>
+              <a:rPr lang="zh-CN" altLang="en-US" dirty="0"/>
+              <a:t>、 </a:t>
+            </a:r>
+            <a:r>
+              <a:rPr lang="en-US" altLang="zh-CN" dirty="0"/>
+              <a:t>2PC</a:t>
+            </a:r>
+            <a:r>
+              <a:rPr lang="zh-CN" altLang="en-US" dirty="0"/>
+              <a:t>机制的回滚阶段（</a:t>
+            </a:r>
+            <a:r>
+              <a:rPr lang="en-US" altLang="zh-CN" dirty="0"/>
+              <a:t>rollback</a:t>
+            </a:r>
+            <a:r>
+              <a:rPr lang="zh-CN" altLang="en-US" dirty="0"/>
+              <a:t>） 等价于 </a:t>
+            </a:r>
+            <a:r>
+              <a:rPr lang="en-US" altLang="zh-CN" dirty="0"/>
+              <a:t>TCC</a:t>
+            </a:r>
+            <a:r>
+              <a:rPr lang="zh-CN" altLang="en-US" dirty="0"/>
+              <a:t>机制的回滚阶段（</a:t>
+            </a:r>
+            <a:r>
+              <a:rPr lang="en-US" altLang="zh-CN" dirty="0"/>
+              <a:t>cancel</a:t>
+            </a:r>
+            <a:r>
+              <a:rPr lang="zh-CN" altLang="en-US" dirty="0"/>
+              <a:t>）。</a:t>
+            </a:r>
+          </a:p>
+          <a:p>
+            <a:endParaRPr lang="zh-CN" altLang="en-US" dirty="0"/>
+          </a:p>
+          <a:p>
+            <a:r>
+              <a:rPr lang="zh-CN" altLang="en-US" dirty="0"/>
+              <a:t>因此，可以看出，虽然</a:t>
+            </a:r>
+            <a:r>
+              <a:rPr lang="en-US" altLang="zh-CN" dirty="0"/>
+              <a:t>TCC</a:t>
+            </a:r>
+            <a:r>
+              <a:rPr lang="zh-CN" altLang="en-US" dirty="0"/>
+              <a:t>机制中有两个阶段都存在业务逻辑的执行，但其中</a:t>
+            </a:r>
+            <a:r>
+              <a:rPr lang="en-US" altLang="zh-CN" dirty="0"/>
+              <a:t>try</a:t>
+            </a:r>
+            <a:r>
+              <a:rPr lang="zh-CN" altLang="en-US" dirty="0"/>
+              <a:t>业务阶段其实是与全局事务处理无关的。认清了这一点，当我们再比较</a:t>
+            </a:r>
+            <a:r>
+              <a:rPr lang="en-US" altLang="zh-CN" dirty="0"/>
+              <a:t>TCC</a:t>
+            </a:r>
+            <a:r>
+              <a:rPr lang="zh-CN" altLang="en-US" dirty="0"/>
+              <a:t>和</a:t>
+            </a:r>
+            <a:r>
+              <a:rPr lang="en-US" altLang="zh-CN" dirty="0"/>
+              <a:t>2PC</a:t>
+            </a:r>
+            <a:r>
+              <a:rPr lang="zh-CN" altLang="en-US" dirty="0"/>
+              <a:t>时，就会很容易地发现，</a:t>
+            </a:r>
+            <a:r>
+              <a:rPr lang="en-US" altLang="zh-CN" dirty="0"/>
+              <a:t>TCC</a:t>
+            </a:r>
+            <a:r>
+              <a:rPr lang="zh-CN" altLang="en-US" dirty="0"/>
+              <a:t>不是两阶段提交，而只是它对事务的提交</a:t>
+            </a:r>
+            <a:r>
+              <a:rPr lang="en-US" altLang="zh-CN" dirty="0"/>
+              <a:t>/</a:t>
+            </a:r>
+            <a:r>
+              <a:rPr lang="zh-CN" altLang="en-US" dirty="0"/>
+              <a:t>回滚是通过执行一段</a:t>
+            </a:r>
+            <a:r>
+              <a:rPr lang="en-US" altLang="zh-CN" dirty="0"/>
+              <a:t>confirm/cancel</a:t>
+            </a:r>
+            <a:r>
+              <a:rPr lang="zh-CN" altLang="en-US" dirty="0"/>
+              <a:t>业务逻辑来实现，仅此而已。</a:t>
+            </a:r>
+          </a:p>
+        </p:txBody>
+      </p:sp>
+      <p:sp>
+        <p:nvSpPr>
+          <p:cNvPr id="4" name="文本框 3"/>
+          <p:cNvSpPr txBox="1"/>
+          <p:nvPr/>
+        </p:nvSpPr>
+        <p:spPr>
+          <a:xfrm>
+            <a:off x="130628" y="87086"/>
+            <a:ext cx="1786066" cy="523220"/>
+          </a:xfrm>
+          <a:prstGeom prst="rect">
+            <a:avLst/>
+          </a:prstGeom>
+          <a:noFill/>
+        </p:spPr>
+        <p:txBody>
+          <a:bodyPr wrap="none" rtlCol="0">
+            <a:spAutoFit/>
+          </a:bodyPr>
+          <a:lstStyle/>
+          <a:p>
+            <a:r>
+              <a:rPr lang="en-US" altLang="zh-CN" sz="2800" dirty="0"/>
+              <a:t>TCC</a:t>
+            </a:r>
+            <a:r>
+              <a:rPr lang="zh-CN" altLang="en-US" sz="2800" dirty="0"/>
+              <a:t>与</a:t>
+            </a:r>
+            <a:r>
+              <a:rPr lang="en-US" altLang="zh-CN" sz="2800" dirty="0"/>
+              <a:t>2PC</a:t>
+            </a:r>
+            <a:endParaRPr lang="zh-CN" altLang="en-US" sz="2800" dirty="0"/>
+          </a:p>
+        </p:txBody>
+      </p:sp>
     </p:spTree>
     <p:extLst>
       <p:ext uri="{BB962C8B-B14F-4D97-AF65-F5344CB8AC3E}">
-        <p14:creationId xmlns:p14="http://schemas.microsoft.com/office/powerpoint/2010/main" val="1556939817"/>
+        <p14:creationId xmlns:p14="http://schemas.microsoft.com/office/powerpoint/2010/main" val="3762715167"/>
       </p:ext>
     </p:extLst>
   </p:cSld>
@@ -10517,7 +11036,7 @@
           <p:cNvPr id="4" name="矩形 3">
             <a:extLst>
               <a:ext uri="{FF2B5EF4-FFF2-40B4-BE49-F238E27FC236}">
-                <a16:creationId xmlns:a16="http://schemas.microsoft.com/office/drawing/2014/main" xmlns="" id="{E46E2F75-3A6F-46C5-A735-0027F6FDA679}"/>
+                <a16:creationId xmlns:a16="http://schemas.microsoft.com/office/drawing/2014/main" id="{E46E2F75-3A6F-46C5-A735-0027F6FDA679}"/>
               </a:ext>
             </a:extLst>
           </p:cNvPr>
@@ -10579,7 +11098,7 @@
           <p:cNvPr id="6" name="矩形 5">
             <a:extLst>
               <a:ext uri="{FF2B5EF4-FFF2-40B4-BE49-F238E27FC236}">
-                <a16:creationId xmlns:a16="http://schemas.microsoft.com/office/drawing/2014/main" xmlns="" id="{F2344A1E-B11E-40E9-91D8-65DCA73B7FEE}"/>
+                <a16:creationId xmlns:a16="http://schemas.microsoft.com/office/drawing/2014/main" id="{F2344A1E-B11E-40E9-91D8-65DCA73B7FEE}"/>
               </a:ext>
             </a:extLst>
           </p:cNvPr>
@@ -10613,7 +11132,7 @@
           <p:cNvPr id="11" name="矩形 10">
             <a:extLst>
               <a:ext uri="{FF2B5EF4-FFF2-40B4-BE49-F238E27FC236}">
-                <a16:creationId xmlns:a16="http://schemas.microsoft.com/office/drawing/2014/main" xmlns="" id="{1B578B2E-E142-48DD-A101-EF8900110942}"/>
+                <a16:creationId xmlns:a16="http://schemas.microsoft.com/office/drawing/2014/main" id="{1B578B2E-E142-48DD-A101-EF8900110942}"/>
               </a:ext>
             </a:extLst>
           </p:cNvPr>
@@ -10652,7 +11171,7 @@
           <p:cNvPr id="14" name="矩形 13">
             <a:extLst>
               <a:ext uri="{FF2B5EF4-FFF2-40B4-BE49-F238E27FC236}">
-                <a16:creationId xmlns:a16="http://schemas.microsoft.com/office/drawing/2014/main" xmlns="" id="{4A3AB1A4-73CE-4D42-A97A-25023A8C43F2}"/>
+                <a16:creationId xmlns:a16="http://schemas.microsoft.com/office/drawing/2014/main" id="{4A3AB1A4-73CE-4D42-A97A-25023A8C43F2}"/>
               </a:ext>
             </a:extLst>
           </p:cNvPr>
@@ -10686,7 +11205,7 @@
           <p:cNvPr id="16" name="矩形 15">
             <a:extLst>
               <a:ext uri="{FF2B5EF4-FFF2-40B4-BE49-F238E27FC236}">
-                <a16:creationId xmlns:a16="http://schemas.microsoft.com/office/drawing/2014/main" xmlns="" id="{40FFEF80-E54A-4FEB-AF44-1040E9512AB9}"/>
+                <a16:creationId xmlns:a16="http://schemas.microsoft.com/office/drawing/2014/main" id="{40FFEF80-E54A-4FEB-AF44-1040E9512AB9}"/>
               </a:ext>
             </a:extLst>
           </p:cNvPr>
@@ -10728,7 +11247,7 @@
           <p:cNvPr id="17" name="矩形 16">
             <a:extLst>
               <a:ext uri="{FF2B5EF4-FFF2-40B4-BE49-F238E27FC236}">
-                <a16:creationId xmlns:a16="http://schemas.microsoft.com/office/drawing/2014/main" xmlns="" id="{B4206209-E208-40D9-A7B5-7ACDCE274CB1}"/>
+                <a16:creationId xmlns:a16="http://schemas.microsoft.com/office/drawing/2014/main" id="{B4206209-E208-40D9-A7B5-7ACDCE274CB1}"/>
               </a:ext>
             </a:extLst>
           </p:cNvPr>
@@ -10786,7 +11305,7 @@
           <p:cNvPr id="19" name="矩形 18">
             <a:extLst>
               <a:ext uri="{FF2B5EF4-FFF2-40B4-BE49-F238E27FC236}">
-                <a16:creationId xmlns:a16="http://schemas.microsoft.com/office/drawing/2014/main" xmlns="" id="{1B5EB602-A927-4B27-8A8F-43C06F292DDE}"/>
+                <a16:creationId xmlns:a16="http://schemas.microsoft.com/office/drawing/2014/main" id="{1B5EB602-A927-4B27-8A8F-43C06F292DDE}"/>
               </a:ext>
             </a:extLst>
           </p:cNvPr>
@@ -10840,7 +11359,7 @@
           <p:cNvPr id="21" name="矩形 20">
             <a:extLst>
               <a:ext uri="{FF2B5EF4-FFF2-40B4-BE49-F238E27FC236}">
-                <a16:creationId xmlns:a16="http://schemas.microsoft.com/office/drawing/2014/main" xmlns="" id="{5E6BBB64-CCF9-4254-8B8F-32A3CC62144A}"/>
+                <a16:creationId xmlns:a16="http://schemas.microsoft.com/office/drawing/2014/main" id="{5E6BBB64-CCF9-4254-8B8F-32A3CC62144A}"/>
               </a:ext>
             </a:extLst>
           </p:cNvPr>
@@ -10875,7 +11394,7 @@
           <p:cNvPr id="23" name="矩形 22">
             <a:extLst>
               <a:ext uri="{FF2B5EF4-FFF2-40B4-BE49-F238E27FC236}">
-                <a16:creationId xmlns:a16="http://schemas.microsoft.com/office/drawing/2014/main" xmlns="" id="{0D305A8A-7D39-4018-A2E1-FB5210A930C6}"/>
+                <a16:creationId xmlns:a16="http://schemas.microsoft.com/office/drawing/2014/main" id="{0D305A8A-7D39-4018-A2E1-FB5210A930C6}"/>
               </a:ext>
             </a:extLst>
           </p:cNvPr>
@@ -10910,7 +11429,7 @@
           <p:cNvPr id="26" name="矩形 25">
             <a:extLst>
               <a:ext uri="{FF2B5EF4-FFF2-40B4-BE49-F238E27FC236}">
-                <a16:creationId xmlns:a16="http://schemas.microsoft.com/office/drawing/2014/main" xmlns="" id="{5E1CA580-DDCF-4622-9056-5A8583DE296E}"/>
+                <a16:creationId xmlns:a16="http://schemas.microsoft.com/office/drawing/2014/main" id="{5E1CA580-DDCF-4622-9056-5A8583DE296E}"/>
               </a:ext>
             </a:extLst>
           </p:cNvPr>
@@ -10945,7 +11464,7 @@
           <p:cNvPr id="29" name="矩形 28">
             <a:extLst>
               <a:ext uri="{FF2B5EF4-FFF2-40B4-BE49-F238E27FC236}">
-                <a16:creationId xmlns:a16="http://schemas.microsoft.com/office/drawing/2014/main" xmlns="" id="{7CFAEA2A-E79D-4600-8CCC-29F6C64B798B}"/>
+                <a16:creationId xmlns:a16="http://schemas.microsoft.com/office/drawing/2014/main" id="{7CFAEA2A-E79D-4600-8CCC-29F6C64B798B}"/>
               </a:ext>
             </a:extLst>
           </p:cNvPr>
@@ -10980,7 +11499,7 @@
           <p:cNvPr id="31" name="矩形 30">
             <a:extLst>
               <a:ext uri="{FF2B5EF4-FFF2-40B4-BE49-F238E27FC236}">
-                <a16:creationId xmlns:a16="http://schemas.microsoft.com/office/drawing/2014/main" xmlns="" id="{D0ADDBB1-031C-470E-9E5F-BD34EC194759}"/>
+                <a16:creationId xmlns:a16="http://schemas.microsoft.com/office/drawing/2014/main" id="{D0ADDBB1-031C-470E-9E5F-BD34EC194759}"/>
               </a:ext>
             </a:extLst>
           </p:cNvPr>
@@ -11014,7 +11533,7 @@
           <p:cNvPr id="32" name="矩形 31">
             <a:extLst>
               <a:ext uri="{FF2B5EF4-FFF2-40B4-BE49-F238E27FC236}">
-                <a16:creationId xmlns:a16="http://schemas.microsoft.com/office/drawing/2014/main" xmlns="" id="{127C057D-D835-4313-AF19-E3883A4411A1}"/>
+                <a16:creationId xmlns:a16="http://schemas.microsoft.com/office/drawing/2014/main" id="{127C057D-D835-4313-AF19-E3883A4411A1}"/>
               </a:ext>
             </a:extLst>
           </p:cNvPr>
@@ -11048,7 +11567,7 @@
           <p:cNvPr id="33" name="矩形 32">
             <a:extLst>
               <a:ext uri="{FF2B5EF4-FFF2-40B4-BE49-F238E27FC236}">
-                <a16:creationId xmlns:a16="http://schemas.microsoft.com/office/drawing/2014/main" xmlns="" id="{A30D7EA6-9823-4652-A89C-54628B699305}"/>
+                <a16:creationId xmlns:a16="http://schemas.microsoft.com/office/drawing/2014/main" id="{A30D7EA6-9823-4652-A89C-54628B699305}"/>
               </a:ext>
             </a:extLst>
           </p:cNvPr>
@@ -11092,7 +11611,7 @@
           <p:cNvPr id="36" name="直接连接符 35">
             <a:extLst>
               <a:ext uri="{FF2B5EF4-FFF2-40B4-BE49-F238E27FC236}">
-                <a16:creationId xmlns:a16="http://schemas.microsoft.com/office/drawing/2014/main" xmlns="" id="{DAA51DF1-60F3-4270-8DE5-DC02AB6A8806}"/>
+                <a16:creationId xmlns:a16="http://schemas.microsoft.com/office/drawing/2014/main" id="{DAA51DF1-60F3-4270-8DE5-DC02AB6A8806}"/>
               </a:ext>
             </a:extLst>
           </p:cNvPr>
@@ -11128,7 +11647,7 @@
           <p:cNvPr id="38" name="直接连接符 37">
             <a:extLst>
               <a:ext uri="{FF2B5EF4-FFF2-40B4-BE49-F238E27FC236}">
-                <a16:creationId xmlns:a16="http://schemas.microsoft.com/office/drawing/2014/main" xmlns="" id="{ABEF5A64-0CB9-4391-9996-5FA1F6AF2FD4}"/>
+                <a16:creationId xmlns:a16="http://schemas.microsoft.com/office/drawing/2014/main" id="{ABEF5A64-0CB9-4391-9996-5FA1F6AF2FD4}"/>
               </a:ext>
             </a:extLst>
           </p:cNvPr>
@@ -11164,7 +11683,7 @@
           <p:cNvPr id="39" name="矩形 38">
             <a:extLst>
               <a:ext uri="{FF2B5EF4-FFF2-40B4-BE49-F238E27FC236}">
-                <a16:creationId xmlns:a16="http://schemas.microsoft.com/office/drawing/2014/main" xmlns="" id="{61F7516F-734E-4038-A147-86862AC90FAF}"/>
+                <a16:creationId xmlns:a16="http://schemas.microsoft.com/office/drawing/2014/main" id="{61F7516F-734E-4038-A147-86862AC90FAF}"/>
               </a:ext>
             </a:extLst>
           </p:cNvPr>
@@ -11203,13 +11722,6 @@
   <p:clrMapOvr>
     <a:masterClrMapping/>
   </p:clrMapOvr>
-  <p:timing>
-    <p:tnLst>
-      <p:par>
-        <p:cTn id="1" dur="indefinite" restart="never" nodeType="tmRoot"/>
-      </p:par>
-    </p:tnLst>
-  </p:timing>
 </p:sld>
 </file>
 
@@ -11535,7 +12047,7 @@
           <p:cNvPr id="4" name="矩形 3">
             <a:extLst>
               <a:ext uri="{FF2B5EF4-FFF2-40B4-BE49-F238E27FC236}">
-                <a16:creationId xmlns:a16="http://schemas.microsoft.com/office/drawing/2014/main" xmlns="" id="{6CB9A8A1-EF3E-4040-9DBB-1F9B8E171C5C}"/>
+                <a16:creationId xmlns:a16="http://schemas.microsoft.com/office/drawing/2014/main" id="{6CB9A8A1-EF3E-4040-9DBB-1F9B8E171C5C}"/>
               </a:ext>
             </a:extLst>
           </p:cNvPr>
@@ -11597,7 +12109,7 @@
           <p:cNvPr id="5" name="图片 4">
             <a:extLst>
               <a:ext uri="{FF2B5EF4-FFF2-40B4-BE49-F238E27FC236}">
-                <a16:creationId xmlns:a16="http://schemas.microsoft.com/office/drawing/2014/main" xmlns="" id="{BEA15A08-F454-44B1-A00D-3FF2E979AF74}"/>
+                <a16:creationId xmlns:a16="http://schemas.microsoft.com/office/drawing/2014/main" id="{BEA15A08-F454-44B1-A00D-3FF2E979AF74}"/>
               </a:ext>
             </a:extLst>
           </p:cNvPr>
@@ -11632,13 +12144,6 @@
   <p:clrMapOvr>
     <a:masterClrMapping/>
   </p:clrMapOvr>
-  <p:timing>
-    <p:tnLst>
-      <p:par>
-        <p:cTn id="1" dur="indefinite" restart="never" nodeType="tmRoot"/>
-      </p:par>
-    </p:tnLst>
-  </p:timing>
 </p:sld>
 </file>
 
@@ -11732,6 +12237,96 @@
 </p:sld>
 </file>
 
+<file path=ppt/slides/slide43.xml><?xml version="1.0" encoding="utf-8"?>
+<p:sld xmlns:a="http://schemas.openxmlformats.org/drawingml/2006/main" xmlns:r="http://schemas.openxmlformats.org/officeDocument/2006/relationships" xmlns:p="http://schemas.openxmlformats.org/presentationml/2006/main">
+  <p:cSld>
+    <p:spTree>
+      <p:nvGrpSpPr>
+        <p:cNvPr id="1" name=""/>
+        <p:cNvGrpSpPr/>
+        <p:nvPr/>
+      </p:nvGrpSpPr>
+      <p:grpSpPr>
+        <a:xfrm>
+          <a:off x="0" y="0"/>
+          <a:ext cx="0" cy="0"/>
+          <a:chOff x="0" y="0"/>
+          <a:chExt cx="0" cy="0"/>
+        </a:xfrm>
+      </p:grpSpPr>
+      <p:sp>
+        <p:nvSpPr>
+          <p:cNvPr id="2" name="矩形 1">
+            <a:extLst>
+              <a:ext uri="{FF2B5EF4-FFF2-40B4-BE49-F238E27FC236}">
+                <a16:creationId xmlns:a16="http://schemas.microsoft.com/office/drawing/2014/main" id="{A098A155-9F11-4B91-8FFD-605EEF40E4ED}"/>
+              </a:ext>
+            </a:extLst>
+          </p:cNvPr>
+          <p:cNvSpPr/>
+          <p:nvPr/>
+        </p:nvSpPr>
+        <p:spPr>
+          <a:xfrm>
+            <a:off x="5157281" y="2967335"/>
+            <a:ext cx="1877438" cy="1107996"/>
+          </a:xfrm>
+          <a:prstGeom prst="rect">
+            <a:avLst/>
+          </a:prstGeom>
+          <a:noFill/>
+        </p:spPr>
+        <p:txBody>
+          <a:bodyPr wrap="none" lIns="91440" tIns="45720" rIns="91440" bIns="45720">
+            <a:spAutoFit/>
+          </a:bodyPr>
+          <a:lstStyle/>
+          <a:p>
+            <a:pPr algn="ctr"/>
+            <a:r>
+              <a:rPr lang="zh-CN" altLang="en-US" sz="6600" b="0" cap="none" spc="0">
+                <a:ln w="0"/>
+                <a:gradFill>
+                  <a:gsLst>
+                    <a:gs pos="0">
+                      <a:schemeClr val="accent5">
+                        <a:lumMod val="50000"/>
+                      </a:schemeClr>
+                    </a:gs>
+                    <a:gs pos="50000">
+                      <a:schemeClr val="accent5"/>
+                    </a:gs>
+                    <a:gs pos="100000">
+                      <a:schemeClr val="accent5">
+                        <a:lumMod val="60000"/>
+                        <a:lumOff val="40000"/>
+                      </a:schemeClr>
+                    </a:gs>
+                  </a:gsLst>
+                  <a:lin ang="5400000"/>
+                </a:gradFill>
+                <a:effectLst>
+                  <a:reflection blurRad="6350" stA="53000" endA="300" endPos="35500" dir="5400000" sy="-90000" algn="bl" rotWithShape="0"/>
+                </a:effectLst>
+              </a:rPr>
+              <a:t>谢谢</a:t>
+            </a:r>
+          </a:p>
+        </p:txBody>
+      </p:sp>
+    </p:spTree>
+    <p:extLst>
+      <p:ext uri="{BB962C8B-B14F-4D97-AF65-F5344CB8AC3E}">
+        <p14:creationId xmlns:p14="http://schemas.microsoft.com/office/powerpoint/2010/main" val="1556939817"/>
+      </p:ext>
+    </p:extLst>
+  </p:cSld>
+  <p:clrMapOvr>
+    <a:masterClrMapping/>
+  </p:clrMapOvr>
+</p:sld>
+</file>
+
 <file path=ppt/slides/slide5.xml><?xml version="1.0" encoding="utf-8"?>
 <p:sld xmlns:a="http://schemas.openxmlformats.org/drawingml/2006/main" xmlns:r="http://schemas.openxmlformats.org/officeDocument/2006/relationships" xmlns:p="http://schemas.openxmlformats.org/presentationml/2006/main">
   <p:cSld>
@@ -11754,7 +12349,7 @@
           <p:cNvPr id="3" name="矩形 2">
             <a:extLst>
               <a:ext uri="{FF2B5EF4-FFF2-40B4-BE49-F238E27FC236}">
-                <a16:creationId xmlns:a16="http://schemas.microsoft.com/office/drawing/2014/main" xmlns="" id="{1141AC79-E86D-4DE5-B53C-5A8EB605D212}"/>
+                <a16:creationId xmlns:a16="http://schemas.microsoft.com/office/drawing/2014/main" id="{1141AC79-E86D-4DE5-B53C-5A8EB605D212}"/>
               </a:ext>
             </a:extLst>
           </p:cNvPr>
@@ -11793,7 +12388,7 @@
           <p:cNvPr id="5" name="矩形 4">
             <a:extLst>
               <a:ext uri="{FF2B5EF4-FFF2-40B4-BE49-F238E27FC236}">
-                <a16:creationId xmlns:a16="http://schemas.microsoft.com/office/drawing/2014/main" xmlns="" id="{085F2817-FC6E-4D77-9655-20CF7DF15A68}"/>
+                <a16:creationId xmlns:a16="http://schemas.microsoft.com/office/drawing/2014/main" id="{085F2817-FC6E-4D77-9655-20CF7DF15A68}"/>
               </a:ext>
             </a:extLst>
           </p:cNvPr>
@@ -11847,7 +12442,7 @@
           <p:cNvPr id="7" name="矩形 6">
             <a:extLst>
               <a:ext uri="{FF2B5EF4-FFF2-40B4-BE49-F238E27FC236}">
-                <a16:creationId xmlns:a16="http://schemas.microsoft.com/office/drawing/2014/main" xmlns="" id="{B849817B-378C-4B08-841E-3ADA016CF9CD}"/>
+                <a16:creationId xmlns:a16="http://schemas.microsoft.com/office/drawing/2014/main" id="{B849817B-378C-4B08-841E-3ADA016CF9CD}"/>
               </a:ext>
             </a:extLst>
           </p:cNvPr>
@@ -11886,7 +12481,7 @@
           <p:cNvPr id="8" name="矩形 7">
             <a:extLst>
               <a:ext uri="{FF2B5EF4-FFF2-40B4-BE49-F238E27FC236}">
-                <a16:creationId xmlns:a16="http://schemas.microsoft.com/office/drawing/2014/main" xmlns="" id="{568848D8-002C-4489-9E0F-8B7667AA824E}"/>
+                <a16:creationId xmlns:a16="http://schemas.microsoft.com/office/drawing/2014/main" id="{568848D8-002C-4489-9E0F-8B7667AA824E}"/>
               </a:ext>
             </a:extLst>
           </p:cNvPr>
@@ -11920,7 +12515,7 @@
           <p:cNvPr id="19" name="矩形 18">
             <a:extLst>
               <a:ext uri="{FF2B5EF4-FFF2-40B4-BE49-F238E27FC236}">
-                <a16:creationId xmlns:a16="http://schemas.microsoft.com/office/drawing/2014/main" xmlns="" id="{CAE31612-9179-4575-BC3B-CCF441509436}"/>
+                <a16:creationId xmlns:a16="http://schemas.microsoft.com/office/drawing/2014/main" id="{CAE31612-9179-4575-BC3B-CCF441509436}"/>
               </a:ext>
             </a:extLst>
           </p:cNvPr>
@@ -11954,7 +12549,7 @@
           <p:cNvPr id="21" name="矩形 20">
             <a:extLst>
               <a:ext uri="{FF2B5EF4-FFF2-40B4-BE49-F238E27FC236}">
-                <a16:creationId xmlns:a16="http://schemas.microsoft.com/office/drawing/2014/main" xmlns="" id="{0FBFE0AE-0934-47F9-AE0D-E59683D081C2}"/>
+                <a16:creationId xmlns:a16="http://schemas.microsoft.com/office/drawing/2014/main" id="{0FBFE0AE-0934-47F9-AE0D-E59683D081C2}"/>
               </a:ext>
             </a:extLst>
           </p:cNvPr>
@@ -11989,7 +12584,7 @@
           <p:cNvPr id="23" name="矩形 22">
             <a:extLst>
               <a:ext uri="{FF2B5EF4-FFF2-40B4-BE49-F238E27FC236}">
-                <a16:creationId xmlns:a16="http://schemas.microsoft.com/office/drawing/2014/main" xmlns="" id="{DDD69587-D065-412C-9E50-8005FDD0167F}"/>
+                <a16:creationId xmlns:a16="http://schemas.microsoft.com/office/drawing/2014/main" id="{DDD69587-D065-412C-9E50-8005FDD0167F}"/>
               </a:ext>
             </a:extLst>
           </p:cNvPr>
@@ -12023,7 +12618,7 @@
           <p:cNvPr id="24" name="矩形 23">
             <a:extLst>
               <a:ext uri="{FF2B5EF4-FFF2-40B4-BE49-F238E27FC236}">
-                <a16:creationId xmlns:a16="http://schemas.microsoft.com/office/drawing/2014/main" xmlns="" id="{04DB3355-9E0C-4382-9586-9B9C19D5855A}"/>
+                <a16:creationId xmlns:a16="http://schemas.microsoft.com/office/drawing/2014/main" id="{04DB3355-9E0C-4382-9586-9B9C19D5855A}"/>
               </a:ext>
             </a:extLst>
           </p:cNvPr>
@@ -12062,13 +12657,6 @@
   <p:clrMapOvr>
     <a:masterClrMapping/>
   </p:clrMapOvr>
-  <p:timing>
-    <p:tnLst>
-      <p:par>
-        <p:cTn id="1" dur="indefinite" restart="never" nodeType="tmRoot"/>
-      </p:par>
-    </p:tnLst>
-  </p:timing>
 </p:sld>
 </file>
 
@@ -12094,7 +12682,7 @@
           <p:cNvPr id="2" name="矩形 1">
             <a:extLst>
               <a:ext uri="{FF2B5EF4-FFF2-40B4-BE49-F238E27FC236}">
-                <a16:creationId xmlns:a16="http://schemas.microsoft.com/office/drawing/2014/main" xmlns="" id="{2C309DE9-CCE7-4D04-912D-B8E336054123}"/>
+                <a16:creationId xmlns:a16="http://schemas.microsoft.com/office/drawing/2014/main" id="{2C309DE9-CCE7-4D04-912D-B8E336054123}"/>
               </a:ext>
             </a:extLst>
           </p:cNvPr>
@@ -12133,7 +12721,7 @@
           <p:cNvPr id="3" name="矩形 2">
             <a:extLst>
               <a:ext uri="{FF2B5EF4-FFF2-40B4-BE49-F238E27FC236}">
-                <a16:creationId xmlns:a16="http://schemas.microsoft.com/office/drawing/2014/main" xmlns="" id="{9A72B5A7-AC35-4D17-97E5-4027C3DE44FC}"/>
+                <a16:creationId xmlns:a16="http://schemas.microsoft.com/office/drawing/2014/main" id="{9A72B5A7-AC35-4D17-97E5-4027C3DE44FC}"/>
               </a:ext>
             </a:extLst>
           </p:cNvPr>
@@ -12172,7 +12760,7 @@
           <p:cNvPr id="4" name="矩形 3">
             <a:extLst>
               <a:ext uri="{FF2B5EF4-FFF2-40B4-BE49-F238E27FC236}">
-                <a16:creationId xmlns:a16="http://schemas.microsoft.com/office/drawing/2014/main" xmlns="" id="{7DE593F2-A223-48E5-8F08-6C017DF7B7BB}"/>
+                <a16:creationId xmlns:a16="http://schemas.microsoft.com/office/drawing/2014/main" id="{7DE593F2-A223-48E5-8F08-6C017DF7B7BB}"/>
               </a:ext>
             </a:extLst>
           </p:cNvPr>
@@ -12206,7 +12794,7 @@
           <p:cNvPr id="5" name="矩形 4">
             <a:extLst>
               <a:ext uri="{FF2B5EF4-FFF2-40B4-BE49-F238E27FC236}">
-                <a16:creationId xmlns:a16="http://schemas.microsoft.com/office/drawing/2014/main" xmlns="" id="{B2D98E49-14D3-4D75-973A-220A1907602A}"/>
+                <a16:creationId xmlns:a16="http://schemas.microsoft.com/office/drawing/2014/main" id="{B2D98E49-14D3-4D75-973A-220A1907602A}"/>
               </a:ext>
             </a:extLst>
           </p:cNvPr>
@@ -12246,7 +12834,7 @@
           <p:cNvPr id="6" name="矩形 5">
             <a:extLst>
               <a:ext uri="{FF2B5EF4-FFF2-40B4-BE49-F238E27FC236}">
-                <a16:creationId xmlns:a16="http://schemas.microsoft.com/office/drawing/2014/main" xmlns="" id="{7D0A1055-6BB1-4E9F-9F13-72190CFFD980}"/>
+                <a16:creationId xmlns:a16="http://schemas.microsoft.com/office/drawing/2014/main" id="{7D0A1055-6BB1-4E9F-9F13-72190CFFD980}"/>
               </a:ext>
             </a:extLst>
           </p:cNvPr>
@@ -12281,7 +12869,7 @@
           <p:cNvPr id="7" name="矩形 6">
             <a:extLst>
               <a:ext uri="{FF2B5EF4-FFF2-40B4-BE49-F238E27FC236}">
-                <a16:creationId xmlns:a16="http://schemas.microsoft.com/office/drawing/2014/main" xmlns="" id="{A99A53B1-4C1F-4C9B-A5DD-095DF3201B37}"/>
+                <a16:creationId xmlns:a16="http://schemas.microsoft.com/office/drawing/2014/main" id="{A99A53B1-4C1F-4C9B-A5DD-095DF3201B37}"/>
               </a:ext>
             </a:extLst>
           </p:cNvPr>
@@ -12316,7 +12904,7 @@
           <p:cNvPr id="9" name="矩形 8">
             <a:extLst>
               <a:ext uri="{FF2B5EF4-FFF2-40B4-BE49-F238E27FC236}">
-                <a16:creationId xmlns:a16="http://schemas.microsoft.com/office/drawing/2014/main" xmlns="" id="{1DFC4DDE-A059-4C03-BE20-86A07A51F18C}"/>
+                <a16:creationId xmlns:a16="http://schemas.microsoft.com/office/drawing/2014/main" id="{1DFC4DDE-A059-4C03-BE20-86A07A51F18C}"/>
               </a:ext>
             </a:extLst>
           </p:cNvPr>
@@ -12356,13 +12944,6 @@
   <p:clrMapOvr>
     <a:masterClrMapping/>
   </p:clrMapOvr>
-  <p:timing>
-    <p:tnLst>
-      <p:par>
-        <p:cTn id="1" dur="indefinite" restart="never" nodeType="tmRoot"/>
-      </p:par>
-    </p:tnLst>
-  </p:timing>
 </p:sld>
 </file>
 
@@ -12388,7 +12969,7 @@
           <p:cNvPr id="3" name="矩形 2">
             <a:extLst>
               <a:ext uri="{FF2B5EF4-FFF2-40B4-BE49-F238E27FC236}">
-                <a16:creationId xmlns:a16="http://schemas.microsoft.com/office/drawing/2014/main" xmlns="" id="{E3D1C50E-2B69-4988-97B4-79690D7C4D25}"/>
+                <a16:creationId xmlns:a16="http://schemas.microsoft.com/office/drawing/2014/main" id="{E3D1C50E-2B69-4988-97B4-79690D7C4D25}"/>
               </a:ext>
             </a:extLst>
           </p:cNvPr>
@@ -12427,7 +13008,7 @@
           <p:cNvPr id="4" name="矩形 3">
             <a:extLst>
               <a:ext uri="{FF2B5EF4-FFF2-40B4-BE49-F238E27FC236}">
-                <a16:creationId xmlns:a16="http://schemas.microsoft.com/office/drawing/2014/main" xmlns="" id="{54A5969E-9DAA-474C-AF31-04A54C35EE3D}"/>
+                <a16:creationId xmlns:a16="http://schemas.microsoft.com/office/drawing/2014/main" id="{54A5969E-9DAA-474C-AF31-04A54C35EE3D}"/>
               </a:ext>
             </a:extLst>
           </p:cNvPr>
@@ -12489,7 +13070,7 @@
           <p:cNvPr id="5" name="矩形 4">
             <a:extLst>
               <a:ext uri="{FF2B5EF4-FFF2-40B4-BE49-F238E27FC236}">
-                <a16:creationId xmlns:a16="http://schemas.microsoft.com/office/drawing/2014/main" xmlns="" id="{DB0C2A86-B36C-4521-A994-A7EDAE10802C}"/>
+                <a16:creationId xmlns:a16="http://schemas.microsoft.com/office/drawing/2014/main" id="{DB0C2A86-B36C-4521-A994-A7EDAE10802C}"/>
               </a:ext>
             </a:extLst>
           </p:cNvPr>
@@ -12538,7 +13119,7 @@
           <p:cNvPr id="6" name="矩形 5">
             <a:extLst>
               <a:ext uri="{FF2B5EF4-FFF2-40B4-BE49-F238E27FC236}">
-                <a16:creationId xmlns:a16="http://schemas.microsoft.com/office/drawing/2014/main" xmlns="" id="{810BBEA0-60BF-4A4A-B741-ED4E30CB4919}"/>
+                <a16:creationId xmlns:a16="http://schemas.microsoft.com/office/drawing/2014/main" id="{810BBEA0-60BF-4A4A-B741-ED4E30CB4919}"/>
               </a:ext>
             </a:extLst>
           </p:cNvPr>
@@ -12587,7 +13168,7 @@
           <p:cNvPr id="8" name="矩形 7">
             <a:extLst>
               <a:ext uri="{FF2B5EF4-FFF2-40B4-BE49-F238E27FC236}">
-                <a16:creationId xmlns:a16="http://schemas.microsoft.com/office/drawing/2014/main" xmlns="" id="{F1C4F811-75BF-4A10-BA95-7E714062967E}"/>
+                <a16:creationId xmlns:a16="http://schemas.microsoft.com/office/drawing/2014/main" id="{F1C4F811-75BF-4A10-BA95-7E714062967E}"/>
               </a:ext>
             </a:extLst>
           </p:cNvPr>
@@ -12621,7 +13202,7 @@
           <p:cNvPr id="9" name="矩形 8">
             <a:extLst>
               <a:ext uri="{FF2B5EF4-FFF2-40B4-BE49-F238E27FC236}">
-                <a16:creationId xmlns:a16="http://schemas.microsoft.com/office/drawing/2014/main" xmlns="" id="{06D9CD95-E255-40B5-8385-A06EFDFC0463}"/>
+                <a16:creationId xmlns:a16="http://schemas.microsoft.com/office/drawing/2014/main" id="{06D9CD95-E255-40B5-8385-A06EFDFC0463}"/>
               </a:ext>
             </a:extLst>
           </p:cNvPr>
@@ -12661,7 +13242,7 @@
           <p:cNvPr id="10" name="矩形 9">
             <a:extLst>
               <a:ext uri="{FF2B5EF4-FFF2-40B4-BE49-F238E27FC236}">
-                <a16:creationId xmlns:a16="http://schemas.microsoft.com/office/drawing/2014/main" xmlns="" id="{D062870C-AC77-444D-A17B-0FCA87A1CF66}"/>
+                <a16:creationId xmlns:a16="http://schemas.microsoft.com/office/drawing/2014/main" id="{D062870C-AC77-444D-A17B-0FCA87A1CF66}"/>
               </a:ext>
             </a:extLst>
           </p:cNvPr>
@@ -12701,7 +13282,7 @@
           <p:cNvPr id="11" name="矩形 10">
             <a:extLst>
               <a:ext uri="{FF2B5EF4-FFF2-40B4-BE49-F238E27FC236}">
-                <a16:creationId xmlns:a16="http://schemas.microsoft.com/office/drawing/2014/main" xmlns="" id="{F00EFE81-BA25-4EF5-85D5-B3886913CABB}"/>
+                <a16:creationId xmlns:a16="http://schemas.microsoft.com/office/drawing/2014/main" id="{F00EFE81-BA25-4EF5-85D5-B3886913CABB}"/>
               </a:ext>
             </a:extLst>
           </p:cNvPr>
@@ -12741,7 +13322,7 @@
           <p:cNvPr id="13" name="矩形 12">
             <a:extLst>
               <a:ext uri="{FF2B5EF4-FFF2-40B4-BE49-F238E27FC236}">
-                <a16:creationId xmlns:a16="http://schemas.microsoft.com/office/drawing/2014/main" xmlns="" id="{2A1955FF-8F56-4F9F-B2CA-15A2E380CCDB}"/>
+                <a16:creationId xmlns:a16="http://schemas.microsoft.com/office/drawing/2014/main" id="{2A1955FF-8F56-4F9F-B2CA-15A2E380CCDB}"/>
               </a:ext>
             </a:extLst>
           </p:cNvPr>
@@ -12790,7 +13371,7 @@
           <p:cNvPr id="14" name="矩形 13">
             <a:extLst>
               <a:ext uri="{FF2B5EF4-FFF2-40B4-BE49-F238E27FC236}">
-                <a16:creationId xmlns:a16="http://schemas.microsoft.com/office/drawing/2014/main" xmlns="" id="{15551D96-2544-498D-B6D0-7AA23ADA375E}"/>
+                <a16:creationId xmlns:a16="http://schemas.microsoft.com/office/drawing/2014/main" id="{15551D96-2544-498D-B6D0-7AA23ADA375E}"/>
               </a:ext>
             </a:extLst>
           </p:cNvPr>
@@ -12824,7 +13405,7 @@
           <p:cNvPr id="15" name="矩形 14">
             <a:extLst>
               <a:ext uri="{FF2B5EF4-FFF2-40B4-BE49-F238E27FC236}">
-                <a16:creationId xmlns:a16="http://schemas.microsoft.com/office/drawing/2014/main" xmlns="" id="{821CE1C8-D7DE-4104-9CA5-317D32C3A39B}"/>
+                <a16:creationId xmlns:a16="http://schemas.microsoft.com/office/drawing/2014/main" id="{821CE1C8-D7DE-4104-9CA5-317D32C3A39B}"/>
               </a:ext>
             </a:extLst>
           </p:cNvPr>
@@ -12858,7 +13439,7 @@
           <p:cNvPr id="16" name="图片 15">
             <a:extLst>
               <a:ext uri="{FF2B5EF4-FFF2-40B4-BE49-F238E27FC236}">
-                <a16:creationId xmlns:a16="http://schemas.microsoft.com/office/drawing/2014/main" xmlns="" id="{AC3F6FC8-A97B-4EE6-86BC-1908868AE66B}"/>
+                <a16:creationId xmlns:a16="http://schemas.microsoft.com/office/drawing/2014/main" id="{AC3F6FC8-A97B-4EE6-86BC-1908868AE66B}"/>
               </a:ext>
             </a:extLst>
           </p:cNvPr>
@@ -12893,13 +13474,6 @@
   <p:clrMapOvr>
     <a:masterClrMapping/>
   </p:clrMapOvr>
-  <p:timing>
-    <p:tnLst>
-      <p:par>
-        <p:cTn id="1" dur="indefinite" restart="never" nodeType="tmRoot"/>
-      </p:par>
-    </p:tnLst>
-  </p:timing>
 </p:sld>
 </file>
 
@@ -12943,7 +13517,7 @@
           <a:lstStyle/>
           <a:p>
             <a:r>
-              <a:rPr lang="en-US" altLang="zh-CN" sz="2800" smtClean="0"/>
+              <a:rPr lang="en-US" altLang="zh-CN" sz="2800"/>
               <a:t>2PC</a:t>
             </a:r>
             <a:endParaRPr lang="zh-CN" altLang="en-US" sz="2800" dirty="0"/>
@@ -13041,7 +13615,7 @@
           <a:lstStyle/>
           <a:p>
             <a:r>
-              <a:rPr lang="zh-CN" altLang="en-US" b="1" smtClean="0">
+              <a:rPr lang="zh-CN" altLang="en-US" b="1">
                 <a:solidFill>
                   <a:srgbClr val="3D464D"/>
                 </a:solidFill>
@@ -13050,7 +13624,7 @@
               <a:t>阶段</a:t>
             </a:r>
             <a:r>
-              <a:rPr lang="en-US" altLang="zh-CN" b="1" smtClean="0">
+              <a:rPr lang="en-US" altLang="zh-CN" b="1">
                 <a:solidFill>
                   <a:srgbClr val="3D464D"/>
                 </a:solidFill>
@@ -13059,7 +13633,7 @@
               <a:t>1</a:t>
             </a:r>
             <a:r>
-              <a:rPr lang="zh-CN" altLang="en-US" b="1" smtClean="0">
+              <a:rPr lang="zh-CN" altLang="en-US" b="1">
                 <a:solidFill>
                   <a:srgbClr val="3D464D"/>
                 </a:solidFill>
@@ -13067,15 +13641,11 @@
               </a:rPr>
               <a:t>：准备阶段</a:t>
             </a:r>
-            <a:r>
-              <a:rPr lang="zh-CN" altLang="en-US" smtClean="0"/>
-              <a:t/>
-            </a:r>
             <a:br>
-              <a:rPr lang="zh-CN" altLang="en-US" smtClean="0"/>
+              <a:rPr lang="zh-CN" altLang="en-US"/>
             </a:br>
             <a:r>
-              <a:rPr lang="zh-CN" altLang="en-US" smtClean="0">
+              <a:rPr lang="zh-CN" altLang="en-US">
                 <a:solidFill>
                   <a:srgbClr val="3D464D"/>
                 </a:solidFill>
@@ -13084,7 +13654,7 @@
               <a:t>　　</a:t>
             </a:r>
             <a:r>
-              <a:rPr lang="en-US" altLang="zh-CN" smtClean="0">
+              <a:rPr lang="en-US" altLang="zh-CN">
                 <a:solidFill>
                   <a:srgbClr val="3D464D"/>
                 </a:solidFill>
@@ -13093,7 +13663,7 @@
               <a:t>1</a:t>
             </a:r>
             <a:r>
-              <a:rPr lang="zh-CN" altLang="en-US" smtClean="0">
+              <a:rPr lang="zh-CN" altLang="en-US">
                 <a:solidFill>
                   <a:srgbClr val="3D464D"/>
                 </a:solidFill>
@@ -13101,15 +13671,11 @@
               </a:rPr>
               <a:t>、协调者向所有参与者发送事务内容，询问是否可以提交事务，并等待所有参与者答复。</a:t>
             </a:r>
-            <a:r>
-              <a:rPr lang="zh-CN" altLang="en-US" smtClean="0"/>
-              <a:t/>
-            </a:r>
             <a:br>
-              <a:rPr lang="zh-CN" altLang="en-US" smtClean="0"/>
+              <a:rPr lang="zh-CN" altLang="en-US"/>
             </a:br>
             <a:r>
-              <a:rPr lang="zh-CN" altLang="en-US" smtClean="0">
+              <a:rPr lang="zh-CN" altLang="en-US">
                 <a:solidFill>
                   <a:srgbClr val="3D464D"/>
                 </a:solidFill>
@@ -13118,7 +13684,7 @@
               <a:t>　　</a:t>
             </a:r>
             <a:r>
-              <a:rPr lang="en-US" altLang="zh-CN" smtClean="0">
+              <a:rPr lang="en-US" altLang="zh-CN">
                 <a:solidFill>
                   <a:srgbClr val="3D464D"/>
                 </a:solidFill>
@@ -13127,7 +13693,7 @@
               <a:t>2</a:t>
             </a:r>
             <a:r>
-              <a:rPr lang="zh-CN" altLang="en-US" smtClean="0">
+              <a:rPr lang="zh-CN" altLang="en-US">
                 <a:solidFill>
                   <a:srgbClr val="3D464D"/>
                 </a:solidFill>
@@ -13136,7 +13702,7 @@
               <a:t>、各参与者执行事务操作，将</a:t>
             </a:r>
             <a:r>
-              <a:rPr lang="en-US" altLang="zh-CN" smtClean="0">
+              <a:rPr lang="en-US" altLang="zh-CN">
                 <a:solidFill>
                   <a:srgbClr val="3D464D"/>
                 </a:solidFill>
@@ -13145,7 +13711,7 @@
               <a:t>Undo</a:t>
             </a:r>
             <a:r>
-              <a:rPr lang="zh-CN" altLang="en-US" smtClean="0">
+              <a:rPr lang="zh-CN" altLang="en-US">
                 <a:solidFill>
                   <a:srgbClr val="3D464D"/>
                 </a:solidFill>
@@ -13154,7 +13720,7 @@
               <a:t>和</a:t>
             </a:r>
             <a:r>
-              <a:rPr lang="en-US" altLang="zh-CN" smtClean="0">
+              <a:rPr lang="en-US" altLang="zh-CN">
                 <a:solidFill>
                   <a:srgbClr val="3D464D"/>
                 </a:solidFill>
@@ -13163,7 +13729,7 @@
               <a:t>Redo</a:t>
             </a:r>
             <a:r>
-              <a:rPr lang="zh-CN" altLang="en-US" smtClean="0">
+              <a:rPr lang="zh-CN" altLang="en-US">
                 <a:solidFill>
                   <a:srgbClr val="3D464D"/>
                 </a:solidFill>
@@ -13171,15 +13737,11 @@
               </a:rPr>
               <a:t>信息记入事务日志中（但不提交事务）。</a:t>
             </a:r>
-            <a:r>
-              <a:rPr lang="zh-CN" altLang="en-US" smtClean="0"/>
-              <a:t/>
-            </a:r>
             <a:br>
-              <a:rPr lang="zh-CN" altLang="en-US" smtClean="0"/>
+              <a:rPr lang="zh-CN" altLang="en-US"/>
             </a:br>
             <a:r>
-              <a:rPr lang="zh-CN" altLang="en-US" smtClean="0">
+              <a:rPr lang="zh-CN" altLang="en-US">
                 <a:solidFill>
                   <a:srgbClr val="3D464D"/>
                 </a:solidFill>
@@ -13188,7 +13750,7 @@
               <a:t>　　</a:t>
             </a:r>
             <a:r>
-              <a:rPr lang="en-US" altLang="zh-CN" smtClean="0">
+              <a:rPr lang="en-US" altLang="zh-CN">
                 <a:solidFill>
                   <a:srgbClr val="3D464D"/>
                 </a:solidFill>
@@ -13197,7 +13759,7 @@
               <a:t>3</a:t>
             </a:r>
             <a:r>
-              <a:rPr lang="zh-CN" altLang="en-US" smtClean="0">
+              <a:rPr lang="zh-CN" altLang="en-US">
                 <a:solidFill>
                   <a:srgbClr val="3D464D"/>
                 </a:solidFill>
@@ -13206,7 +13768,7 @@
               <a:t>、如参与者执行成功，给协调者反馈</a:t>
             </a:r>
             <a:r>
-              <a:rPr lang="en-US" altLang="zh-CN" smtClean="0">
+              <a:rPr lang="en-US" altLang="zh-CN">
                 <a:solidFill>
                   <a:srgbClr val="3D464D"/>
                 </a:solidFill>
@@ -13215,7 +13777,7 @@
               <a:t>YES</a:t>
             </a:r>
             <a:r>
-              <a:rPr lang="zh-CN" altLang="en-US" smtClean="0">
+              <a:rPr lang="zh-CN" altLang="en-US">
                 <a:solidFill>
                   <a:srgbClr val="3D464D"/>
                 </a:solidFill>
@@ -13224,7 +13786,7 @@
               <a:t>，即可以提交；如执行失败，给协调者反馈</a:t>
             </a:r>
             <a:r>
-              <a:rPr lang="en-US" altLang="zh-CN" smtClean="0">
+              <a:rPr lang="en-US" altLang="zh-CN">
                 <a:solidFill>
                   <a:srgbClr val="3D464D"/>
                 </a:solidFill>
@@ -13233,7 +13795,7 @@
               <a:t>NO</a:t>
             </a:r>
             <a:r>
-              <a:rPr lang="zh-CN" altLang="en-US" smtClean="0">
+              <a:rPr lang="zh-CN" altLang="en-US">
                 <a:solidFill>
                   <a:srgbClr val="3D464D"/>
                 </a:solidFill>
@@ -13241,15 +13803,11 @@
               </a:rPr>
               <a:t>，即不可提交。</a:t>
             </a:r>
-            <a:r>
-              <a:rPr lang="zh-CN" altLang="en-US" smtClean="0"/>
-              <a:t/>
-            </a:r>
             <a:br>
-              <a:rPr lang="zh-CN" altLang="en-US" smtClean="0"/>
+              <a:rPr lang="zh-CN" altLang="en-US"/>
             </a:br>
             <a:r>
-              <a:rPr lang="zh-CN" altLang="en-US" smtClean="0">
+              <a:rPr lang="zh-CN" altLang="en-US">
                 <a:solidFill>
                   <a:srgbClr val="3D464D"/>
                 </a:solidFill>
@@ -13257,15 +13815,11 @@
               </a:rPr>
               <a:t> </a:t>
             </a:r>
-            <a:r>
-              <a:rPr lang="zh-CN" altLang="en-US" smtClean="0"/>
-              <a:t/>
-            </a:r>
             <a:br>
-              <a:rPr lang="zh-CN" altLang="en-US" smtClean="0"/>
+              <a:rPr lang="zh-CN" altLang="en-US"/>
             </a:br>
             <a:r>
-              <a:rPr lang="zh-CN" altLang="en-US" b="1" smtClean="0">
+              <a:rPr lang="zh-CN" altLang="en-US" b="1">
                 <a:solidFill>
                   <a:srgbClr val="3D464D"/>
                 </a:solidFill>
@@ -13274,7 +13828,7 @@
               <a:t>阶段</a:t>
             </a:r>
             <a:r>
-              <a:rPr lang="en-US" altLang="zh-CN" b="1" smtClean="0">
+              <a:rPr lang="en-US" altLang="zh-CN" b="1">
                 <a:solidFill>
                   <a:srgbClr val="3D464D"/>
                 </a:solidFill>
@@ -13283,7 +13837,7 @@
               <a:t>2</a:t>
             </a:r>
             <a:r>
-              <a:rPr lang="zh-CN" altLang="en-US" b="1" smtClean="0">
+              <a:rPr lang="zh-CN" altLang="en-US" b="1">
                 <a:solidFill>
                   <a:srgbClr val="3D464D"/>
                 </a:solidFill>
@@ -13291,15 +13845,11 @@
               </a:rPr>
               <a:t>：提交阶段</a:t>
             </a:r>
-            <a:r>
-              <a:rPr lang="zh-CN" altLang="en-US" smtClean="0"/>
-              <a:t/>
-            </a:r>
             <a:br>
-              <a:rPr lang="zh-CN" altLang="en-US" smtClean="0"/>
+              <a:rPr lang="zh-CN" altLang="en-US"/>
             </a:br>
             <a:r>
-              <a:rPr lang="zh-CN" altLang="en-US" smtClean="0">
+              <a:rPr lang="zh-CN" altLang="en-US">
                 <a:solidFill>
                   <a:srgbClr val="3D464D"/>
                 </a:solidFill>
@@ -13308,11 +13858,11 @@
               <a:t> </a:t>
             </a:r>
             <a:r>
-              <a:rPr lang="en-US" altLang="zh-CN" smtClean="0"/>
+              <a:rPr lang="en-US" altLang="zh-CN"/>
               <a:t>     </a:t>
             </a:r>
             <a:r>
-              <a:rPr lang="zh-CN" altLang="en-US" smtClean="0">
+              <a:rPr lang="zh-CN" altLang="en-US">
                 <a:solidFill>
                   <a:srgbClr val="3D464D"/>
                 </a:solidFill>
@@ -13321,7 +13871,7 @@
               <a:t>此阶段分两种情况：所有参与者均反馈</a:t>
             </a:r>
             <a:r>
-              <a:rPr lang="en-US" altLang="zh-CN" smtClean="0">
+              <a:rPr lang="en-US" altLang="zh-CN">
                 <a:solidFill>
                   <a:srgbClr val="3D464D"/>
                 </a:solidFill>
@@ -13330,7 +13880,7 @@
               <a:t>YES</a:t>
             </a:r>
             <a:r>
-              <a:rPr lang="zh-CN" altLang="en-US" smtClean="0">
+              <a:rPr lang="zh-CN" altLang="en-US">
                 <a:solidFill>
                   <a:srgbClr val="3D464D"/>
                 </a:solidFill>
@@ -13339,7 +13889,7 @@
               <a:t>、或任何一个参与者反馈</a:t>
             </a:r>
             <a:r>
-              <a:rPr lang="en-US" altLang="zh-CN" smtClean="0">
+              <a:rPr lang="en-US" altLang="zh-CN">
                 <a:solidFill>
                   <a:srgbClr val="3D464D"/>
                 </a:solidFill>
@@ -13348,7 +13898,7 @@
               <a:t>NO</a:t>
             </a:r>
             <a:r>
-              <a:rPr lang="zh-CN" altLang="en-US" smtClean="0">
+              <a:rPr lang="zh-CN" altLang="en-US">
                 <a:solidFill>
                   <a:srgbClr val="3D464D"/>
                 </a:solidFill>
@@ -13356,15 +13906,11 @@
               </a:rPr>
               <a:t>。</a:t>
             </a:r>
-            <a:r>
-              <a:rPr lang="zh-CN" altLang="en-US" smtClean="0"/>
-              <a:t/>
-            </a:r>
             <a:br>
-              <a:rPr lang="zh-CN" altLang="en-US" smtClean="0"/>
+              <a:rPr lang="zh-CN" altLang="en-US"/>
             </a:br>
             <a:r>
-              <a:rPr lang="zh-CN" altLang="en-US" smtClean="0">
+              <a:rPr lang="zh-CN" altLang="en-US">
                 <a:solidFill>
                   <a:srgbClr val="3D464D"/>
                 </a:solidFill>
@@ -13373,7 +13919,7 @@
               <a:t>　　所有参与者均反馈</a:t>
             </a:r>
             <a:r>
-              <a:rPr lang="en-US" altLang="zh-CN" smtClean="0">
+              <a:rPr lang="en-US" altLang="zh-CN">
                 <a:solidFill>
                   <a:srgbClr val="3D464D"/>
                 </a:solidFill>
@@ -13382,7 +13928,7 @@
               <a:t>YES</a:t>
             </a:r>
             <a:r>
-              <a:rPr lang="zh-CN" altLang="en-US" smtClean="0">
+              <a:rPr lang="zh-CN" altLang="en-US">
                 <a:solidFill>
                   <a:srgbClr val="3D464D"/>
                 </a:solidFill>
@@ -13390,15 +13936,11 @@
               </a:rPr>
               <a:t>时，即提交事务。</a:t>
             </a:r>
-            <a:r>
-              <a:rPr lang="zh-CN" altLang="en-US" smtClean="0"/>
-              <a:t/>
-            </a:r>
             <a:br>
-              <a:rPr lang="zh-CN" altLang="en-US" smtClean="0"/>
+              <a:rPr lang="zh-CN" altLang="en-US"/>
             </a:br>
             <a:r>
-              <a:rPr lang="zh-CN" altLang="en-US" smtClean="0">
+              <a:rPr lang="zh-CN" altLang="en-US">
                 <a:solidFill>
                   <a:srgbClr val="3D464D"/>
                 </a:solidFill>
@@ -13407,7 +13949,7 @@
               <a:t>　　任何一个参与者反馈</a:t>
             </a:r>
             <a:r>
-              <a:rPr lang="en-US" altLang="zh-CN" smtClean="0">
+              <a:rPr lang="en-US" altLang="zh-CN">
                 <a:solidFill>
                   <a:srgbClr val="3D464D"/>
                 </a:solidFill>
@@ -13416,7 +13958,7 @@
               <a:t>NO</a:t>
             </a:r>
             <a:r>
-              <a:rPr lang="zh-CN" altLang="en-US" smtClean="0">
+              <a:rPr lang="zh-CN" altLang="en-US">
                 <a:solidFill>
                   <a:srgbClr val="3D464D"/>
                 </a:solidFill>
@@ -13467,10 +14009,6 @@
               </a:rPr>
               <a:t>、同步阻塞：最大的问题即同步阻塞，即：所有参与事务的逻辑均处于阻塞状态。</a:t>
             </a:r>
-            <a:r>
-              <a:rPr lang="zh-CN" altLang="en-US" dirty="0"/>
-              <a:t/>
-            </a:r>
             <a:br>
               <a:rPr lang="zh-CN" altLang="en-US" dirty="0"/>
             </a:br>
@@ -13500,10 +14038,6 @@
                 <a:latin typeface="-apple-system"/>
               </a:rPr>
               <a:t>、单点：协调者存在单点问题，如果协调者出现故障，参与者将一直处于锁定状态。</a:t>
-            </a:r>
-            <a:r>
-              <a:rPr lang="zh-CN" altLang="en-US" dirty="0"/>
-              <a:t/>
             </a:r>
             <a:br>
               <a:rPr lang="zh-CN" altLang="en-US" dirty="0"/>
@@ -13614,13 +14148,6 @@
   <p:clrMapOvr>
     <a:masterClrMapping/>
   </p:clrMapOvr>
-  <p:timing>
-    <p:tnLst>
-      <p:par>
-        <p:cTn id="1" dur="indefinite" restart="never" nodeType="tmRoot"/>
-      </p:par>
-    </p:tnLst>
-  </p:timing>
 </p:sld>
 </file>
 
@@ -13663,15 +14190,15 @@
           <a:lstStyle/>
           <a:p>
             <a:r>
-              <a:rPr lang="en-US" altLang="zh-CN" sz="2800" dirty="0" err="1" smtClean="0"/>
+              <a:rPr lang="en-US" altLang="zh-CN" sz="2800" dirty="0" err="1"/>
               <a:t>Mysql</a:t>
             </a:r>
             <a:r>
-              <a:rPr lang="zh-CN" altLang="en-US" sz="2800" dirty="0" smtClean="0"/>
+              <a:rPr lang="zh-CN" altLang="en-US" sz="2800" dirty="0"/>
               <a:t>中的</a:t>
             </a:r>
             <a:r>
-              <a:rPr lang="en-US" altLang="zh-CN" sz="2800" dirty="0" smtClean="0"/>
+              <a:rPr lang="en-US" altLang="zh-CN" sz="2800" dirty="0"/>
               <a:t>redo &amp; undo</a:t>
             </a:r>
             <a:endParaRPr lang="zh-CN" altLang="en-US" sz="2800" dirty="0"/>
@@ -13757,7 +14284,7 @@
           <a:lstStyle/>
           <a:p>
             <a:r>
-              <a:rPr lang="zh-CN" altLang="en-US" sz="2400" dirty="0" smtClean="0">
+              <a:rPr lang="zh-CN" altLang="en-US" sz="2400" dirty="0">
                 <a:hlinkClick r:id="rId2"/>
               </a:rPr>
               <a:t>参考文献</a:t>
@@ -13788,7 +14315,7 @@
           <a:lstStyle/>
           <a:p>
             <a:r>
-              <a:rPr lang="zh-CN" altLang="en-US" b="1" smtClean="0">
+              <a:rPr lang="zh-CN" altLang="en-US" b="1">
                 <a:solidFill>
                   <a:srgbClr val="333333"/>
                 </a:solidFill>
@@ -13798,7 +14325,7 @@
               <a:t>为什么要有</a:t>
             </a:r>
             <a:r>
-              <a:rPr lang="en-US" altLang="zh-CN" b="1" smtClean="0">
+              <a:rPr lang="en-US" altLang="zh-CN" b="1">
                 <a:solidFill>
                   <a:srgbClr val="333333"/>
                 </a:solidFill>
@@ -13807,7 +14334,7 @@
               <a:t>undo</a:t>
             </a:r>
             <a:r>
-              <a:rPr lang="zh-CN" altLang="en-US" b="1" smtClean="0">
+              <a:rPr lang="zh-CN" altLang="en-US" b="1">
                 <a:solidFill>
                   <a:srgbClr val="333333"/>
                 </a:solidFill>
@@ -13842,26 +14369,25 @@
           <a:lstStyle/>
           <a:p>
             <a:r>
-              <a:rPr lang="zh-CN" altLang="en-US" dirty="0" smtClean="0"/>
+              <a:rPr lang="zh-CN" altLang="en-US" dirty="0"/>
               <a:t>数据库事务未提交时，会将事务修改数据的镜像（即修改前的旧版本）存放到</a:t>
             </a:r>
             <a:r>
-              <a:rPr lang="en-US" altLang="zh-CN" dirty="0" smtClean="0"/>
+              <a:rPr lang="en-US" altLang="zh-CN" dirty="0"/>
               <a:t>undo</a:t>
             </a:r>
             <a:r>
-              <a:rPr lang="zh-CN" altLang="en-US" dirty="0" smtClean="0"/>
+              <a:rPr lang="zh-CN" altLang="en-US" dirty="0"/>
               <a:t>日志里，当事务回滚时，或者数据库奔溃时，可以利用</a:t>
             </a:r>
             <a:r>
-              <a:rPr lang="en-US" altLang="zh-CN" dirty="0" smtClean="0"/>
+              <a:rPr lang="en-US" altLang="zh-CN" dirty="0"/>
               <a:t>undo</a:t>
             </a:r>
             <a:r>
-              <a:rPr lang="zh-CN" altLang="en-US" dirty="0" smtClean="0"/>
+              <a:rPr lang="zh-CN" altLang="en-US" dirty="0"/>
               <a:t>日志，即旧版本数据，撤销未提交事务对数据库产生的影响。</a:t>
             </a:r>
-            <a:endParaRPr lang="zh-CN" altLang="en-US" dirty="0"/>
           </a:p>
         </p:txBody>
       </p:sp>
@@ -13888,13 +14414,8 @@
           <a:p>
             <a:r>
               <a:rPr lang="zh-CN" altLang="en-US" dirty="0"/>
-              <a:t>更细节的</a:t>
-            </a:r>
-            <a:r>
-              <a:rPr lang="zh-CN" altLang="en-US" dirty="0" smtClean="0"/>
-              <a:t>，</a:t>
-            </a:r>
-            <a:endParaRPr lang="zh-CN" altLang="en-US" dirty="0"/>
+              <a:t>更细节的，</a:t>
+            </a:r>
           </a:p>
           <a:p>
             <a:r>
@@ -13923,13 +14444,8 @@
             </a:r>
             <a:r>
               <a:rPr lang="zh-CN" altLang="en-US" dirty="0"/>
-              <a:t>，回滚时直接删除</a:t>
-            </a:r>
-            <a:r>
-              <a:rPr lang="zh-CN" altLang="en-US" dirty="0" smtClean="0"/>
-              <a:t>；</a:t>
-            </a:r>
-            <a:endParaRPr lang="zh-CN" altLang="en-US" dirty="0"/>
+              <a:t>，回滚时直接删除；</a:t>
+            </a:r>
           </a:p>
           <a:p>
             <a:r>
@@ -13958,13 +14474,8 @@
             </a:r>
             <a:r>
               <a:rPr lang="zh-CN" altLang="en-US" dirty="0"/>
-              <a:t>，回滚时直接恢复</a:t>
-            </a:r>
-            <a:r>
-              <a:rPr lang="zh-CN" altLang="en-US" dirty="0" smtClean="0"/>
-              <a:t>；</a:t>
-            </a:r>
-            <a:endParaRPr lang="zh-CN" altLang="en-US" dirty="0"/>
+              <a:t>，回滚时直接恢复；</a:t>
+            </a:r>
           </a:p>
           <a:p>
             <a:r>
@@ -14029,15 +14540,7 @@
             </a:r>
             <a:r>
               <a:rPr lang="zh-CN" altLang="en-US" dirty="0"/>
-              <a:t>特性产生影响</a:t>
-            </a:r>
-            <a:r>
-              <a:rPr lang="zh-CN" altLang="en-US" dirty="0" smtClean="0"/>
-              <a:t>。</a:t>
-            </a:r>
-            <a:r>
-              <a:rPr lang="zh-CN" altLang="en-US" dirty="0"/>
-              <a:t>存储</a:t>
+              <a:t>特性产生影响。存储</a:t>
             </a:r>
             <a:r>
               <a:rPr lang="en-US" altLang="zh-CN" dirty="0"/>
@@ -14146,13 +14649,6 @@
   <p:clrMapOvr>
     <a:masterClrMapping/>
   </p:clrMapOvr>
-  <p:timing>
-    <p:tnLst>
-      <p:par>
-        <p:cTn id="1" dur="indefinite" restart="never" nodeType="tmRoot"/>
-      </p:par>
-    </p:tnLst>
-  </p:timing>
 </p:sld>
 </file>
 
